--- a/MiniQ/Testing/Testing.pptx
+++ b/MiniQ/Testing/Testing.pptx
@@ -3450,19 +3450,19 @@
           <a:lstStyle/>
           <a:p>
             <a:r>
-              <a:rPr lang="ru-RU" dirty="0" smtClean="0"/>
+              <a:rPr lang="ru-RU" dirty="0"/>
               <a:t>Однотипность</a:t>
             </a:r>
           </a:p>
           <a:p>
             <a:r>
-              <a:rPr lang="ru-RU" dirty="0" smtClean="0"/>
+              <a:rPr lang="ru-RU" dirty="0"/>
               <a:t>Затраты на поддержку</a:t>
             </a:r>
           </a:p>
           <a:p>
             <a:r>
-              <a:rPr lang="ru-RU" dirty="0" smtClean="0"/>
+              <a:rPr lang="ru-RU" dirty="0"/>
               <a:t>Разработка каркаса – большие затраты</a:t>
             </a:r>
             <a:endParaRPr lang="en-US" dirty="0"/>
@@ -3579,24 +3579,18 @@
               <a:rPr lang="ru-RU" dirty="0" smtClean="0"/>
               <a:t>Все различия в конфигурации</a:t>
             </a:r>
-            <a:endParaRPr lang="ru-RU" dirty="0" smtClean="0"/>
           </a:p>
           <a:p>
             <a:r>
               <a:rPr lang="ru-RU" dirty="0" smtClean="0"/>
               <a:t>Специальный пользователь</a:t>
             </a:r>
-            <a:endParaRPr lang="ru-RU" dirty="0" smtClean="0"/>
           </a:p>
           <a:p>
             <a:pPr lvl="1"/>
             <a:r>
               <a:rPr lang="ru-RU" dirty="0" smtClean="0"/>
-              <a:t>Удалить </a:t>
-            </a:r>
-            <a:r>
-              <a:rPr lang="ru-RU" dirty="0" smtClean="0"/>
-              <a:t>позже</a:t>
+              <a:t>Удалить позже</a:t>
             </a:r>
           </a:p>
           <a:p>
@@ -3691,7 +3685,6 @@
               <a:rPr lang="ru-RU" dirty="0" smtClean="0"/>
               <a:t>тесты</a:t>
             </a:r>
-            <a:endParaRPr lang="ru-RU" dirty="0" smtClean="0"/>
           </a:p>
           <a:p>
             <a:r>
@@ -3702,7 +3695,6 @@
               <a:rPr lang="ru-RU" dirty="0" smtClean="0"/>
               <a:t>тесты</a:t>
             </a:r>
-            <a:endParaRPr lang="ru-RU" dirty="0" smtClean="0"/>
           </a:p>
           <a:p>
             <a:r>
@@ -3796,7 +3788,6 @@
               <a:rPr lang="ru-RU" dirty="0" smtClean="0"/>
               <a:t>тесты</a:t>
             </a:r>
-            <a:endParaRPr lang="ru-RU" dirty="0" smtClean="0"/>
           </a:p>
           <a:p>
             <a:r>
@@ -3807,7 +3798,6 @@
               <a:rPr lang="ru-RU" dirty="0" smtClean="0"/>
               <a:t>тесты</a:t>
             </a:r>
-            <a:endParaRPr lang="ru-RU" dirty="0" smtClean="0"/>
           </a:p>
           <a:p>
             <a:r>
@@ -3899,11 +3889,7 @@
           <a:p>
             <a:r>
               <a:rPr lang="ru-RU" dirty="0" smtClean="0"/>
-              <a:t>Статический анализ </a:t>
-            </a:r>
-            <a:r>
-              <a:rPr lang="ru-RU" dirty="0" smtClean="0"/>
-              <a:t>кода</a:t>
+              <a:t>Статический анализ кода</a:t>
             </a:r>
             <a:endParaRPr lang="en-US" dirty="0" smtClean="0"/>
           </a:p>
@@ -4264,17 +4250,12 @@
               <a:rPr lang="ru-RU" dirty="0" smtClean="0"/>
               <a:t>Функциональные</a:t>
             </a:r>
-            <a:endParaRPr lang="ru-RU" dirty="0" smtClean="0"/>
           </a:p>
           <a:p>
             <a:pPr lvl="2"/>
             <a:r>
               <a:rPr lang="ru-RU" dirty="0" smtClean="0"/>
-              <a:t>Имитируют </a:t>
-            </a:r>
-            <a:r>
-              <a:rPr lang="ru-RU" dirty="0" smtClean="0"/>
-              <a:t>пользователя</a:t>
+              <a:t>Имитируют пользователя</a:t>
             </a:r>
             <a:endParaRPr lang="en-US" dirty="0" smtClean="0"/>
           </a:p>
@@ -4299,7 +4280,6 @@
               <a:rPr lang="en-US" dirty="0" smtClean="0"/>
               <a:t>Usability</a:t>
             </a:r>
-            <a:endParaRPr lang="en-US" dirty="0" smtClean="0"/>
           </a:p>
           <a:p>
             <a:pPr lvl="1"/>
@@ -4676,15 +4656,7 @@
             </a:pPr>
             <a:r>
               <a:rPr lang="ru-RU" dirty="0" smtClean="0"/>
-              <a:t>Тестирование </a:t>
-            </a:r>
-            <a:r>
-              <a:rPr lang="ru-RU" dirty="0" smtClean="0"/>
-              <a:t>с </a:t>
-            </a:r>
-            <a:r>
-              <a:rPr lang="ru-RU" dirty="0" smtClean="0"/>
-              <a:t>помощью </a:t>
+              <a:t>Тестирование с помощью </a:t>
             </a:r>
             <a:r>
               <a:rPr lang="ru-RU" dirty="0" err="1" smtClean="0"/>
@@ -4700,7 +4672,6 @@
               <a:rPr lang="ru-RU" dirty="0" smtClean="0"/>
               <a:t>- Базы данных</a:t>
             </a:r>
-            <a:endParaRPr lang="ru-RU" dirty="0" smtClean="0"/>
           </a:p>
           <a:p>
             <a:pPr lvl="1">
@@ -4734,11 +4705,7 @@
             </a:pPr>
             <a:r>
               <a:rPr lang="ru-RU" dirty="0" smtClean="0"/>
-              <a:t>Или отдельный инстанс для </a:t>
-            </a:r>
-            <a:r>
-              <a:rPr lang="ru-RU" dirty="0" smtClean="0"/>
-              <a:t>тестирования</a:t>
+              <a:t>Или отдельный инстанс для тестирования</a:t>
             </a:r>
           </a:p>
           <a:p>
@@ -5010,11 +4977,7 @@
           <a:p>
             <a:r>
               <a:rPr lang="ru-RU" dirty="0" smtClean="0"/>
-              <a:t>Нагрузочное </a:t>
-            </a:r>
-            <a:r>
-              <a:rPr lang="ru-RU" dirty="0" smtClean="0"/>
-              <a:t>тестирование</a:t>
+              <a:t>Нагрузочное тестирование</a:t>
             </a:r>
             <a:r>
               <a:rPr lang="en-US" dirty="0" smtClean="0"/>
@@ -5067,15 +5030,7 @@
             <a:pPr lvl="1"/>
             <a:r>
               <a:rPr lang="ru-RU" dirty="0" smtClean="0"/>
-              <a:t>В</a:t>
-            </a:r>
-            <a:r>
-              <a:rPr lang="ru-RU" dirty="0" smtClean="0"/>
-              <a:t>ремя </a:t>
-            </a:r>
-            <a:r>
-              <a:rPr lang="ru-RU" dirty="0" smtClean="0"/>
-              <a:t>отклика приложения</a:t>
+              <a:t>Время отклика приложения</a:t>
             </a:r>
           </a:p>
           <a:p>
@@ -5130,15 +5085,7 @@
             <a:pPr lvl="1"/>
             <a:r>
               <a:rPr lang="ru-RU" dirty="0" smtClean="0"/>
-              <a:t>возвращается </a:t>
-            </a:r>
-            <a:r>
-              <a:rPr lang="ru-RU" dirty="0" smtClean="0"/>
-              <a:t>ли система после запредельной нагрузки к нормальному </a:t>
-            </a:r>
-            <a:r>
-              <a:rPr lang="ru-RU" dirty="0" smtClean="0"/>
-              <a:t>режиму</a:t>
+              <a:t>возвращается ли система после запредельной нагрузки к нормальному режиму</a:t>
             </a:r>
           </a:p>
           <a:p>
@@ -5147,21 +5094,12 @@
               <a:rPr lang="ru-RU" dirty="0" smtClean="0"/>
               <a:t>Способность к регенерации</a:t>
             </a:r>
-            <a:endParaRPr lang="ru-RU" dirty="0" smtClean="0"/>
           </a:p>
           <a:p>
             <a:pPr lvl="1"/>
             <a:r>
               <a:rPr lang="ru-RU" dirty="0" smtClean="0"/>
-              <a:t>поведение </a:t>
-            </a:r>
-            <a:r>
-              <a:rPr lang="ru-RU" dirty="0" smtClean="0"/>
-              <a:t>когда один из серверов перестает </a:t>
-            </a:r>
-            <a:r>
-              <a:rPr lang="ru-RU" dirty="0" smtClean="0"/>
-              <a:t>работать</a:t>
+              <a:t>поведение когда один из серверов перестает работать</a:t>
             </a:r>
             <a:endParaRPr lang="en-US" dirty="0" smtClean="0"/>
           </a:p>
@@ -5442,7 +5380,7 @@
   <a:extraClrSchemeLst/>
   <a:extLst>
     <a:ext uri="{05A4C25C-085E-4340-85A3-A5531E510DB2}">
-      <thm15:themeFamily xmlns:thm15="http://schemas.microsoft.com/office/thememl/2012/main" xmlns="" name="Office Theme" id="{62F939B6-93AF-4DB8-9C6B-D6C7DFDC589F}" vid="{4A3C46E8-61CC-4603-A589-7422A47A8E4A}"/>
+      <thm15:themeFamily xmlns="" xmlns:thm15="http://schemas.microsoft.com/office/thememl/2012/main" name="Office Theme" id="{62F939B6-93AF-4DB8-9C6B-D6C7DFDC589F}" vid="{4A3C46E8-61CC-4603-A589-7422A47A8E4A}"/>
     </a:ext>
   </a:extLst>
 </a:theme>

--- a/MiniQ/Testing/Testing.pptx
+++ b/MiniQ/Testing/Testing.pptx
@@ -4850,7 +4850,7 @@
         <p:spPr/>
         <p:txBody>
           <a:bodyPr>
-            <a:normAutofit lnSpcReduction="10000"/>
+            <a:normAutofit fontScale="92500" lnSpcReduction="10000"/>
           </a:bodyPr>
           <a:lstStyle/>
           <a:p>
@@ -4898,9 +4898,17 @@
           </a:p>
           <a:p>
             <a:r>
-              <a:rPr lang="en-US" dirty="0"/>
+              <a:rPr lang="en-US" dirty="0" smtClean="0"/>
               <a:t>Selenium</a:t>
             </a:r>
+          </a:p>
+          <a:p>
+            <a:pPr lvl="1"/>
+            <a:r>
+              <a:rPr lang="en-US" smtClean="0"/>
+              <a:t>Selenide</a:t>
+            </a:r>
+            <a:endParaRPr lang="en-US" dirty="0"/>
           </a:p>
           <a:p>
             <a:pPr lvl="1"/>
@@ -5380,7 +5388,7 @@
   <a:extraClrSchemeLst/>
   <a:extLst>
     <a:ext uri="{05A4C25C-085E-4340-85A3-A5531E510DB2}">
-      <thm15:themeFamily xmlns="" xmlns:thm15="http://schemas.microsoft.com/office/thememl/2012/main" name="Office Theme" id="{62F939B6-93AF-4DB8-9C6B-D6C7DFDC589F}" vid="{4A3C46E8-61CC-4603-A589-7422A47A8E4A}"/>
+      <thm15:themeFamily xmlns:thm15="http://schemas.microsoft.com/office/thememl/2012/main" xmlns="" name="Office Theme" id="{62F939B6-93AF-4DB8-9C6B-D6C7DFDC589F}" vid="{4A3C46E8-61CC-4603-A589-7422A47A8E4A}"/>
     </a:ext>
   </a:extLst>
 </a:theme>

--- a/MiniQ/Testing/Testing.pptx
+++ b/MiniQ/Testing/Testing.pptx
@@ -165,6 +165,65 @@
               </c:strCache>
             </c:strRef>
           </c:tx>
+          <c:dLbls>
+            <c:dLbl>
+              <c:idx val="0"/>
+              <c:layout/>
+              <c:numFmt formatCode="0%" sourceLinked="0"/>
+              <c:spPr/>
+              <c:txPr>
+                <a:bodyPr/>
+                <a:lstStyle/>
+                <a:p>
+                  <a:pPr>
+                    <a:defRPr sz="4800">
+                      <a:latin typeface="Calibri" pitchFamily="34" charset="0"/>
+                      <a:cs typeface="Calibri" pitchFamily="34" charset="0"/>
+                    </a:defRPr>
+                  </a:pPr>
+                  <a:endParaRPr lang="ru-RU"/>
+                </a:p>
+              </c:txPr>
+              <c:showLegendKey val="0"/>
+              <c:showVal val="1"/>
+              <c:showCatName val="0"/>
+              <c:showSerName val="0"/>
+              <c:showPercent val="0"/>
+              <c:showBubbleSize val="0"/>
+            </c:dLbl>
+            <c:dLbl>
+              <c:idx val="1"/>
+              <c:layout/>
+              <c:numFmt formatCode="0%" sourceLinked="0"/>
+              <c:spPr/>
+              <c:txPr>
+                <a:bodyPr/>
+                <a:lstStyle/>
+                <a:p>
+                  <a:pPr>
+                    <a:defRPr sz="4800">
+                      <a:latin typeface="Calibri" pitchFamily="34" charset="0"/>
+                      <a:cs typeface="Calibri" pitchFamily="34" charset="0"/>
+                    </a:defRPr>
+                  </a:pPr>
+                  <a:endParaRPr lang="ru-RU"/>
+                </a:p>
+              </c:txPr>
+              <c:showLegendKey val="0"/>
+              <c:showVal val="1"/>
+              <c:showCatName val="0"/>
+              <c:showSerName val="0"/>
+              <c:showPercent val="0"/>
+              <c:showBubbleSize val="0"/>
+            </c:dLbl>
+            <c:numFmt formatCode="0%" sourceLinked="0"/>
+            <c:showLegendKey val="0"/>
+            <c:showVal val="0"/>
+            <c:showCatName val="0"/>
+            <c:showSerName val="0"/>
+            <c:showPercent val="0"/>
+            <c:showBubbleSize val="0"/>
+          </c:dLbls>
           <c:cat>
             <c:strRef>
               <c:f>Лист1!$A$2:$A$3</c:f>
@@ -182,6 +241,50 @@
           <c:val>
             <c:numRef>
               <c:f>Лист1!$B$2:$B$3</c:f>
+              <c:numCache>
+                <c:formatCode>Основной</c:formatCode>
+                <c:ptCount val="2"/>
+                <c:pt idx="0">
+                  <c:v>0.4</c:v>
+                </c:pt>
+                <c:pt idx="1">
+                  <c:v>0.6</c:v>
+                </c:pt>
+              </c:numCache>
+            </c:numRef>
+          </c:val>
+        </c:ser>
+        <c:ser>
+          <c:idx val="1"/>
+          <c:order val="1"/>
+          <c:tx>
+            <c:strRef>
+              <c:f>Лист1!$C$1</c:f>
+              <c:strCache>
+                <c:ptCount val="1"/>
+                <c:pt idx="0">
+                  <c:v>Столбец1</c:v>
+                </c:pt>
+              </c:strCache>
+            </c:strRef>
+          </c:tx>
+          <c:cat>
+            <c:strRef>
+              <c:f>Лист1!$A$2:$A$3</c:f>
+              <c:strCache>
+                <c:ptCount val="2"/>
+                <c:pt idx="0">
+                  <c:v>Да</c:v>
+                </c:pt>
+                <c:pt idx="1">
+                  <c:v>Нет</c:v>
+                </c:pt>
+              </c:strCache>
+            </c:strRef>
+          </c:cat>
+          <c:val>
+            <c:numRef>
+              <c:f>Лист1!$C$2:$C$3</c:f>
               <c:numCache>
                 <c:formatCode>Основной</c:formatCode>
                 <c:ptCount val="2"/>
@@ -215,8 +318,8 @@
           <c:yMode val="edge"/>
           <c:x val="0.6882242990654206"/>
           <c:y val="0.2768123582009876"/>
-          <c:w val="0.24051401869158878"/>
-          <c:h val="0.34853641176208905"/>
+          <c:w val="0.1486034755413243"/>
+          <c:h val="0.25315227545709329"/>
         </c:manualLayout>
       </c:layout>
       <c:overlay val="0"/>
@@ -333,7 +436,7 @@
           <a:p>
             <a:fld id="{A7BC830B-94E7-4506-9C42-3DC2E6160751}" type="datetimeFigureOut">
               <a:rPr lang="ru-RU" smtClean="0"/>
-              <a:t>15.05.2016</a:t>
+              <a:t>18.05.2016</a:t>
             </a:fld>
             <a:endParaRPr lang="ru-RU"/>
           </a:p>
@@ -1855,7 +1958,7 @@
           <a:p>
             <a:fld id="{A5A02310-A014-425C-B76F-E7BC72180DC0}" type="datetimeFigureOut">
               <a:rPr lang="en-US" smtClean="0"/>
-              <a:t>5/15/2016</a:t>
+              <a:t>5/18/2016</a:t>
             </a:fld>
             <a:endParaRPr lang="en-US"/>
           </a:p>
@@ -2046,7 +2149,7 @@
           <a:p>
             <a:fld id="{A5A02310-A014-425C-B76F-E7BC72180DC0}" type="datetimeFigureOut">
               <a:rPr lang="en-US" smtClean="0"/>
-              <a:t>5/15/2016</a:t>
+              <a:t>5/18/2016</a:t>
             </a:fld>
             <a:endParaRPr lang="en-US"/>
           </a:p>
@@ -2231,7 +2334,7 @@
           <a:p>
             <a:fld id="{A5A02310-A014-425C-B76F-E7BC72180DC0}" type="datetimeFigureOut">
               <a:rPr lang="en-US" smtClean="0"/>
-              <a:t>5/15/2016</a:t>
+              <a:t>5/18/2016</a:t>
             </a:fld>
             <a:endParaRPr lang="en-US"/>
           </a:p>
@@ -2494,7 +2597,7 @@
           <a:p>
             <a:fld id="{A5A02310-A014-425C-B76F-E7BC72180DC0}" type="datetimeFigureOut">
               <a:rPr lang="en-US" smtClean="0"/>
-              <a:t>5/15/2016</a:t>
+              <a:t>5/18/2016</a:t>
             </a:fld>
             <a:endParaRPr lang="en-US"/>
           </a:p>
@@ -2910,7 +3013,7 @@
           <a:p>
             <a:fld id="{A5A02310-A014-425C-B76F-E7BC72180DC0}" type="datetimeFigureOut">
               <a:rPr lang="en-US" smtClean="0"/>
-              <a:t>5/15/2016</a:t>
+              <a:t>5/18/2016</a:t>
             </a:fld>
             <a:endParaRPr lang="en-US"/>
           </a:p>
@@ -3152,7 +3255,7 @@
           <a:p>
             <a:fld id="{A5A02310-A014-425C-B76F-E7BC72180DC0}" type="datetimeFigureOut">
               <a:rPr lang="en-US" smtClean="0"/>
-              <a:t>5/15/2016</a:t>
+              <a:t>5/18/2016</a:t>
             </a:fld>
             <a:endParaRPr lang="en-US"/>
           </a:p>
@@ -3388,7 +3491,7 @@
           <a:p>
             <a:fld id="{A5A02310-A014-425C-B76F-E7BC72180DC0}" type="datetimeFigureOut">
               <a:rPr lang="en-US" smtClean="0"/>
-              <a:t>5/15/2016</a:t>
+              <a:t>5/18/2016</a:t>
             </a:fld>
             <a:endParaRPr lang="en-US"/>
           </a:p>
@@ -3583,7 +3686,7 @@
           <a:p>
             <a:fld id="{A5A02310-A014-425C-B76F-E7BC72180DC0}" type="datetimeFigureOut">
               <a:rPr lang="en-US" smtClean="0"/>
-              <a:t>5/15/2016</a:t>
+              <a:t>5/18/2016</a:t>
             </a:fld>
             <a:endParaRPr lang="en-US"/>
           </a:p>
@@ -3681,7 +3784,7 @@
           <a:p>
             <a:fld id="{A5A02310-A014-425C-B76F-E7BC72180DC0}" type="datetimeFigureOut">
               <a:rPr lang="en-US" smtClean="0"/>
-              <a:t>5/15/2016</a:t>
+              <a:t>5/18/2016</a:t>
             </a:fld>
             <a:endParaRPr lang="en-US"/>
           </a:p>
@@ -3817,7 +3920,7 @@
           <a:p>
             <a:fld id="{A5A02310-A014-425C-B76F-E7BC72180DC0}" type="datetimeFigureOut">
               <a:rPr lang="en-US" smtClean="0"/>
-              <a:t>5/15/2016</a:t>
+              <a:t>5/18/2016</a:t>
             </a:fld>
             <a:endParaRPr lang="en-US"/>
           </a:p>
@@ -4335,7 +4438,7 @@
           <a:p>
             <a:fld id="{A5A02310-A014-425C-B76F-E7BC72180DC0}" type="datetimeFigureOut">
               <a:rPr lang="en-US" smtClean="0"/>
-              <a:t>5/15/2016</a:t>
+              <a:t>5/18/2016</a:t>
             </a:fld>
             <a:endParaRPr lang="en-US"/>
           </a:p>
@@ -4596,7 +4699,7 @@
           <a:p>
             <a:fld id="{A5A02310-A014-425C-B76F-E7BC72180DC0}" type="datetimeFigureOut">
               <a:rPr lang="en-US" smtClean="0"/>
-              <a:t>5/15/2016</a:t>
+              <a:t>5/18/2016</a:t>
             </a:fld>
             <a:endParaRPr lang="en-US"/>
           </a:p>
@@ -5137,12 +5240,12 @@
       </p:grpSpPr>
       <p:sp>
         <p:nvSpPr>
-          <p:cNvPr id="2" name="Title 1"/>
-          <p:cNvSpPr>
-            <a:spLocks noGrp="1"/>
-          </p:cNvSpPr>
-          <p:nvPr>
-            <p:ph type="ctrTitle"/>
+          <p:cNvPr id="3" name="Subtitle 2"/>
+          <p:cNvSpPr>
+            <a:spLocks noGrp="1"/>
+          </p:cNvSpPr>
+          <p:nvPr>
+            <p:ph type="subTitle" idx="1"/>
           </p:nvPr>
         </p:nvSpPr>
         <p:spPr/>
@@ -5150,26 +5253,41 @@
           <a:bodyPr/>
           <a:lstStyle/>
           <a:p>
+            <a:r>
+              <a:rPr lang="ru-RU" dirty="0" smtClean="0"/>
+              <a:t>Виталий Квятковский</a:t>
+            </a:r>
             <a:endParaRPr lang="en-US" dirty="0"/>
           </a:p>
         </p:txBody>
       </p:sp>
       <p:sp>
         <p:nvSpPr>
-          <p:cNvPr id="3" name="Subtitle 2"/>
-          <p:cNvSpPr>
-            <a:spLocks noGrp="1"/>
-          </p:cNvSpPr>
-          <p:nvPr>
-            <p:ph type="subTitle" idx="1"/>
-          </p:nvPr>
-        </p:nvSpPr>
-        <p:spPr/>
-        <p:txBody>
-          <a:bodyPr/>
-          <a:lstStyle/>
-          <a:p>
-            <a:endParaRPr lang="en-US"/>
+          <p:cNvPr id="5" name="TextBox 4"/>
+          <p:cNvSpPr txBox="1"/>
+          <p:nvPr/>
+        </p:nvSpPr>
+        <p:spPr>
+          <a:xfrm>
+            <a:off x="925551" y="2787806"/>
+            <a:ext cx="8037457" cy="830997"/>
+          </a:xfrm>
+          <a:prstGeom prst="rect">
+            <a:avLst/>
+          </a:prstGeom>
+          <a:noFill/>
+        </p:spPr>
+        <p:txBody>
+          <a:bodyPr wrap="none" rtlCol="0">
+            <a:spAutoFit/>
+          </a:bodyPr>
+          <a:lstStyle/>
+          <a:p>
+            <a:r>
+              <a:rPr lang="ru-RU" sz="4800" dirty="0" smtClean="0"/>
+              <a:t>Какие авто-тесты нам нужны?</a:t>
+            </a:r>
+            <a:endParaRPr lang="ru-RU" sz="4800" dirty="0"/>
           </a:p>
         </p:txBody>
       </p:sp>
@@ -5360,7 +5478,7 @@
             <p:ph sz="quarter" idx="1"/>
             <p:extLst>
               <p:ext uri="{D42A27DB-BD31-4B8C-83A1-F6EECF244321}">
-                <p14:modId xmlns:p14="http://schemas.microsoft.com/office/powerpoint/2010/main" val="287259858"/>
+                <p14:modId xmlns:p14="http://schemas.microsoft.com/office/powerpoint/2010/main" val="2093162433"/>
               </p:ext>
             </p:extLst>
           </p:nvPr>
@@ -6316,11 +6434,7 @@
           <a:p>
             <a:r>
               <a:rPr lang="ru-RU" dirty="0" smtClean="0"/>
-              <a:t>Что </a:t>
-            </a:r>
-            <a:r>
-              <a:rPr lang="ru-RU" dirty="0" smtClean="0"/>
-              <a:t>автоматизировать?</a:t>
+              <a:t>Что автоматизировать?</a:t>
             </a:r>
             <a:endParaRPr lang="en-US" dirty="0"/>
           </a:p>
@@ -6354,15 +6468,7 @@
                   <a:srgbClr val="00B050"/>
                 </a:solidFill>
               </a:rPr>
-              <a:t>Регрессионное </a:t>
-            </a:r>
-            <a:r>
-              <a:rPr lang="ru-RU" sz="2400" dirty="0" smtClean="0">
-                <a:solidFill>
-                  <a:srgbClr val="00B050"/>
-                </a:solidFill>
-              </a:rPr>
-              <a:t>тестирование</a:t>
+              <a:t>Регрессионное тестирование</a:t>
             </a:r>
           </a:p>
           <a:p>
@@ -6402,7 +6508,6 @@
               <a:rPr lang="ru-RU" sz="2400" dirty="0" smtClean="0"/>
               <a:t>)</a:t>
             </a:r>
-            <a:endParaRPr lang="ru-RU" sz="2400" dirty="0" smtClean="0"/>
           </a:p>
           <a:p>
             <a:pPr>
@@ -6412,13 +6517,8 @@
             </a:pPr>
             <a:r>
               <a:rPr lang="ru-RU" sz="2400" dirty="0" smtClean="0"/>
-              <a:t>Нагрузочное </a:t>
-            </a:r>
-            <a:r>
-              <a:rPr lang="ru-RU" sz="2400" dirty="0" smtClean="0"/>
-              <a:t>тестирование</a:t>
-            </a:r>
-            <a:endParaRPr lang="ru-RU" sz="2400" dirty="0" smtClean="0"/>
+              <a:t>Нагрузочное тестирование</a:t>
+            </a:r>
           </a:p>
           <a:p>
             <a:pPr>
@@ -6447,52 +6547,23 @@
                   <a:srgbClr val="00B050"/>
                 </a:solidFill>
               </a:rPr>
-              <a:t>Где </a:t>
-            </a:r>
+              <a:t>Где автоматическая верификация более предпочтительна</a:t>
+            </a:r>
+          </a:p>
+          <a:p>
+            <a:pPr lvl="1">
+              <a:lnSpc>
+                <a:spcPct val="160000"/>
+              </a:lnSpc>
+            </a:pPr>
             <a:r>
               <a:rPr lang="ru-RU" sz="2400" dirty="0" smtClean="0">
                 <a:solidFill>
                   <a:srgbClr val="00B050"/>
                 </a:solidFill>
               </a:rPr>
-              <a:t>автоматическая </a:t>
-            </a:r>
-            <a:r>
-              <a:rPr lang="ru-RU" sz="2400" dirty="0" smtClean="0">
-                <a:solidFill>
-                  <a:srgbClr val="00B050"/>
-                </a:solidFill>
-              </a:rPr>
-              <a:t>верификация более предпочтительна</a:t>
-            </a:r>
-          </a:p>
-          <a:p>
-            <a:pPr lvl="1">
-              <a:lnSpc>
-                <a:spcPct val="160000"/>
-              </a:lnSpc>
-            </a:pPr>
-            <a:r>
-              <a:rPr lang="ru-RU" sz="2400" dirty="0" smtClean="0">
-                <a:solidFill>
-                  <a:srgbClr val="00B050"/>
-                </a:solidFill>
-              </a:rPr>
-              <a:t>Сложные </a:t>
-            </a:r>
-            <a:r>
-              <a:rPr lang="ru-RU" sz="2400" dirty="0" smtClean="0">
-                <a:solidFill>
-                  <a:srgbClr val="00B050"/>
-                </a:solidFill>
-              </a:rPr>
-              <a:t>расчеты</a:t>
-            </a:r>
-            <a:endParaRPr lang="ru-RU" sz="2400" dirty="0" smtClean="0">
-              <a:solidFill>
-                <a:srgbClr val="00B050"/>
-              </a:solidFill>
-            </a:endParaRPr>
+              <a:t>Сложные расчеты</a:t>
+            </a:r>
           </a:p>
         </p:txBody>
       </p:sp>
@@ -6550,11 +6621,7 @@
           <a:p>
             <a:r>
               <a:rPr lang="ru-RU" dirty="0" smtClean="0"/>
-              <a:t>Зачем </a:t>
-            </a:r>
-            <a:r>
-              <a:rPr lang="ru-RU" dirty="0" smtClean="0"/>
-              <a:t>автоматизировать (опрос)</a:t>
+              <a:t>Зачем автоматизировать (опрос)</a:t>
             </a:r>
             <a:endParaRPr lang="en-US" dirty="0"/>
           </a:p>
@@ -6654,7 +6721,6 @@
               <a:rPr lang="ru-RU" dirty="0" smtClean="0"/>
               <a:t>Окупаются со временем</a:t>
             </a:r>
-            <a:endParaRPr lang="ru-RU" dirty="0" smtClean="0"/>
           </a:p>
         </p:txBody>
       </p:sp>
@@ -7330,11 +7396,6 @@
               </a:rPr>
               <a:t>надежнее</a:t>
             </a:r>
-            <a:endParaRPr lang="ru-RU" sz="3200" dirty="0" smtClean="0">
-              <a:solidFill>
-                <a:srgbClr val="00B050"/>
-              </a:solidFill>
-            </a:endParaRPr>
           </a:p>
           <a:p>
             <a:pPr lvl="1"/>
@@ -7344,23 +7405,7 @@
                   <a:srgbClr val="00B050"/>
                 </a:solidFill>
               </a:rPr>
-              <a:t>Оптимизация </a:t>
-            </a:r>
-            <a:r>
-              <a:rPr lang="ru-RU" sz="3600" dirty="0" smtClean="0">
-                <a:solidFill>
-                  <a:srgbClr val="00B050"/>
-                </a:solidFill>
-              </a:rPr>
-              <a:t>использования </a:t>
-            </a:r>
-            <a:r>
-              <a:rPr lang="ru-RU" sz="3600" dirty="0" smtClean="0">
-                <a:solidFill>
-                  <a:srgbClr val="00B050"/>
-                </a:solidFill>
-              </a:rPr>
-              <a:t>времени </a:t>
+              <a:t>Оптимизация использования времени </a:t>
             </a:r>
           </a:p>
           <a:p>
@@ -7394,24 +7439,15 @@
             <a:pPr lvl="1"/>
             <a:r>
               <a:rPr lang="ru-RU" sz="3600" dirty="0" smtClean="0"/>
-              <a:t>Автоматический отчет </a:t>
-            </a:r>
+              <a:t>Автоматический отчет о тестировании</a:t>
+            </a:r>
+          </a:p>
+          <a:p>
+            <a:pPr lvl="1"/>
             <a:r>
               <a:rPr lang="ru-RU" sz="3600" dirty="0" smtClean="0"/>
-              <a:t>о тестировании</a:t>
-            </a:r>
-          </a:p>
-          <a:p>
-            <a:pPr lvl="1"/>
-            <a:r>
-              <a:rPr lang="ru-RU" sz="3600" dirty="0" smtClean="0"/>
-              <a:t>Выполнение в </a:t>
-            </a:r>
-            <a:r>
-              <a:rPr lang="ru-RU" sz="3600" dirty="0" smtClean="0"/>
-              <a:t>фоне</a:t>
-            </a:r>
-            <a:endParaRPr lang="ru-RU" sz="3600" dirty="0" smtClean="0"/>
+              <a:t>Выполнение в фоне</a:t>
+            </a:r>
           </a:p>
         </p:txBody>
       </p:sp>
@@ -7487,7 +7523,9 @@
         </p:nvSpPr>
         <p:spPr/>
         <p:txBody>
-          <a:bodyPr/>
+          <a:bodyPr>
+            <a:normAutofit lnSpcReduction="10000"/>
+          </a:bodyPr>
           <a:lstStyle/>
           <a:p>
             <a:pPr marL="514350" indent="-514350">
@@ -8596,13 +8634,8 @@
             </a:pPr>
             <a:r>
               <a:rPr lang="ru-RU" dirty="0" smtClean="0"/>
-              <a:t>Удалить </a:t>
-            </a:r>
-            <a:r>
-              <a:rPr lang="ru-RU" dirty="0" smtClean="0"/>
-              <a:t>позже</a:t>
-            </a:r>
-            <a:endParaRPr lang="ru-RU" dirty="0" smtClean="0"/>
+              <a:t>Удалить позже</a:t>
+            </a:r>
           </a:p>
           <a:p>
             <a:pPr>
@@ -8854,19 +8887,11 @@
             </a:pPr>
             <a:r>
               <a:rPr lang="ru-RU" sz="3600" dirty="0" smtClean="0"/>
-              <a:t>На уровне </a:t>
-            </a:r>
-            <a:r>
-              <a:rPr lang="ru-RU" sz="3600" dirty="0" smtClean="0"/>
-              <a:t>интерфейса пользователя (</a:t>
+              <a:t>На уровне интерфейса пользователя (</a:t>
             </a:r>
             <a:r>
               <a:rPr lang="en-US" sz="3600" dirty="0" smtClean="0"/>
-              <a:t>service/API/GUI</a:t>
-            </a:r>
-            <a:r>
-              <a:rPr lang="en-US" sz="3600" dirty="0" smtClean="0"/>
-              <a:t>)</a:t>
+              <a:t>service/API/GUI)</a:t>
             </a:r>
             <a:endParaRPr lang="en-US" sz="3600" dirty="0"/>
           </a:p>
@@ -9117,11 +9142,11 @@
   <p:clrMapOvr>
     <a:masterClrMapping/>
   </p:clrMapOvr>
-  <mc:AlternateContent xmlns:mc="http://schemas.openxmlformats.org/markup-compatibility/2006">
-    <mc:Choice xmlns:p14="http://schemas.microsoft.com/office/powerpoint/2010/main" Requires="p14">
+  <mc:AlternateContent xmlns:mc="http://schemas.openxmlformats.org/markup-compatibility/2006" xmlns:p14="http://schemas.microsoft.com/office/powerpoint/2010/main">
+    <mc:Choice Requires="p14">
       <p:transition spd="slow" p14:dur="2000"/>
     </mc:Choice>
-    <mc:Fallback>
+    <mc:Fallback xmlns="">
       <p:transition spd="slow"/>
     </mc:Fallback>
   </mc:AlternateContent>
@@ -9506,13 +9531,8 @@
             <a:pPr lvl="1"/>
             <a:r>
               <a:rPr lang="ru-RU" dirty="0" smtClean="0"/>
-              <a:t> </a:t>
-            </a:r>
-            <a:r>
-              <a:rPr lang="ru-RU" dirty="0" smtClean="0"/>
-              <a:t>Функциональные</a:t>
-            </a:r>
-            <a:endParaRPr lang="ru-RU" dirty="0" smtClean="0"/>
+              <a:t> Функциональные</a:t>
+            </a:r>
           </a:p>
           <a:p>
             <a:pPr lvl="2"/>
@@ -9542,7 +9562,6 @@
               <a:rPr lang="ru-RU" dirty="0" smtClean="0"/>
               <a:t>Нагрузочные</a:t>
             </a:r>
-            <a:endParaRPr lang="ru-RU" dirty="0" smtClean="0"/>
           </a:p>
           <a:p>
             <a:pPr lvl="1"/>
@@ -9550,7 +9569,6 @@
               <a:rPr lang="en-US" dirty="0" smtClean="0"/>
               <a:t>Usability</a:t>
             </a:r>
-            <a:endParaRPr lang="en-US" dirty="0" smtClean="0"/>
           </a:p>
         </p:txBody>
       </p:sp>
@@ -9693,7 +9711,6 @@
               <a:rPr lang="ru-RU" sz="3200" dirty="0" smtClean="0"/>
               <a:t>Инструменты</a:t>
             </a:r>
-            <a:endParaRPr lang="ru-RU" sz="3200" dirty="0" smtClean="0"/>
           </a:p>
           <a:p>
             <a:pPr lvl="1"/>
@@ -9995,11 +10012,7 @@
           <a:p>
             <a:r>
               <a:rPr lang="ru-RU" sz="2800" dirty="0" smtClean="0"/>
-              <a:t> </a:t>
-            </a:r>
-            <a:r>
-              <a:rPr lang="ru-RU" sz="2800" dirty="0" smtClean="0"/>
-              <a:t>Базы данных</a:t>
+              <a:t> Базы данных</a:t>
             </a:r>
           </a:p>
           <a:p>
@@ -10038,10 +10051,6 @@
             </a:r>
           </a:p>
           <a:p>
-            <a:pPr>
-              <a:buFontTx/>
-              <a:buChar char="-"/>
-            </a:pPr>
             <a:r>
               <a:rPr lang="ru-RU" sz="2800" dirty="0" smtClean="0"/>
               <a:t>Файловая система</a:t>
@@ -10073,10 +10082,6 @@
             <a:endParaRPr lang="en-US" sz="2400" dirty="0" smtClean="0"/>
           </a:p>
           <a:p>
-            <a:pPr>
-              <a:buFontTx/>
-              <a:buChar char="-"/>
-            </a:pPr>
             <a:r>
               <a:rPr lang="en-US" sz="2800" dirty="0" smtClean="0">
                 <a:latin typeface="Calibri" pitchFamily="34" charset="0"/>
@@ -10241,14 +10246,7 @@
                 <a:latin typeface="Calibri" pitchFamily="34" charset="0"/>
                 <a:cs typeface="Calibri" pitchFamily="34" charset="0"/>
               </a:rPr>
-              <a:t>Continuous </a:t>
-            </a:r>
-            <a:r>
-              <a:rPr lang="en-US" sz="3200" dirty="0" smtClean="0">
-                <a:latin typeface="Calibri" pitchFamily="34" charset="0"/>
-                <a:cs typeface="Calibri" pitchFamily="34" charset="0"/>
-              </a:rPr>
-              <a:t>Integration</a:t>
+              <a:t>Continuous Integration</a:t>
             </a:r>
             <a:r>
               <a:rPr lang="ru-RU" sz="3200" dirty="0" smtClean="0">
@@ -10271,10 +10269,6 @@
               </a:rPr>
               <a:t>smoke test)</a:t>
             </a:r>
-            <a:endParaRPr lang="en-US" sz="3200" i="1" dirty="0" smtClean="0">
-              <a:latin typeface="Calibri" pitchFamily="34" charset="0"/>
-              <a:cs typeface="Calibri" pitchFamily="34" charset="0"/>
-            </a:endParaRPr>
           </a:p>
           <a:p>
             <a:r>
@@ -10515,11 +10509,11 @@
   <p:clrMapOvr>
     <a:masterClrMapping/>
   </p:clrMapOvr>
-  <mc:AlternateContent xmlns:mc="http://schemas.openxmlformats.org/markup-compatibility/2006">
-    <mc:Choice xmlns:p14="http://schemas.microsoft.com/office/powerpoint/2010/main" Requires="p14">
+  <mc:AlternateContent xmlns:mc="http://schemas.openxmlformats.org/markup-compatibility/2006" xmlns:p14="http://schemas.microsoft.com/office/powerpoint/2010/main">
+    <mc:Choice Requires="p14">
       <p:transition spd="slow" p14:dur="2000"/>
     </mc:Choice>
-    <mc:Fallback>
+    <mc:Fallback xmlns="">
       <p:transition spd="slow"/>
     </mc:Fallback>
   </mc:AlternateContent>

--- a/MiniQ/Testing/Testing.pptx
+++ b/MiniQ/Testing/Testing.pptx
@@ -5,32 +5,33 @@
     <p:sldMasterId id="2147483720" r:id="rId1"/>
   </p:sldMasterIdLst>
   <p:notesMasterIdLst>
-    <p:notesMasterId r:id="rId25"/>
+    <p:notesMasterId r:id="rId26"/>
   </p:notesMasterIdLst>
   <p:sldIdLst>
     <p:sldId id="256" r:id="rId2"/>
-    <p:sldId id="257" r:id="rId3"/>
-    <p:sldId id="268" r:id="rId4"/>
-    <p:sldId id="259" r:id="rId5"/>
-    <p:sldId id="269" r:id="rId6"/>
-    <p:sldId id="270" r:id="rId7"/>
-    <p:sldId id="266" r:id="rId8"/>
-    <p:sldId id="271" r:id="rId9"/>
-    <p:sldId id="264" r:id="rId10"/>
-    <p:sldId id="258" r:id="rId11"/>
-    <p:sldId id="274" r:id="rId12"/>
-    <p:sldId id="275" r:id="rId13"/>
-    <p:sldId id="260" r:id="rId14"/>
-    <p:sldId id="261" r:id="rId15"/>
-    <p:sldId id="276" r:id="rId16"/>
-    <p:sldId id="262" r:id="rId17"/>
-    <p:sldId id="277" r:id="rId18"/>
-    <p:sldId id="263" r:id="rId19"/>
-    <p:sldId id="272" r:id="rId20"/>
-    <p:sldId id="273" r:id="rId21"/>
-    <p:sldId id="267" r:id="rId22"/>
-    <p:sldId id="278" r:id="rId23"/>
-    <p:sldId id="279" r:id="rId24"/>
+    <p:sldId id="280" r:id="rId3"/>
+    <p:sldId id="257" r:id="rId4"/>
+    <p:sldId id="268" r:id="rId5"/>
+    <p:sldId id="259" r:id="rId6"/>
+    <p:sldId id="281" r:id="rId7"/>
+    <p:sldId id="269" r:id="rId8"/>
+    <p:sldId id="266" r:id="rId9"/>
+    <p:sldId id="271" r:id="rId10"/>
+    <p:sldId id="264" r:id="rId11"/>
+    <p:sldId id="258" r:id="rId12"/>
+    <p:sldId id="274" r:id="rId13"/>
+    <p:sldId id="275" r:id="rId14"/>
+    <p:sldId id="260" r:id="rId15"/>
+    <p:sldId id="261" r:id="rId16"/>
+    <p:sldId id="276" r:id="rId17"/>
+    <p:sldId id="262" r:id="rId18"/>
+    <p:sldId id="277" r:id="rId19"/>
+    <p:sldId id="263" r:id="rId20"/>
+    <p:sldId id="272" r:id="rId21"/>
+    <p:sldId id="273" r:id="rId22"/>
+    <p:sldId id="267" r:id="rId23"/>
+    <p:sldId id="278" r:id="rId24"/>
+    <p:sldId id="279" r:id="rId25"/>
   </p:sldIdLst>
   <p:sldSz cx="9145588" cy="6858000"/>
   <p:notesSz cx="6858000" cy="9144000"/>
@@ -436,7 +437,7 @@
           <a:p>
             <a:fld id="{A7BC830B-94E7-4506-9C42-3DC2E6160751}" type="datetimeFigureOut">
               <a:rPr lang="ru-RU" smtClean="0"/>
-              <a:t>18.05.2016</a:t>
+              <a:t>21.05.2016</a:t>
             </a:fld>
             <a:endParaRPr lang="ru-RU"/>
           </a:p>
@@ -750,156 +751,13 @@
           <a:p>
             <a:r>
               <a:rPr lang="ru-RU" dirty="0" smtClean="0"/>
-              <a:t>В рамках формирования подхода</a:t>
+              <a:t>Я бы хотел чтобы вы задавали вопросы по ходу презентации,</a:t>
             </a:r>
             <a:r>
               <a:rPr lang="ru-RU" baseline="0" dirty="0" smtClean="0"/>
-              <a:t> к разработке софта по гибкой (</a:t>
-            </a:r>
-            <a:r>
-              <a:rPr lang="en-US" baseline="0" dirty="0" smtClean="0"/>
-              <a:t>agile) </a:t>
-            </a:r>
-            <a:r>
-              <a:rPr lang="ru-RU" baseline="0" dirty="0" smtClean="0"/>
-              <a:t>методике было введено понятие пирамиды тестирования</a:t>
-            </a:r>
-          </a:p>
-          <a:p>
-            <a:r>
-              <a:rPr lang="ru-RU" baseline="0" dirty="0" smtClean="0"/>
-              <a:t>Пирамида состоит из трех блоков тестов.</a:t>
-            </a:r>
-          </a:p>
-          <a:p>
-            <a:pPr marL="171450" indent="-171450">
-              <a:buFontTx/>
-              <a:buChar char="-"/>
-            </a:pPr>
-            <a:r>
-              <a:rPr lang="ru-RU" baseline="0" dirty="0" smtClean="0"/>
-              <a:t>Модульного</a:t>
-            </a:r>
-          </a:p>
-          <a:p>
-            <a:pPr marL="171450" indent="-171450">
-              <a:buFontTx/>
-              <a:buChar char="-"/>
-            </a:pPr>
-            <a:r>
-              <a:rPr lang="ru-RU" baseline="0" dirty="0" smtClean="0"/>
-              <a:t>Интеграционного</a:t>
-            </a:r>
-          </a:p>
-          <a:p>
-            <a:pPr marL="171450" indent="-171450">
-              <a:buFontTx/>
-              <a:buChar char="-"/>
-            </a:pPr>
-            <a:r>
-              <a:rPr lang="en-US" baseline="0" dirty="0" smtClean="0"/>
-              <a:t>UI</a:t>
-            </a:r>
-            <a:endParaRPr lang="ru-RU" baseline="0" dirty="0" smtClean="0"/>
-          </a:p>
-          <a:p>
-            <a:pPr marL="0" indent="0">
-              <a:buFontTx/>
-              <a:buNone/>
-            </a:pPr>
-            <a:r>
-              <a:rPr lang="ru-RU" baseline="0" dirty="0" smtClean="0"/>
-              <a:t>При этом основание каждого блока показывает количество таких тестов (для модульного их больше всего, для </a:t>
-            </a:r>
-            <a:r>
-              <a:rPr lang="en-US" baseline="0" dirty="0" smtClean="0"/>
-              <a:t>UI</a:t>
-            </a:r>
-            <a:r>
-              <a:rPr lang="ru-RU" baseline="0" dirty="0" smtClean="0"/>
-              <a:t> – меньше всего)</a:t>
-            </a:r>
-            <a:endParaRPr lang="en-US" baseline="0" dirty="0" smtClean="0"/>
-          </a:p>
-          <a:p>
-            <a:pPr marL="0" indent="0">
-              <a:buFontTx/>
-              <a:buNone/>
-            </a:pPr>
-            <a:r>
-              <a:rPr lang="ru-RU" baseline="0" dirty="0" smtClean="0"/>
-              <a:t>А по мере продвижения к верхушке пирамиды растет:</a:t>
-            </a:r>
-          </a:p>
-          <a:p>
-            <a:pPr marL="0" indent="0">
-              <a:buFontTx/>
-              <a:buNone/>
-            </a:pPr>
-            <a:r>
-              <a:rPr lang="ru-RU" baseline="0" dirty="0" smtClean="0"/>
-              <a:t>- Покрытие тестами функционала, что хорошо</a:t>
-            </a:r>
-          </a:p>
-          <a:p>
-            <a:pPr marL="0" indent="0">
-              <a:buFontTx/>
-              <a:buNone/>
-            </a:pPr>
-            <a:r>
-              <a:rPr lang="ru-RU" baseline="0" dirty="0" smtClean="0"/>
-              <a:t>Но также растет:</a:t>
-            </a:r>
-          </a:p>
-          <a:p>
-            <a:pPr marL="171450" indent="-171450">
-              <a:buFontTx/>
-              <a:buChar char="-"/>
-            </a:pPr>
-            <a:r>
-              <a:rPr lang="ru-RU" baseline="0" dirty="0" smtClean="0"/>
-              <a:t>Стоимость поддержки</a:t>
-            </a:r>
-          </a:p>
-          <a:p>
-            <a:pPr marL="171450" indent="-171450">
-              <a:buFontTx/>
-              <a:buChar char="-"/>
-            </a:pPr>
-            <a:r>
-              <a:rPr lang="ru-RU" baseline="0" dirty="0" smtClean="0"/>
-              <a:t>Хрупкость</a:t>
-            </a:r>
-          </a:p>
-          <a:p>
-            <a:pPr marL="171450" indent="-171450">
-              <a:buFontTx/>
-              <a:buChar char="-"/>
-            </a:pPr>
-            <a:r>
-              <a:rPr lang="ru-RU" baseline="0" dirty="0" smtClean="0"/>
-              <a:t>Время выполнения тестов</a:t>
-            </a:r>
-          </a:p>
-          <a:p>
-            <a:pPr marL="171450" indent="-171450">
-              <a:buFontTx/>
-              <a:buChar char="-"/>
-            </a:pPr>
-            <a:r>
-              <a:rPr lang="ru-RU" baseline="0" dirty="0" smtClean="0"/>
-              <a:t>Стоимость написания</a:t>
-            </a:r>
-          </a:p>
-          <a:p>
-            <a:pPr marL="0" indent="0">
-              <a:buFontTx/>
-              <a:buNone/>
-            </a:pPr>
-            <a:r>
-              <a:rPr lang="ru-RU" baseline="0" dirty="0" smtClean="0"/>
-              <a:t>Что уже не очень хорошо</a:t>
-            </a:r>
+              <a:t> после каждого слайда</a:t>
+            </a:r>
+            <a:endParaRPr lang="ru-RU" dirty="0"/>
           </a:p>
         </p:txBody>
       </p:sp>
@@ -920,7 +778,7 @@
           <a:p>
             <a:fld id="{FB869962-BCC5-47B5-8B0D-FC145D4EBE4C}" type="slidenum">
               <a:rPr lang="ru-RU" smtClean="0"/>
-              <a:t>3</a:t>
+              <a:t>1</a:t>
             </a:fld>
             <a:endParaRPr lang="ru-RU"/>
           </a:p>
@@ -929,7 +787,7 @@
     </p:spTree>
     <p:extLst>
       <p:ext uri="{BB962C8B-B14F-4D97-AF65-F5344CB8AC3E}">
-        <p14:creationId xmlns:p14="http://schemas.microsoft.com/office/powerpoint/2010/main" val="395029691"/>
+        <p14:creationId xmlns:p14="http://schemas.microsoft.com/office/powerpoint/2010/main" val="385224394"/>
       </p:ext>
     </p:extLst>
   </p:cSld>
@@ -984,56 +842,168 @@
           <a:lstStyle/>
           <a:p>
             <a:r>
+              <a:rPr lang="en-US" dirty="0" smtClean="0"/>
+              <a:t>Agenda</a:t>
+            </a:r>
+            <a:endParaRPr lang="ru-RU" dirty="0" smtClean="0"/>
+          </a:p>
+          <a:p>
+            <a:r>
               <a:rPr lang="ru-RU" dirty="0" smtClean="0"/>
-              <a:t>Тестируют</a:t>
+              <a:t>В </a:t>
+            </a:r>
+            <a:r>
+              <a:rPr lang="ru-RU" dirty="0" smtClean="0"/>
+              <a:t>рамках формирования подхода</a:t>
             </a:r>
             <a:r>
               <a:rPr lang="ru-RU" baseline="0" dirty="0" smtClean="0"/>
-              <a:t> отдельные классы</a:t>
-            </a:r>
-          </a:p>
-          <a:p>
+              <a:t> к разработке софта по гибкой (</a:t>
+            </a:r>
+            <a:r>
+              <a:rPr lang="en-US" baseline="0" dirty="0" smtClean="0"/>
+              <a:t>agile) </a:t>
+            </a:r>
             <a:r>
               <a:rPr lang="ru-RU" baseline="0" dirty="0" smtClean="0"/>
-              <a:t>Или компоненты, если они сравнительно просты</a:t>
+              <a:t>методике было введено понятие пирамиды тестирования</a:t>
             </a:r>
           </a:p>
           <a:p>
             <a:r>
               <a:rPr lang="ru-RU" baseline="0" dirty="0" smtClean="0"/>
-              <a:t>В принципе, это все тесты белого ящика, которые не интеграционные</a:t>
-            </a:r>
-          </a:p>
-          <a:p>
+              <a:t>Пирамида состоит из трех блоков тестов.</a:t>
+            </a:r>
+          </a:p>
+          <a:p>
+            <a:pPr marL="171450" indent="-171450">
+              <a:buFontTx/>
+              <a:buChar char="-"/>
+            </a:pPr>
             <a:r>
               <a:rPr lang="ru-RU" baseline="0" dirty="0" smtClean="0"/>
-              <a:t>Прогоняются на </a:t>
-            </a:r>
-            <a:r>
-              <a:rPr lang="ru-RU" baseline="0" dirty="0" err="1" smtClean="0"/>
-              <a:t>билд</a:t>
-            </a:r>
+              <a:t>Модульного</a:t>
+            </a:r>
+          </a:p>
+          <a:p>
+            <a:pPr marL="171450" indent="-171450">
+              <a:buFontTx/>
+              <a:buChar char="-"/>
+            </a:pPr>
             <a:r>
               <a:rPr lang="ru-RU" baseline="0" dirty="0" smtClean="0"/>
-              <a:t> сервере – позволяют быстро понять не поломали ли чего</a:t>
-            </a:r>
-          </a:p>
-          <a:p>
+              <a:t>Интеграционного</a:t>
+            </a:r>
+          </a:p>
+          <a:p>
+            <a:pPr marL="171450" indent="-171450">
+              <a:buFontTx/>
+              <a:buChar char="-"/>
+            </a:pPr>
+            <a:r>
+              <a:rPr lang="en-US" baseline="0" dirty="0" smtClean="0"/>
+              <a:t>UI</a:t>
+            </a:r>
+            <a:endParaRPr lang="ru-RU" baseline="0" dirty="0" smtClean="0"/>
+          </a:p>
+          <a:p>
+            <a:pPr marL="0" indent="0">
+              <a:buFontTx/>
+              <a:buNone/>
+            </a:pPr>
             <a:r>
               <a:rPr lang="ru-RU" baseline="0" dirty="0" smtClean="0"/>
-              <a:t>Хорошо подходят для </a:t>
+              <a:t>При этом основание каждого блока показывает количество таких тестов (для модульного их больше всего, для </a:t>
             </a:r>
             <a:r>
               <a:rPr lang="en-US" baseline="0" dirty="0" smtClean="0"/>
-              <a:t>TDD</a:t>
-            </a:r>
-          </a:p>
-          <a:p>
+              <a:t>UI</a:t>
+            </a:r>
             <a:r>
               <a:rPr lang="ru-RU" baseline="0" dirty="0" smtClean="0"/>
-              <a:t>Инструменты, которые используются</a:t>
-            </a:r>
-            <a:endParaRPr lang="ru-RU" dirty="0"/>
+              <a:t> – меньше всего)</a:t>
+            </a:r>
+            <a:endParaRPr lang="en-US" baseline="0" dirty="0" smtClean="0"/>
+          </a:p>
+          <a:p>
+            <a:pPr marL="0" indent="0">
+              <a:buFontTx/>
+              <a:buNone/>
+            </a:pPr>
+            <a:r>
+              <a:rPr lang="ru-RU" baseline="0" dirty="0" smtClean="0"/>
+              <a:t>А по мере продвижения к верхушке пирамиды растет:</a:t>
+            </a:r>
+          </a:p>
+          <a:p>
+            <a:pPr marL="0" indent="0">
+              <a:buFontTx/>
+              <a:buNone/>
+            </a:pPr>
+            <a:r>
+              <a:rPr lang="ru-RU" baseline="0" dirty="0" smtClean="0"/>
+              <a:t>- Покрытие тестами функционала, что хорошо</a:t>
+            </a:r>
+          </a:p>
+          <a:p>
+            <a:pPr marL="0" indent="0">
+              <a:buFontTx/>
+              <a:buNone/>
+            </a:pPr>
+            <a:r>
+              <a:rPr lang="ru-RU" baseline="0" dirty="0" smtClean="0"/>
+              <a:t>Но также растет:</a:t>
+            </a:r>
+          </a:p>
+          <a:p>
+            <a:pPr marL="171450" indent="-171450">
+              <a:buFontTx/>
+              <a:buChar char="-"/>
+            </a:pPr>
+            <a:r>
+              <a:rPr lang="ru-RU" baseline="0" dirty="0" smtClean="0"/>
+              <a:t>Стоимость поддержки</a:t>
+            </a:r>
+          </a:p>
+          <a:p>
+            <a:pPr marL="171450" indent="-171450">
+              <a:buFontTx/>
+              <a:buChar char="-"/>
+            </a:pPr>
+            <a:r>
+              <a:rPr lang="ru-RU" baseline="0" dirty="0" smtClean="0"/>
+              <a:t>Хрупкость</a:t>
+            </a:r>
+          </a:p>
+          <a:p>
+            <a:pPr marL="171450" indent="-171450">
+              <a:buFontTx/>
+              <a:buChar char="-"/>
+            </a:pPr>
+            <a:r>
+              <a:rPr lang="ru-RU" baseline="0" dirty="0" smtClean="0"/>
+              <a:t>Время выполнения тестов</a:t>
+            </a:r>
+          </a:p>
+          <a:p>
+            <a:pPr marL="171450" indent="-171450">
+              <a:buFontTx/>
+              <a:buChar char="-"/>
+            </a:pPr>
+            <a:r>
+              <a:rPr lang="ru-RU" baseline="0" dirty="0" smtClean="0"/>
+              <a:t>Стоимость написания</a:t>
+            </a:r>
+          </a:p>
+          <a:p>
+            <a:pPr marL="0" indent="0">
+              <a:buFontTx/>
+              <a:buNone/>
+            </a:pPr>
+            <a:r>
+              <a:rPr lang="ru-RU" baseline="0" dirty="0" smtClean="0"/>
+              <a:t>Что уже не очень хорошо</a:t>
+            </a:r>
           </a:p>
         </p:txBody>
       </p:sp>
@@ -1054,7 +1024,7 @@
           <a:p>
             <a:fld id="{FB869962-BCC5-47B5-8B0D-FC145D4EBE4C}" type="slidenum">
               <a:rPr lang="ru-RU" smtClean="0"/>
-              <a:t>5</a:t>
+              <a:t>4</a:t>
             </a:fld>
             <a:endParaRPr lang="ru-RU"/>
           </a:p>
@@ -1063,7 +1033,7 @@
     </p:spTree>
     <p:extLst>
       <p:ext uri="{BB962C8B-B14F-4D97-AF65-F5344CB8AC3E}">
-        <p14:creationId xmlns:p14="http://schemas.microsoft.com/office/powerpoint/2010/main" val="3290961582"/>
+        <p14:creationId xmlns:p14="http://schemas.microsoft.com/office/powerpoint/2010/main" val="395029691"/>
       </p:ext>
     </p:extLst>
   </p:cSld>
@@ -1119,111 +1089,43 @@
           <a:p>
             <a:r>
               <a:rPr lang="ru-RU" dirty="0" smtClean="0"/>
-              <a:t>Интеграционные тесты используются когда необходимо</a:t>
+              <a:t>Юнит тесты</a:t>
             </a:r>
             <a:r>
               <a:rPr lang="ru-RU" baseline="0" dirty="0" smtClean="0"/>
-              <a:t> протестировать связь между</a:t>
-            </a:r>
-          </a:p>
-          <a:p>
-            <a:pPr marL="171450" indent="-171450">
-              <a:buFontTx/>
-              <a:buChar char="-"/>
-            </a:pPr>
-            <a:r>
-              <a:rPr lang="ru-RU" baseline="0" dirty="0" smtClean="0"/>
-              <a:t>Компонентами</a:t>
-            </a:r>
-          </a:p>
-          <a:p>
-            <a:pPr marL="171450" indent="-171450">
-              <a:buFontTx/>
-              <a:buChar char="-"/>
-            </a:pPr>
-            <a:r>
-              <a:rPr lang="ru-RU" baseline="0" dirty="0" smtClean="0"/>
-              <a:t>Компонентом и другими системами (не нашей). Это может быть работа</a:t>
-            </a:r>
-          </a:p>
-          <a:p>
-            <a:pPr marL="628650" lvl="1" indent="-171450">
-              <a:buFontTx/>
-              <a:buChar char="-"/>
-            </a:pPr>
-            <a:r>
-              <a:rPr lang="ru-RU" baseline="0" dirty="0" smtClean="0"/>
-              <a:t>С файловой системой</a:t>
-            </a:r>
-          </a:p>
-          <a:p>
-            <a:pPr marL="628650" lvl="1" indent="-171450">
-              <a:buFontTx/>
-              <a:buChar char="-"/>
-            </a:pPr>
-            <a:r>
-              <a:rPr lang="ru-RU" baseline="0" dirty="0" smtClean="0"/>
-              <a:t>С БД</a:t>
-            </a:r>
-          </a:p>
-          <a:p>
-            <a:pPr marL="628650" lvl="1" indent="-171450">
-              <a:buFontTx/>
-              <a:buChar char="-"/>
-            </a:pPr>
-            <a:r>
-              <a:rPr lang="ru-RU" baseline="0" dirty="0" smtClean="0"/>
-              <a:t>Если обращаемся к какому-либо сервису (</a:t>
-            </a:r>
-            <a:r>
-              <a:rPr lang="en-US" baseline="0" dirty="0" smtClean="0"/>
-              <a:t>REST Web Service, XML Web Service, RMI), </a:t>
-            </a:r>
-            <a:r>
-              <a:rPr lang="ru-RU" baseline="0" dirty="0" smtClean="0"/>
-              <a:t>то это тоже интеграционное</a:t>
-            </a:r>
-          </a:p>
-          <a:p>
-            <a:pPr marL="171450" lvl="0" indent="-171450">
-              <a:buFontTx/>
-              <a:buChar char="-"/>
-            </a:pPr>
-            <a:r>
-              <a:rPr lang="ru-RU" baseline="0" dirty="0" smtClean="0"/>
-              <a:t>Также хорошо подходит для </a:t>
-            </a:r>
-            <a:r>
-              <a:rPr lang="en-US" baseline="0" dirty="0" smtClean="0"/>
-              <a:t>TDD</a:t>
-            </a:r>
-          </a:p>
-          <a:p>
-            <a:pPr marL="171450" lvl="0" indent="-171450">
-              <a:buFontTx/>
-              <a:buChar char="-"/>
-            </a:pPr>
-            <a:r>
-              <a:rPr lang="ru-RU" baseline="0" dirty="0" smtClean="0"/>
-              <a:t>Также участвует в </a:t>
-            </a:r>
-            <a:r>
-              <a:rPr lang="en-US" baseline="0" dirty="0" smtClean="0"/>
-              <a:t>CI, </a:t>
-            </a:r>
-            <a:r>
-              <a:rPr lang="ru-RU" baseline="0" dirty="0" smtClean="0"/>
-              <a:t>собирается на </a:t>
-            </a:r>
-            <a:r>
-              <a:rPr lang="ru-RU" baseline="0" dirty="0" err="1" smtClean="0"/>
-              <a:t>дженкинсе</a:t>
-            </a:r>
-            <a:r>
-              <a:rPr lang="ru-RU" baseline="0" dirty="0" smtClean="0"/>
-              <a:t> для контроля корректности</a:t>
-            </a:r>
-            <a:endParaRPr lang="ru-RU" dirty="0" smtClean="0"/>
+              <a:t> – все что не интеграционные тесты</a:t>
+            </a:r>
+          </a:p>
+          <a:p>
+            <a:r>
+              <a:rPr lang="ru-RU" sz="3600" dirty="0" smtClean="0"/>
+              <a:t>Связь с другими системами</a:t>
+            </a:r>
+          </a:p>
+          <a:p>
+            <a:pPr lvl="1"/>
+            <a:r>
+              <a:rPr lang="ru-RU" sz="3200" dirty="0" smtClean="0"/>
+              <a:t>Файловая система</a:t>
+            </a:r>
+          </a:p>
+          <a:p>
+            <a:pPr lvl="1"/>
+            <a:r>
+              <a:rPr lang="ru-RU" sz="3200" dirty="0" smtClean="0"/>
+              <a:t>Базы данных</a:t>
+            </a:r>
+          </a:p>
+          <a:p>
+            <a:pPr lvl="1"/>
+            <a:r>
+              <a:rPr lang="ru-RU" sz="3200" dirty="0" smtClean="0"/>
+              <a:t>Сервисы</a:t>
+            </a:r>
+            <a:endParaRPr lang="en-US" sz="3200" dirty="0" smtClean="0"/>
+          </a:p>
+          <a:p>
+            <a:endParaRPr lang="ru-RU" dirty="0"/>
           </a:p>
         </p:txBody>
       </p:sp>
@@ -1253,7 +1155,7 @@
     </p:spTree>
     <p:extLst>
       <p:ext uri="{BB962C8B-B14F-4D97-AF65-F5344CB8AC3E}">
-        <p14:creationId xmlns:p14="http://schemas.microsoft.com/office/powerpoint/2010/main" val="1574758270"/>
+        <p14:creationId xmlns:p14="http://schemas.microsoft.com/office/powerpoint/2010/main" val="1559710071"/>
       </p:ext>
     </p:extLst>
   </p:cSld>
@@ -1309,11 +1211,29 @@
           <a:p>
             <a:r>
               <a:rPr lang="ru-RU" dirty="0" smtClean="0"/>
-              <a:t>Для написания интеграционных</a:t>
+              <a:t>Тестируют</a:t>
             </a:r>
             <a:r>
               <a:rPr lang="ru-RU" baseline="0" dirty="0" smtClean="0"/>
-              <a:t> тестов и прогона их на </a:t>
+              <a:t> отдельные классы</a:t>
+            </a:r>
+          </a:p>
+          <a:p>
+            <a:r>
+              <a:rPr lang="ru-RU" baseline="0" dirty="0" smtClean="0"/>
+              <a:t>Или компоненты, если они сравнительно просты</a:t>
+            </a:r>
+          </a:p>
+          <a:p>
+            <a:r>
+              <a:rPr lang="ru-RU" baseline="0" dirty="0" smtClean="0"/>
+              <a:t>В принципе, это все тесты белого ящика, которые не интеграционные</a:t>
+            </a:r>
+          </a:p>
+          <a:p>
+            <a:r>
+              <a:rPr lang="ru-RU" baseline="0" dirty="0" smtClean="0"/>
+              <a:t>Прогоняются на </a:t>
             </a:r>
             <a:r>
               <a:rPr lang="ru-RU" baseline="0" dirty="0" err="1" smtClean="0"/>
@@ -1321,15 +1241,23 @@
             </a:r>
             <a:r>
               <a:rPr lang="ru-RU" baseline="0" dirty="0" smtClean="0"/>
-              <a:t>-машине использовать оригинальные источники данных или интегрируемые системы часто бывает дорого долго или невозможно. В этом случае используют </a:t>
-            </a:r>
-            <a:r>
-              <a:rPr lang="ru-RU" baseline="0" dirty="0" err="1" smtClean="0"/>
-              <a:t>фейки</a:t>
-            </a:r>
+              <a:t> сервере – позволяют быстро понять не поломали ли чего</a:t>
+            </a:r>
+          </a:p>
+          <a:p>
             <a:r>
               <a:rPr lang="ru-RU" baseline="0" dirty="0" smtClean="0"/>
-              <a:t> – сравнительно простую замену оригинала с тем же интерфейсом.</a:t>
+              <a:t>Хорошо подходят для </a:t>
+            </a:r>
+            <a:r>
+              <a:rPr lang="en-US" baseline="0" dirty="0" smtClean="0"/>
+              <a:t>TDD</a:t>
+            </a:r>
+          </a:p>
+          <a:p>
+            <a:r>
+              <a:rPr lang="ru-RU" baseline="0" dirty="0" smtClean="0"/>
+              <a:t>Инструменты, которые используются</a:t>
             </a:r>
             <a:endParaRPr lang="ru-RU" dirty="0"/>
           </a:p>
@@ -1361,7 +1289,7 @@
     </p:spTree>
     <p:extLst>
       <p:ext uri="{BB962C8B-B14F-4D97-AF65-F5344CB8AC3E}">
-        <p14:creationId xmlns:p14="http://schemas.microsoft.com/office/powerpoint/2010/main" val="3459155204"/>
+        <p14:creationId xmlns:p14="http://schemas.microsoft.com/office/powerpoint/2010/main" val="3290961582"/>
       </p:ext>
     </p:extLst>
   </p:cSld>
@@ -1417,123 +1345,27 @@
           <a:p>
             <a:r>
               <a:rPr lang="ru-RU" dirty="0" smtClean="0"/>
-              <a:t>Функциональное тестирование –</a:t>
+              <a:t>Для написания интеграционных</a:t>
             </a:r>
             <a:r>
               <a:rPr lang="ru-RU" baseline="0" dirty="0" smtClean="0"/>
-              <a:t> это уже тестирование сценариев работы настоящего пользователя, оно уже (как правило) в разы сложнее чем интеграционное и модульное.</a:t>
-            </a:r>
-          </a:p>
-          <a:p>
+              <a:t> тестов и прогона их на </a:t>
+            </a:r>
+            <a:r>
+              <a:rPr lang="ru-RU" baseline="0" dirty="0" err="1" smtClean="0"/>
+              <a:t>билд</a:t>
+            </a:r>
             <a:r>
               <a:rPr lang="ru-RU" baseline="0" dirty="0" smtClean="0"/>
-              <a:t>Написание таких тестов также можно проводить через </a:t>
-            </a:r>
-            <a:r>
-              <a:rPr lang="en-US" baseline="0" dirty="0" smtClean="0"/>
-              <a:t>TDD</a:t>
+              <a:t>-машине использовать оригинальные источники данных или интегрируемые системы часто бывает дорого долго или невозможно. В этом случае используют </a:t>
+            </a:r>
+            <a:r>
+              <a:rPr lang="ru-RU" baseline="0" dirty="0" err="1" smtClean="0"/>
+              <a:t>фейки</a:t>
             </a:r>
             <a:r>
               <a:rPr lang="ru-RU" baseline="0" dirty="0" smtClean="0"/>
-              <a:t> (даже придумали отдельный термин </a:t>
-            </a:r>
-            <a:r>
-              <a:rPr lang="en-US" baseline="0" dirty="0" smtClean="0"/>
-              <a:t>ATDD)</a:t>
-            </a:r>
-          </a:p>
-          <a:p>
-            <a:r>
-              <a:rPr lang="ru-RU" baseline="0" dirty="0" smtClean="0"/>
-              <a:t>Однако по сравнению с рассмотренными видами тестов они</a:t>
-            </a:r>
-          </a:p>
-          <a:p>
-            <a:pPr marL="171450" indent="-171450">
-              <a:buFontTx/>
-              <a:buChar char="-"/>
-            </a:pPr>
-            <a:r>
-              <a:rPr lang="ru-RU" baseline="0" dirty="0" smtClean="0"/>
-              <a:t>Сравнительно ненадежны и хрупки (особенно если сложная клиентская часть)</a:t>
-            </a:r>
-          </a:p>
-          <a:p>
-            <a:pPr marL="171450" indent="-171450">
-              <a:buFontTx/>
-              <a:buChar char="-"/>
-            </a:pPr>
-            <a:r>
-              <a:rPr lang="ru-RU" baseline="0" dirty="0" smtClean="0"/>
-              <a:t>Медленны</a:t>
-            </a:r>
-          </a:p>
-          <a:p>
-            <a:pPr marL="0" indent="0">
-              <a:buFontTx/>
-              <a:buNone/>
-            </a:pPr>
-            <a:r>
-              <a:rPr lang="ru-RU" baseline="0" dirty="0" smtClean="0"/>
-              <a:t>Как правило, запускаются они против выделенного окружения с уже развернутым приложением (не поднимают свое)</a:t>
-            </a:r>
-          </a:p>
-          <a:p>
-            <a:pPr marL="0" indent="0">
-              <a:buFontTx/>
-              <a:buNone/>
-            </a:pPr>
-            <a:r>
-              <a:rPr lang="ru-RU" baseline="0" dirty="0" smtClean="0"/>
-              <a:t>Как следствие, не являются частью </a:t>
-            </a:r>
-            <a:r>
-              <a:rPr lang="en-US" baseline="0" dirty="0" smtClean="0"/>
-              <a:t>CI </a:t>
-            </a:r>
-            <a:r>
-              <a:rPr lang="ru-RU" baseline="0" dirty="0" smtClean="0"/>
-              <a:t>(не запускаются в рамках сборки </a:t>
-            </a:r>
-            <a:r>
-              <a:rPr lang="ru-RU" baseline="0" dirty="0" err="1" smtClean="0"/>
-              <a:t>билда</a:t>
-            </a:r>
-            <a:r>
-              <a:rPr lang="ru-RU" baseline="0" dirty="0" smtClean="0"/>
-              <a:t>)</a:t>
-            </a:r>
-          </a:p>
-          <a:p>
-            <a:pPr marL="0" indent="0">
-              <a:buFontTx/>
-              <a:buNone/>
-            </a:pPr>
-            <a:r>
-              <a:rPr lang="ru-RU" baseline="0" dirty="0" smtClean="0"/>
-              <a:t>	- Они запускаются уже позже как </a:t>
-            </a:r>
-            <a:r>
-              <a:rPr lang="ru-RU" baseline="0" dirty="0" err="1" smtClean="0"/>
-              <a:t>смоук</a:t>
-            </a:r>
-            <a:r>
-              <a:rPr lang="ru-RU" baseline="0" dirty="0" smtClean="0"/>
-              <a:t>-тест</a:t>
-            </a:r>
-          </a:p>
-          <a:p>
-            <a:pPr marL="0" indent="0">
-              <a:buFontTx/>
-              <a:buNone/>
-            </a:pPr>
-            <a:r>
-              <a:rPr lang="en-US" baseline="0" dirty="0" smtClean="0"/>
-              <a:t>Headless drivers </a:t>
-            </a:r>
-            <a:r>
-              <a:rPr lang="ru-RU" baseline="0" dirty="0" smtClean="0"/>
-              <a:t>снижают требования к окружению и работают немного быстрее</a:t>
+              <a:t> – сравнительно простую замену оригинала с тем же интерфейсом.</a:t>
             </a:r>
             <a:endParaRPr lang="ru-RU" dirty="0"/>
           </a:p>
@@ -1565,7 +1397,7 @@
     </p:spTree>
     <p:extLst>
       <p:ext uri="{BB962C8B-B14F-4D97-AF65-F5344CB8AC3E}">
-        <p14:creationId xmlns:p14="http://schemas.microsoft.com/office/powerpoint/2010/main" val="3470939049"/>
+        <p14:creationId xmlns:p14="http://schemas.microsoft.com/office/powerpoint/2010/main" val="3459155204"/>
       </p:ext>
     </p:extLst>
   </p:cSld>
@@ -1621,6 +1453,210 @@
           <a:p>
             <a:r>
               <a:rPr lang="ru-RU" dirty="0" smtClean="0"/>
+              <a:t>Функциональное тестирование –</a:t>
+            </a:r>
+            <a:r>
+              <a:rPr lang="ru-RU" baseline="0" dirty="0" smtClean="0"/>
+              <a:t> это уже тестирование сценариев работы настоящего пользователя, оно уже (как правило) в разы сложнее чем интеграционное и модульное.</a:t>
+            </a:r>
+          </a:p>
+          <a:p>
+            <a:r>
+              <a:rPr lang="ru-RU" baseline="0" dirty="0" smtClean="0"/>
+              <a:t>Написание таких тестов также можно проводить через </a:t>
+            </a:r>
+            <a:r>
+              <a:rPr lang="en-US" baseline="0" dirty="0" smtClean="0"/>
+              <a:t>TDD</a:t>
+            </a:r>
+            <a:r>
+              <a:rPr lang="ru-RU" baseline="0" dirty="0" smtClean="0"/>
+              <a:t> (даже придумали отдельный термин </a:t>
+            </a:r>
+            <a:r>
+              <a:rPr lang="en-US" baseline="0" dirty="0" smtClean="0"/>
+              <a:t>ATDD)</a:t>
+            </a:r>
+          </a:p>
+          <a:p>
+            <a:r>
+              <a:rPr lang="ru-RU" baseline="0" dirty="0" smtClean="0"/>
+              <a:t>Однако по сравнению с рассмотренными видами тестов они</a:t>
+            </a:r>
+          </a:p>
+          <a:p>
+            <a:pPr marL="171450" indent="-171450">
+              <a:buFontTx/>
+              <a:buChar char="-"/>
+            </a:pPr>
+            <a:r>
+              <a:rPr lang="ru-RU" baseline="0" dirty="0" smtClean="0"/>
+              <a:t>Сравнительно ненадежны и хрупки (особенно если сложная клиентская часть)</a:t>
+            </a:r>
+          </a:p>
+          <a:p>
+            <a:pPr marL="171450" indent="-171450">
+              <a:buFontTx/>
+              <a:buChar char="-"/>
+            </a:pPr>
+            <a:r>
+              <a:rPr lang="ru-RU" baseline="0" dirty="0" smtClean="0"/>
+              <a:t>Медленны</a:t>
+            </a:r>
+          </a:p>
+          <a:p>
+            <a:pPr marL="0" indent="0">
+              <a:buFontTx/>
+              <a:buNone/>
+            </a:pPr>
+            <a:r>
+              <a:rPr lang="ru-RU" baseline="0" dirty="0" smtClean="0"/>
+              <a:t>Как правило, запускаются они против выделенного окружения с уже развернутым приложением (не поднимают свое)</a:t>
+            </a:r>
+          </a:p>
+          <a:p>
+            <a:pPr marL="0" indent="0">
+              <a:buFontTx/>
+              <a:buNone/>
+            </a:pPr>
+            <a:r>
+              <a:rPr lang="ru-RU" baseline="0" dirty="0" smtClean="0"/>
+              <a:t>Как следствие, не являются частью </a:t>
+            </a:r>
+            <a:r>
+              <a:rPr lang="en-US" baseline="0" dirty="0" smtClean="0"/>
+              <a:t>CI </a:t>
+            </a:r>
+            <a:r>
+              <a:rPr lang="ru-RU" baseline="0" dirty="0" smtClean="0"/>
+              <a:t>(не запускаются в рамках сборки </a:t>
+            </a:r>
+            <a:r>
+              <a:rPr lang="ru-RU" baseline="0" dirty="0" err="1" smtClean="0"/>
+              <a:t>билда</a:t>
+            </a:r>
+            <a:r>
+              <a:rPr lang="ru-RU" baseline="0" dirty="0" smtClean="0"/>
+              <a:t>)</a:t>
+            </a:r>
+          </a:p>
+          <a:p>
+            <a:pPr marL="0" indent="0">
+              <a:buFontTx/>
+              <a:buNone/>
+            </a:pPr>
+            <a:r>
+              <a:rPr lang="ru-RU" baseline="0" dirty="0" smtClean="0"/>
+              <a:t>	- Они запускаются уже позже как </a:t>
+            </a:r>
+            <a:r>
+              <a:rPr lang="ru-RU" baseline="0" dirty="0" err="1" smtClean="0"/>
+              <a:t>смоук</a:t>
+            </a:r>
+            <a:r>
+              <a:rPr lang="ru-RU" baseline="0" dirty="0" smtClean="0"/>
+              <a:t>-тест</a:t>
+            </a:r>
+          </a:p>
+          <a:p>
+            <a:pPr marL="0" indent="0">
+              <a:buFontTx/>
+              <a:buNone/>
+            </a:pPr>
+            <a:r>
+              <a:rPr lang="en-US" baseline="0" dirty="0" smtClean="0"/>
+              <a:t>Headless drivers </a:t>
+            </a:r>
+            <a:r>
+              <a:rPr lang="ru-RU" baseline="0" dirty="0" smtClean="0"/>
+              <a:t>снижают требования к окружению и работают немного быстрее</a:t>
+            </a:r>
+            <a:endParaRPr lang="ru-RU" dirty="0"/>
+          </a:p>
+        </p:txBody>
+      </p:sp>
+      <p:sp>
+        <p:nvSpPr>
+          <p:cNvPr id="4" name="Номер слайда 3"/>
+          <p:cNvSpPr>
+            <a:spLocks noGrp="1"/>
+          </p:cNvSpPr>
+          <p:nvPr>
+            <p:ph type="sldNum" sz="quarter" idx="10"/>
+          </p:nvPr>
+        </p:nvSpPr>
+        <p:spPr/>
+        <p:txBody>
+          <a:bodyPr/>
+          <a:lstStyle/>
+          <a:p>
+            <a:fld id="{FB869962-BCC5-47B5-8B0D-FC145D4EBE4C}" type="slidenum">
+              <a:rPr lang="ru-RU" smtClean="0"/>
+              <a:t>9</a:t>
+            </a:fld>
+            <a:endParaRPr lang="ru-RU"/>
+          </a:p>
+        </p:txBody>
+      </p:sp>
+    </p:spTree>
+    <p:extLst>
+      <p:ext uri="{BB962C8B-B14F-4D97-AF65-F5344CB8AC3E}">
+        <p14:creationId xmlns:p14="http://schemas.microsoft.com/office/powerpoint/2010/main" val="3470939049"/>
+      </p:ext>
+    </p:extLst>
+  </p:cSld>
+  <p:clrMapOvr>
+    <a:masterClrMapping/>
+  </p:clrMapOvr>
+</p:notes>
+</file>
+
+<file path=ppt/notesSlides/notesSlide7.xml><?xml version="1.0" encoding="utf-8"?>
+<p:notes xmlns:a="http://schemas.openxmlformats.org/drawingml/2006/main" xmlns:r="http://schemas.openxmlformats.org/officeDocument/2006/relationships" xmlns:p="http://schemas.openxmlformats.org/presentationml/2006/main">
+  <p:cSld>
+    <p:spTree>
+      <p:nvGrpSpPr>
+        <p:cNvPr id="1" name=""/>
+        <p:cNvGrpSpPr/>
+        <p:nvPr/>
+      </p:nvGrpSpPr>
+      <p:grpSpPr>
+        <a:xfrm>
+          <a:off x="0" y="0"/>
+          <a:ext cx="0" cy="0"/>
+          <a:chOff x="0" y="0"/>
+          <a:chExt cx="0" cy="0"/>
+        </a:xfrm>
+      </p:grpSpPr>
+      <p:sp>
+        <p:nvSpPr>
+          <p:cNvPr id="2" name="Образ слайда 1"/>
+          <p:cNvSpPr>
+            <a:spLocks noGrp="1" noRot="1" noChangeAspect="1"/>
+          </p:cNvSpPr>
+          <p:nvPr>
+            <p:ph type="sldImg"/>
+          </p:nvPr>
+        </p:nvSpPr>
+        <p:spPr/>
+      </p:sp>
+      <p:sp>
+        <p:nvSpPr>
+          <p:cNvPr id="3" name="Заметки 2"/>
+          <p:cNvSpPr>
+            <a:spLocks noGrp="1"/>
+          </p:cNvSpPr>
+          <p:nvPr>
+            <p:ph type="body" idx="1"/>
+          </p:nvPr>
+        </p:nvSpPr>
+        <p:spPr/>
+        <p:txBody>
+          <a:bodyPr/>
+          <a:lstStyle/>
+          <a:p>
+            <a:r>
+              <a:rPr lang="ru-RU" dirty="0" smtClean="0"/>
               <a:t>Хоть все автоматизировать</a:t>
             </a:r>
             <a:r>
@@ -1648,7 +1684,7 @@
           <a:p>
             <a:fld id="{FB869962-BCC5-47B5-8B0D-FC145D4EBE4C}" type="slidenum">
               <a:rPr lang="ru-RU" smtClean="0"/>
-              <a:t>11</a:t>
+              <a:t>12</a:t>
             </a:fld>
             <a:endParaRPr lang="ru-RU"/>
           </a:p>
@@ -1958,7 +1994,7 @@
           <a:p>
             <a:fld id="{A5A02310-A014-425C-B76F-E7BC72180DC0}" type="datetimeFigureOut">
               <a:rPr lang="en-US" smtClean="0"/>
-              <a:t>5/18/2016</a:t>
+              <a:t>5/21/2016</a:t>
             </a:fld>
             <a:endParaRPr lang="en-US"/>
           </a:p>
@@ -2149,7 +2185,7 @@
           <a:p>
             <a:fld id="{A5A02310-A014-425C-B76F-E7BC72180DC0}" type="datetimeFigureOut">
               <a:rPr lang="en-US" smtClean="0"/>
-              <a:t>5/18/2016</a:t>
+              <a:t>5/21/2016</a:t>
             </a:fld>
             <a:endParaRPr lang="en-US"/>
           </a:p>
@@ -2334,7 +2370,7 @@
           <a:p>
             <a:fld id="{A5A02310-A014-425C-B76F-E7BC72180DC0}" type="datetimeFigureOut">
               <a:rPr lang="en-US" smtClean="0"/>
-              <a:t>5/18/2016</a:t>
+              <a:t>5/21/2016</a:t>
             </a:fld>
             <a:endParaRPr lang="en-US"/>
           </a:p>
@@ -2597,7 +2633,7 @@
           <a:p>
             <a:fld id="{A5A02310-A014-425C-B76F-E7BC72180DC0}" type="datetimeFigureOut">
               <a:rPr lang="en-US" smtClean="0"/>
-              <a:t>5/18/2016</a:t>
+              <a:t>5/21/2016</a:t>
             </a:fld>
             <a:endParaRPr lang="en-US"/>
           </a:p>
@@ -3013,7 +3049,7 @@
           <a:p>
             <a:fld id="{A5A02310-A014-425C-B76F-E7BC72180DC0}" type="datetimeFigureOut">
               <a:rPr lang="en-US" smtClean="0"/>
-              <a:t>5/18/2016</a:t>
+              <a:t>5/21/2016</a:t>
             </a:fld>
             <a:endParaRPr lang="en-US"/>
           </a:p>
@@ -3255,7 +3291,7 @@
           <a:p>
             <a:fld id="{A5A02310-A014-425C-B76F-E7BC72180DC0}" type="datetimeFigureOut">
               <a:rPr lang="en-US" smtClean="0"/>
-              <a:t>5/18/2016</a:t>
+              <a:t>5/21/2016</a:t>
             </a:fld>
             <a:endParaRPr lang="en-US"/>
           </a:p>
@@ -3491,7 +3527,7 @@
           <a:p>
             <a:fld id="{A5A02310-A014-425C-B76F-E7BC72180DC0}" type="datetimeFigureOut">
               <a:rPr lang="en-US" smtClean="0"/>
-              <a:t>5/18/2016</a:t>
+              <a:t>5/21/2016</a:t>
             </a:fld>
             <a:endParaRPr lang="en-US"/>
           </a:p>
@@ -3686,7 +3722,7 @@
           <a:p>
             <a:fld id="{A5A02310-A014-425C-B76F-E7BC72180DC0}" type="datetimeFigureOut">
               <a:rPr lang="en-US" smtClean="0"/>
-              <a:t>5/18/2016</a:t>
+              <a:t>5/21/2016</a:t>
             </a:fld>
             <a:endParaRPr lang="en-US"/>
           </a:p>
@@ -3784,7 +3820,7 @@
           <a:p>
             <a:fld id="{A5A02310-A014-425C-B76F-E7BC72180DC0}" type="datetimeFigureOut">
               <a:rPr lang="en-US" smtClean="0"/>
-              <a:t>5/18/2016</a:t>
+              <a:t>5/21/2016</a:t>
             </a:fld>
             <a:endParaRPr lang="en-US"/>
           </a:p>
@@ -3920,7 +3956,7 @@
           <a:p>
             <a:fld id="{A5A02310-A014-425C-B76F-E7BC72180DC0}" type="datetimeFigureOut">
               <a:rPr lang="en-US" smtClean="0"/>
-              <a:t>5/18/2016</a:t>
+              <a:t>5/21/2016</a:t>
             </a:fld>
             <a:endParaRPr lang="en-US"/>
           </a:p>
@@ -4438,7 +4474,7 @@
           <a:p>
             <a:fld id="{A5A02310-A014-425C-B76F-E7BC72180DC0}" type="datetimeFigureOut">
               <a:rPr lang="en-US" smtClean="0"/>
-              <a:t>5/18/2016</a:t>
+              <a:t>5/21/2016</a:t>
             </a:fld>
             <a:endParaRPr lang="en-US"/>
           </a:p>
@@ -4699,7 +4735,7 @@
           <a:p>
             <a:fld id="{A5A02310-A014-425C-B76F-E7BC72180DC0}" type="datetimeFigureOut">
               <a:rPr lang="en-US" smtClean="0"/>
-              <a:t>5/18/2016</a:t>
+              <a:t>5/21/2016</a:t>
             </a:fld>
             <a:endParaRPr lang="en-US"/>
           </a:p>
@@ -5312,6 +5348,198 @@
 </file>
 
 <file path=ppt/slides/slide10.xml><?xml version="1.0" encoding="utf-8"?>
+<p:sld xmlns:a="http://schemas.openxmlformats.org/drawingml/2006/main" xmlns:r="http://schemas.openxmlformats.org/officeDocument/2006/relationships" xmlns:p="http://schemas.openxmlformats.org/presentationml/2006/main" show="0">
+  <p:cSld>
+    <p:spTree>
+      <p:nvGrpSpPr>
+        <p:cNvPr id="1" name=""/>
+        <p:cNvGrpSpPr/>
+        <p:nvPr/>
+      </p:nvGrpSpPr>
+      <p:grpSpPr>
+        <a:xfrm>
+          <a:off x="0" y="0"/>
+          <a:ext cx="0" cy="0"/>
+          <a:chOff x="0" y="0"/>
+          <a:chExt cx="0" cy="0"/>
+        </a:xfrm>
+      </p:grpSpPr>
+      <p:sp>
+        <p:nvSpPr>
+          <p:cNvPr id="2" name="Title 1"/>
+          <p:cNvSpPr>
+            <a:spLocks noGrp="1"/>
+          </p:cNvSpPr>
+          <p:nvPr>
+            <p:ph type="title"/>
+          </p:nvPr>
+        </p:nvSpPr>
+        <p:spPr/>
+        <p:txBody>
+          <a:bodyPr>
+            <a:normAutofit fontScale="90000"/>
+          </a:bodyPr>
+          <a:lstStyle/>
+          <a:p>
+            <a:r>
+              <a:rPr lang="ru-RU" dirty="0" smtClean="0"/>
+              <a:t>Нагрузочное тестирование</a:t>
+            </a:r>
+            <a:r>
+              <a:rPr lang="en-US" dirty="0" smtClean="0"/>
+              <a:t> (</a:t>
+            </a:r>
+            <a:r>
+              <a:rPr lang="en-US" dirty="0" err="1" smtClean="0"/>
+              <a:t>Jmeter</a:t>
+            </a:r>
+            <a:r>
+              <a:rPr lang="en-US" dirty="0" smtClean="0"/>
+              <a:t>)</a:t>
+            </a:r>
+            <a:endParaRPr lang="en-US" dirty="0"/>
+          </a:p>
+        </p:txBody>
+      </p:sp>
+      <p:sp>
+        <p:nvSpPr>
+          <p:cNvPr id="3" name="Content Placeholder 2"/>
+          <p:cNvSpPr>
+            <a:spLocks noGrp="1"/>
+          </p:cNvSpPr>
+          <p:nvPr>
+            <p:ph sz="quarter" idx="1"/>
+          </p:nvPr>
+        </p:nvSpPr>
+        <p:spPr/>
+        <p:txBody>
+          <a:bodyPr>
+            <a:normAutofit fontScale="92500" lnSpcReduction="20000"/>
+          </a:bodyPr>
+          <a:lstStyle/>
+          <a:p>
+            <a:pPr marL="228600" lvl="1">
+              <a:spcBef>
+                <a:spcPts val="1000"/>
+              </a:spcBef>
+            </a:pPr>
+            <a:r>
+              <a:rPr lang="ru-RU" sz="2800" dirty="0"/>
+              <a:t>Тестирование производительности / </a:t>
+            </a:r>
+            <a:r>
+              <a:rPr lang="en-US" sz="2800" dirty="0"/>
+              <a:t>Performance Testing</a:t>
+            </a:r>
+          </a:p>
+          <a:p>
+            <a:pPr lvl="1"/>
+            <a:r>
+              <a:rPr lang="ru-RU" sz="2800" dirty="0" smtClean="0"/>
+              <a:t>Время отклика приложения</a:t>
+            </a:r>
+          </a:p>
+          <a:p>
+            <a:pPr marL="228600" lvl="1">
+              <a:spcBef>
+                <a:spcPts val="1000"/>
+              </a:spcBef>
+            </a:pPr>
+            <a:r>
+              <a:rPr lang="ru-RU" sz="2800" dirty="0"/>
+              <a:t>Тестирование стабильности / </a:t>
+            </a:r>
+            <a:r>
+              <a:rPr lang="en-US" sz="2800" dirty="0"/>
+              <a:t>Stability Testing</a:t>
+            </a:r>
+            <a:endParaRPr lang="ru-RU" sz="2800" dirty="0"/>
+          </a:p>
+          <a:p>
+            <a:pPr lvl="1"/>
+            <a:r>
+              <a:rPr lang="ru-RU" sz="2800" dirty="0" smtClean="0"/>
+              <a:t>Стабильность при длительном использовании</a:t>
+            </a:r>
+            <a:endParaRPr lang="en-US" sz="2800" dirty="0" smtClean="0"/>
+          </a:p>
+          <a:p>
+            <a:pPr marL="228600" lvl="1">
+              <a:spcBef>
+                <a:spcPts val="1000"/>
+              </a:spcBef>
+            </a:pPr>
+            <a:r>
+              <a:rPr lang="ru-RU" sz="2800" dirty="0"/>
+              <a:t>Стресс </a:t>
+            </a:r>
+            <a:r>
+              <a:rPr lang="ru-RU" sz="2800" dirty="0" err="1"/>
+              <a:t>тестировование</a:t>
+            </a:r>
+            <a:r>
+              <a:rPr lang="ru-RU" sz="2800" dirty="0"/>
+              <a:t>  -</a:t>
+            </a:r>
+            <a:r>
+              <a:rPr lang="en-US" sz="2800" dirty="0"/>
+              <a:t> Stress Testing</a:t>
+            </a:r>
+            <a:endParaRPr lang="ru-RU" sz="2800" dirty="0"/>
+          </a:p>
+          <a:p>
+            <a:pPr lvl="1"/>
+            <a:r>
+              <a:rPr lang="ru-RU" sz="2800" dirty="0" smtClean="0"/>
+              <a:t>возвращается ли система после запредельной нагрузки к нормальному режиму</a:t>
+            </a:r>
+          </a:p>
+          <a:p>
+            <a:pPr lvl="2"/>
+            <a:r>
+              <a:rPr lang="ru-RU" sz="2400" dirty="0" smtClean="0"/>
+              <a:t>Способность к регенерации</a:t>
+            </a:r>
+          </a:p>
+          <a:p>
+            <a:pPr lvl="1"/>
+            <a:r>
+              <a:rPr lang="ru-RU" sz="2800" dirty="0" smtClean="0"/>
+              <a:t>поведение когда один из серверов перестает работать</a:t>
+            </a:r>
+            <a:endParaRPr lang="en-US" sz="2800" dirty="0" smtClean="0"/>
+          </a:p>
+        </p:txBody>
+      </p:sp>
+    </p:spTree>
+    <p:extLst>
+      <p:ext uri="{BB962C8B-B14F-4D97-AF65-F5344CB8AC3E}">
+        <p14:creationId xmlns:p14="http://schemas.microsoft.com/office/powerpoint/2010/main" val="296373301"/>
+      </p:ext>
+    </p:extLst>
+  </p:cSld>
+  <p:clrMapOvr>
+    <a:masterClrMapping/>
+  </p:clrMapOvr>
+  <mc:AlternateContent xmlns:mc="http://schemas.openxmlformats.org/markup-compatibility/2006" xmlns:p14="http://schemas.microsoft.com/office/powerpoint/2010/main">
+    <mc:Choice Requires="p14">
+      <p:transition spd="slow" p14:dur="2000"/>
+    </mc:Choice>
+    <mc:Fallback xmlns="">
+      <p:transition spd="slow"/>
+    </mc:Fallback>
+  </mc:AlternateContent>
+  <p:timing>
+    <p:tnLst>
+      <p:par>
+        <p:cTn id="1" dur="indefinite" restart="never" nodeType="tmRoot"/>
+      </p:par>
+    </p:tnLst>
+  </p:timing>
+</p:sld>
+</file>
+
+<file path=ppt/slides/slide11.xml><?xml version="1.0" encoding="utf-8"?>
 <p:sld xmlns:a="http://schemas.openxmlformats.org/drawingml/2006/main" xmlns:r="http://schemas.openxmlformats.org/officeDocument/2006/relationships" xmlns:p="http://schemas.openxmlformats.org/presentationml/2006/main">
   <p:cSld>
     <p:spTree>
@@ -5426,7 +5654,7 @@
 </p:sld>
 </file>
 
-<file path=ppt/slides/slide11.xml><?xml version="1.0" encoding="utf-8"?>
+<file path=ppt/slides/slide12.xml><?xml version="1.0" encoding="utf-8"?>
 <p:sld xmlns:a="http://schemas.openxmlformats.org/drawingml/2006/main" xmlns:r="http://schemas.openxmlformats.org/officeDocument/2006/relationships" xmlns:p="http://schemas.openxmlformats.org/presentationml/2006/main">
   <p:cSld>
     <p:spTree>
@@ -5513,7 +5741,7 @@
 </p:sld>
 </file>
 
-<file path=ppt/slides/slide12.xml><?xml version="1.0" encoding="utf-8"?>
+<file path=ppt/slides/slide13.xml><?xml version="1.0" encoding="utf-8"?>
 <p:sld xmlns:a="http://schemas.openxmlformats.org/drawingml/2006/main" xmlns:r="http://schemas.openxmlformats.org/officeDocument/2006/relationships" xmlns:p="http://schemas.openxmlformats.org/presentationml/2006/main">
   <p:cSld>
     <p:spTree>
@@ -6400,7 +6628,7 @@
 </p:sld>
 </file>
 
-<file path=ppt/slides/slide13.xml><?xml version="1.0" encoding="utf-8"?>
+<file path=ppt/slides/slide14.xml><?xml version="1.0" encoding="utf-8"?>
 <p:sld xmlns:a="http://schemas.openxmlformats.org/drawingml/2006/main" xmlns:r="http://schemas.openxmlformats.org/officeDocument/2006/relationships" xmlns:p="http://schemas.openxmlformats.org/presentationml/2006/main">
   <p:cSld>
     <p:spTree>
@@ -6587,7 +6815,7 @@
 </p:sld>
 </file>
 
-<file path=ppt/slides/slide14.xml><?xml version="1.0" encoding="utf-8"?>
+<file path=ppt/slides/slide15.xml><?xml version="1.0" encoding="utf-8"?>
 <p:sld xmlns:a="http://schemas.openxmlformats.org/drawingml/2006/main" xmlns:r="http://schemas.openxmlformats.org/officeDocument/2006/relationships" xmlns:p="http://schemas.openxmlformats.org/presentationml/2006/main">
   <p:cSld>
     <p:spTree>
@@ -7314,7 +7542,7 @@
 </p:sld>
 </file>
 
-<file path=ppt/slides/slide15.xml><?xml version="1.0" encoding="utf-8"?>
+<file path=ppt/slides/slide16.xml><?xml version="1.0" encoding="utf-8"?>
 <p:sld xmlns:a="http://schemas.openxmlformats.org/drawingml/2006/main" xmlns:r="http://schemas.openxmlformats.org/officeDocument/2006/relationships" xmlns:p="http://schemas.openxmlformats.org/presentationml/2006/main">
   <p:cSld>
     <p:spTree>
@@ -7471,7 +7699,7 @@
 </p:sld>
 </file>
 
-<file path=ppt/slides/slide16.xml><?xml version="1.0" encoding="utf-8"?>
+<file path=ppt/slides/slide17.xml><?xml version="1.0" encoding="utf-8"?>
 <p:sld xmlns:a="http://schemas.openxmlformats.org/drawingml/2006/main" xmlns:r="http://schemas.openxmlformats.org/officeDocument/2006/relationships" xmlns:p="http://schemas.openxmlformats.org/presentationml/2006/main">
   <p:cSld>
     <p:spTree>
@@ -7796,7 +8024,7 @@
         </p:nvSpPr>
         <p:spPr>
           <a:xfrm>
-            <a:off x="1006423" y="4702957"/>
+            <a:off x="1006423" y="4680655"/>
             <a:ext cx="7245800" cy="598516"/>
           </a:xfrm>
           <a:prstGeom prst="rect">
@@ -7836,7 +8064,7 @@
         </p:nvSpPr>
         <p:spPr>
           <a:xfrm>
-            <a:off x="1006423" y="5453873"/>
+            <a:off x="1006423" y="5420420"/>
             <a:ext cx="7245800" cy="598516"/>
           </a:xfrm>
           <a:prstGeom prst="rect">
@@ -8331,7 +8559,7 @@
 </p:sld>
 </file>
 
-<file path=ppt/slides/slide17.xml><?xml version="1.0" encoding="utf-8"?>
+<file path=ppt/slides/slide18.xml><?xml version="1.0" encoding="utf-8"?>
 <p:sld xmlns:a="http://schemas.openxmlformats.org/drawingml/2006/main" xmlns:r="http://schemas.openxmlformats.org/officeDocument/2006/relationships" xmlns:p="http://schemas.openxmlformats.org/presentationml/2006/main">
   <p:cSld>
     <p:spTree>
@@ -8503,8 +8731,8 @@
 </p:sld>
 </file>
 
-<file path=ppt/slides/slide18.xml><?xml version="1.0" encoding="utf-8"?>
-<p:sld xmlns:a="http://schemas.openxmlformats.org/drawingml/2006/main" xmlns:r="http://schemas.openxmlformats.org/officeDocument/2006/relationships" xmlns:p="http://schemas.openxmlformats.org/presentationml/2006/main">
+<file path=ppt/slides/slide19.xml><?xml version="1.0" encoding="utf-8"?>
+<p:sld xmlns:a="http://schemas.openxmlformats.org/drawingml/2006/main" xmlns:r="http://schemas.openxmlformats.org/officeDocument/2006/relationships" xmlns:p="http://schemas.openxmlformats.org/presentationml/2006/main" show="0">
   <p:cSld>
     <p:spTree>
       <p:nvGrpSpPr>
@@ -8661,109 +8889,14 @@
   <p:clrMapOvr>
     <a:masterClrMapping/>
   </p:clrMapOvr>
-  <p:timing>
-    <p:tnLst>
-      <p:par>
-        <p:cTn id="1" dur="indefinite" restart="never" nodeType="tmRoot"/>
-      </p:par>
-    </p:tnLst>
-  </p:timing>
-</p:sld>
-</file>
-
-<file path=ppt/slides/slide19.xml><?xml version="1.0" encoding="utf-8"?>
-<p:sld xmlns:a="http://schemas.openxmlformats.org/drawingml/2006/main" xmlns:r="http://schemas.openxmlformats.org/officeDocument/2006/relationships" xmlns:p="http://schemas.openxmlformats.org/presentationml/2006/main">
-  <p:cSld>
-    <p:spTree>
-      <p:nvGrpSpPr>
-        <p:cNvPr id="1" name=""/>
-        <p:cNvGrpSpPr/>
-        <p:nvPr/>
-      </p:nvGrpSpPr>
-      <p:grpSpPr>
-        <a:xfrm>
-          <a:off x="0" y="0"/>
-          <a:ext cx="0" cy="0"/>
-          <a:chOff x="0" y="0"/>
-          <a:chExt cx="0" cy="0"/>
-        </a:xfrm>
-      </p:grpSpPr>
-      <p:sp>
-        <p:nvSpPr>
-          <p:cNvPr id="2" name="Title 1"/>
-          <p:cNvSpPr>
-            <a:spLocks noGrp="1"/>
-          </p:cNvSpPr>
-          <p:nvPr>
-            <p:ph type="title"/>
-          </p:nvPr>
-        </p:nvSpPr>
-        <p:spPr/>
-        <p:txBody>
-          <a:bodyPr/>
-          <a:lstStyle/>
-          <a:p>
-            <a:r>
-              <a:rPr lang="ru-RU" dirty="0" smtClean="0"/>
-              <a:t>Авто-тесты – Вариант 1</a:t>
-            </a:r>
-            <a:endParaRPr lang="en-US" dirty="0"/>
-          </a:p>
-        </p:txBody>
-      </p:sp>
-      <p:sp>
-        <p:nvSpPr>
-          <p:cNvPr id="3" name="Content Placeholder 2"/>
-          <p:cNvSpPr>
-            <a:spLocks noGrp="1"/>
-          </p:cNvSpPr>
-          <p:nvPr>
-            <p:ph sz="quarter" idx="1"/>
-          </p:nvPr>
-        </p:nvSpPr>
-        <p:spPr/>
-        <p:txBody>
-          <a:bodyPr/>
-          <a:lstStyle/>
-          <a:p>
-            <a:r>
-              <a:rPr lang="en-US" dirty="0" smtClean="0"/>
-              <a:t>Unit-</a:t>
-            </a:r>
-            <a:r>
-              <a:rPr lang="ru-RU" dirty="0" smtClean="0"/>
-              <a:t>тесты</a:t>
-            </a:r>
-          </a:p>
-          <a:p>
-            <a:r>
-              <a:rPr lang="en-US" dirty="0" smtClean="0"/>
-              <a:t>Integration-</a:t>
-            </a:r>
-            <a:r>
-              <a:rPr lang="ru-RU" dirty="0" smtClean="0"/>
-              <a:t>тесты</a:t>
-            </a:r>
-          </a:p>
-          <a:p>
-            <a:r>
-              <a:rPr lang="ru-RU" dirty="0" smtClean="0"/>
-              <a:t>Ручное тестирование</a:t>
-            </a:r>
-            <a:endParaRPr lang="en-US" dirty="0"/>
-          </a:p>
-        </p:txBody>
-      </p:sp>
-    </p:spTree>
-    <p:extLst>
-      <p:ext uri="{BB962C8B-B14F-4D97-AF65-F5344CB8AC3E}">
-        <p14:creationId xmlns:p14="http://schemas.microsoft.com/office/powerpoint/2010/main" val="953416981"/>
-      </p:ext>
-    </p:extLst>
-  </p:cSld>
-  <p:clrMapOvr>
-    <a:masterClrMapping/>
-  </p:clrMapOvr>
+  <mc:AlternateContent xmlns:mc="http://schemas.openxmlformats.org/markup-compatibility/2006">
+    <mc:Choice xmlns:p14="http://schemas.microsoft.com/office/powerpoint/2010/main" Requires="p14">
+      <p:transition spd="slow" p14:dur="2000"/>
+    </mc:Choice>
+    <mc:Fallback>
+      <p:transition spd="slow"/>
+    </mc:Fallback>
+  </mc:AlternateContent>
   <p:timing>
     <p:tnLst>
       <p:par>
@@ -8793,7 +8926,7 @@
       </p:grpSpPr>
       <p:sp>
         <p:nvSpPr>
-          <p:cNvPr id="2" name="Title 1"/>
+          <p:cNvPr id="2" name="Заголовок 1"/>
           <p:cNvSpPr>
             <a:spLocks noGrp="1"/>
           </p:cNvSpPr>
@@ -8808,112 +8941,626 @@
           <a:p>
             <a:r>
               <a:rPr lang="ru-RU" dirty="0" smtClean="0"/>
-              <a:t>Типы тестирования	</a:t>
-            </a:r>
-            <a:endParaRPr lang="en-US" dirty="0"/>
-          </a:p>
-        </p:txBody>
-      </p:sp>
-      <p:sp>
-        <p:nvSpPr>
-          <p:cNvPr id="3" name="Content Placeholder 2"/>
-          <p:cNvSpPr>
-            <a:spLocks noGrp="1"/>
-          </p:cNvSpPr>
-          <p:nvPr>
-            <p:ph sz="quarter" idx="1"/>
-          </p:nvPr>
-        </p:nvSpPr>
-        <p:spPr/>
-        <p:txBody>
-          <a:bodyPr>
-            <a:normAutofit fontScale="92500" lnSpcReduction="20000"/>
+              <a:t>Кто я</a:t>
+            </a:r>
+            <a:endParaRPr lang="ru-RU" dirty="0"/>
+          </a:p>
+        </p:txBody>
+      </p:sp>
+      <p:sp>
+        <p:nvSpPr>
+          <p:cNvPr id="4" name="AutoShape 2" descr="https://pp.vk.me/c628829/v628829023/152f9/5ypLHTN8OQg.jpg"/>
+          <p:cNvSpPr>
+            <a:spLocks noChangeAspect="1" noChangeArrowheads="1"/>
+          </p:cNvSpPr>
+          <p:nvPr/>
+        </p:nvSpPr>
+        <p:spPr bwMode="auto">
+          <a:xfrm>
+            <a:off x="155575" y="-144463"/>
+            <a:ext cx="304800" cy="304801"/>
+          </a:xfrm>
+          <a:prstGeom prst="rect">
+            <a:avLst/>
+          </a:prstGeom>
+          <a:noFill/>
+          <a:extLst>
+            <a:ext uri="{909E8E84-426E-40DD-AFC4-6F175D3DCCD1}">
+              <a14:hiddenFill xmlns:a14="http://schemas.microsoft.com/office/drawing/2010/main">
+                <a:solidFill>
+                  <a:srgbClr val="FFFFFF"/>
+                </a:solidFill>
+              </a14:hiddenFill>
+            </a:ext>
+          </a:extLst>
+        </p:spPr>
+        <p:txBody>
+          <a:bodyPr vert="horz" wrap="square" lIns="91440" tIns="45720" rIns="91440" bIns="45720" numCol="1" anchor="t" anchorCtr="0" compatLnSpc="1">
+            <a:prstTxWarp prst="textNoShape">
+              <a:avLst/>
+            </a:prstTxWarp>
           </a:bodyPr>
           <a:lstStyle/>
           <a:p>
-            <a:pPr>
-              <a:lnSpc>
-                <a:spcPct val="150000"/>
-              </a:lnSpc>
-            </a:pPr>
-            <a:r>
-              <a:rPr lang="ru-RU" sz="4000" dirty="0" smtClean="0"/>
-              <a:t>Ручное</a:t>
-            </a:r>
-          </a:p>
-          <a:p>
-            <a:pPr>
-              <a:lnSpc>
-                <a:spcPct val="150000"/>
-              </a:lnSpc>
-            </a:pPr>
-            <a:r>
-              <a:rPr lang="ru-RU" sz="4000" dirty="0" smtClean="0"/>
-              <a:t>Автоматизированное</a:t>
-            </a:r>
-          </a:p>
-          <a:p>
-            <a:pPr lvl="1">
-              <a:lnSpc>
-                <a:spcPct val="150000"/>
-              </a:lnSpc>
-            </a:pPr>
-            <a:r>
-              <a:rPr lang="ru-RU" sz="3600" dirty="0" smtClean="0"/>
-              <a:t>На уровне кода</a:t>
-            </a:r>
-          </a:p>
-          <a:p>
-            <a:pPr lvl="2">
-              <a:lnSpc>
-                <a:spcPct val="150000"/>
-              </a:lnSpc>
-            </a:pPr>
-            <a:r>
-              <a:rPr lang="ru-RU" sz="3200" dirty="0" smtClean="0"/>
-              <a:t>Модульное (</a:t>
-            </a:r>
-            <a:r>
-              <a:rPr lang="en-US" sz="3200" dirty="0" smtClean="0"/>
-              <a:t>unit)</a:t>
-            </a:r>
-            <a:endParaRPr lang="ru-RU" sz="3200" dirty="0" smtClean="0"/>
-          </a:p>
-          <a:p>
-            <a:pPr lvl="1">
-              <a:lnSpc>
-                <a:spcPct val="150000"/>
-              </a:lnSpc>
-            </a:pPr>
-            <a:r>
-              <a:rPr lang="ru-RU" sz="3600" dirty="0" smtClean="0"/>
-              <a:t>На уровне интерфейса пользователя (</a:t>
-            </a:r>
-            <a:r>
-              <a:rPr lang="en-US" sz="3600" dirty="0" smtClean="0"/>
-              <a:t>service/API/GUI)</a:t>
-            </a:r>
-            <a:endParaRPr lang="en-US" sz="3600" dirty="0"/>
-          </a:p>
-        </p:txBody>
-      </p:sp>
+            <a:endParaRPr lang="ru-RU"/>
+          </a:p>
+        </p:txBody>
+      </p:sp>
+      <p:sp>
+        <p:nvSpPr>
+          <p:cNvPr id="5" name="Овал 4"/>
+          <p:cNvSpPr/>
+          <p:nvPr/>
+        </p:nvSpPr>
+        <p:spPr>
+          <a:xfrm>
+            <a:off x="3599983" y="2766172"/>
+            <a:ext cx="2085278" cy="2118733"/>
+          </a:xfrm>
+          <a:prstGeom prst="ellipse">
+            <a:avLst/>
+          </a:prstGeom>
+          <a:blipFill>
+            <a:blip r:embed="rId2"/>
+            <a:stretch>
+              <a:fillRect/>
+            </a:stretch>
+          </a:blipFill>
+        </p:spPr>
+        <p:style>
+          <a:lnRef idx="2">
+            <a:schemeClr val="accent1">
+              <a:shade val="50000"/>
+            </a:schemeClr>
+          </a:lnRef>
+          <a:fillRef idx="1">
+            <a:schemeClr val="accent1"/>
+          </a:fillRef>
+          <a:effectRef idx="0">
+            <a:schemeClr val="accent1"/>
+          </a:effectRef>
+          <a:fontRef idx="minor">
+            <a:schemeClr val="lt1"/>
+          </a:fontRef>
+        </p:style>
+        <p:txBody>
+          <a:bodyPr rtlCol="0" anchor="ctr"/>
+          <a:lstStyle/>
+          <a:p>
+            <a:pPr algn="ctr"/>
+            <a:endParaRPr lang="ru-RU"/>
+          </a:p>
+        </p:txBody>
+      </p:sp>
+      <p:sp>
+        <p:nvSpPr>
+          <p:cNvPr id="6" name="Овал 5"/>
+          <p:cNvSpPr/>
+          <p:nvPr/>
+        </p:nvSpPr>
+        <p:spPr>
+          <a:xfrm>
+            <a:off x="6549481" y="2196789"/>
+            <a:ext cx="1267524" cy="1215484"/>
+          </a:xfrm>
+          <a:prstGeom prst="ellipse">
+            <a:avLst/>
+          </a:prstGeom>
+          <a:solidFill>
+            <a:schemeClr val="accent2"/>
+          </a:solidFill>
+        </p:spPr>
+        <p:style>
+          <a:lnRef idx="2">
+            <a:schemeClr val="accent1">
+              <a:shade val="50000"/>
+            </a:schemeClr>
+          </a:lnRef>
+          <a:fillRef idx="1">
+            <a:schemeClr val="accent1"/>
+          </a:fillRef>
+          <a:effectRef idx="0">
+            <a:schemeClr val="accent1"/>
+          </a:effectRef>
+          <a:fontRef idx="minor">
+            <a:schemeClr val="lt1"/>
+          </a:fontRef>
+        </p:style>
+        <p:txBody>
+          <a:bodyPr rtlCol="0" anchor="ctr"/>
+          <a:lstStyle/>
+          <a:p>
+            <a:pPr algn="ctr"/>
+            <a:r>
+              <a:rPr lang="en-US" sz="2000" b="1" dirty="0" smtClean="0">
+                <a:ln w="12700">
+                  <a:solidFill>
+                    <a:schemeClr val="tx2">
+                      <a:satMod val="155000"/>
+                    </a:schemeClr>
+                  </a:solidFill>
+                  <a:prstDash val="solid"/>
+                </a:ln>
+                <a:solidFill>
+                  <a:schemeClr val="bg2">
+                    <a:tint val="85000"/>
+                    <a:satMod val="155000"/>
+                  </a:schemeClr>
+                </a:solidFill>
+                <a:effectLst>
+                  <a:outerShdw blurRad="41275" dist="20320" dir="1800000" algn="tl" rotWithShape="0">
+                    <a:srgbClr val="000000">
+                      <a:alpha val="40000"/>
+                    </a:srgbClr>
+                  </a:outerShdw>
+                </a:effectLst>
+              </a:rPr>
+              <a:t>EPAM</a:t>
+            </a:r>
+            <a:endParaRPr lang="ru-RU" sz="2000" b="1" dirty="0">
+              <a:ln w="12700">
+                <a:solidFill>
+                  <a:schemeClr val="tx2">
+                    <a:satMod val="155000"/>
+                  </a:schemeClr>
+                </a:solidFill>
+                <a:prstDash val="solid"/>
+              </a:ln>
+              <a:solidFill>
+                <a:schemeClr val="bg2">
+                  <a:tint val="85000"/>
+                  <a:satMod val="155000"/>
+                </a:schemeClr>
+              </a:solidFill>
+              <a:effectLst>
+                <a:outerShdw blurRad="41275" dist="20320" dir="1800000" algn="tl" rotWithShape="0">
+                  <a:srgbClr val="000000">
+                    <a:alpha val="40000"/>
+                  </a:srgbClr>
+                </a:outerShdw>
+              </a:effectLst>
+            </a:endParaRPr>
+          </a:p>
+        </p:txBody>
+      </p:sp>
+      <p:sp>
+        <p:nvSpPr>
+          <p:cNvPr id="10" name="Овал 9"/>
+          <p:cNvSpPr/>
+          <p:nvPr/>
+        </p:nvSpPr>
+        <p:spPr>
+          <a:xfrm>
+            <a:off x="5685261" y="4622851"/>
+            <a:ext cx="1497982" cy="1449659"/>
+          </a:xfrm>
+          <a:prstGeom prst="ellipse">
+            <a:avLst/>
+          </a:prstGeom>
+          <a:solidFill>
+            <a:schemeClr val="accent2"/>
+          </a:solidFill>
+        </p:spPr>
+        <p:style>
+          <a:lnRef idx="2">
+            <a:schemeClr val="accent1">
+              <a:shade val="50000"/>
+            </a:schemeClr>
+          </a:lnRef>
+          <a:fillRef idx="1">
+            <a:schemeClr val="accent1"/>
+          </a:fillRef>
+          <a:effectRef idx="0">
+            <a:schemeClr val="accent1"/>
+          </a:effectRef>
+          <a:fontRef idx="minor">
+            <a:schemeClr val="lt1"/>
+          </a:fontRef>
+        </p:style>
+        <p:txBody>
+          <a:bodyPr rtlCol="0" anchor="ctr"/>
+          <a:lstStyle/>
+          <a:p>
+            <a:pPr algn="ctr"/>
+            <a:r>
+              <a:rPr lang="en-US" sz="2400" b="1" dirty="0" smtClean="0">
+                <a:ln w="12700">
+                  <a:solidFill>
+                    <a:schemeClr val="tx2">
+                      <a:satMod val="155000"/>
+                    </a:schemeClr>
+                  </a:solidFill>
+                  <a:prstDash val="solid"/>
+                </a:ln>
+                <a:solidFill>
+                  <a:schemeClr val="bg2">
+                    <a:tint val="85000"/>
+                    <a:satMod val="155000"/>
+                  </a:schemeClr>
+                </a:solidFill>
+                <a:effectLst>
+                  <a:outerShdw blurRad="41275" dist="20320" dir="1800000" algn="tl" rotWithShape="0">
+                    <a:srgbClr val="000000">
+                      <a:alpha val="40000"/>
+                    </a:srgbClr>
+                  </a:outerShdw>
+                </a:effectLst>
+              </a:rPr>
+              <a:t>JAVA</a:t>
+            </a:r>
+            <a:endParaRPr lang="ru-RU" sz="2400" b="1" dirty="0">
+              <a:ln w="12700">
+                <a:solidFill>
+                  <a:schemeClr val="tx2">
+                    <a:satMod val="155000"/>
+                  </a:schemeClr>
+                </a:solidFill>
+                <a:prstDash val="solid"/>
+              </a:ln>
+              <a:solidFill>
+                <a:schemeClr val="bg2">
+                  <a:tint val="85000"/>
+                  <a:satMod val="155000"/>
+                </a:schemeClr>
+              </a:solidFill>
+              <a:effectLst>
+                <a:outerShdw blurRad="41275" dist="20320" dir="1800000" algn="tl" rotWithShape="0">
+                  <a:srgbClr val="000000">
+                    <a:alpha val="40000"/>
+                  </a:srgbClr>
+                </a:outerShdw>
+              </a:effectLst>
+            </a:endParaRPr>
+          </a:p>
+        </p:txBody>
+      </p:sp>
+      <p:sp>
+        <p:nvSpPr>
+          <p:cNvPr id="11" name="Овал 10"/>
+          <p:cNvSpPr/>
+          <p:nvPr/>
+        </p:nvSpPr>
+        <p:spPr>
+          <a:xfrm>
+            <a:off x="1468241" y="4187954"/>
+            <a:ext cx="866080" cy="869795"/>
+          </a:xfrm>
+          <a:prstGeom prst="ellipse">
+            <a:avLst/>
+          </a:prstGeom>
+          <a:solidFill>
+            <a:schemeClr val="accent2"/>
+          </a:solidFill>
+        </p:spPr>
+        <p:style>
+          <a:lnRef idx="2">
+            <a:schemeClr val="accent1">
+              <a:shade val="50000"/>
+            </a:schemeClr>
+          </a:lnRef>
+          <a:fillRef idx="1">
+            <a:schemeClr val="accent1"/>
+          </a:fillRef>
+          <a:effectRef idx="0">
+            <a:schemeClr val="accent1"/>
+          </a:effectRef>
+          <a:fontRef idx="minor">
+            <a:schemeClr val="lt1"/>
+          </a:fontRef>
+        </p:style>
+        <p:txBody>
+          <a:bodyPr vert="horz" rtlCol="0" anchor="ctr"/>
+          <a:lstStyle/>
+          <a:p>
+            <a:pPr algn="ctr"/>
+            <a:r>
+              <a:rPr lang="en-US" sz="1400" b="1" dirty="0" smtClean="0">
+                <a:ln w="12700">
+                  <a:solidFill>
+                    <a:schemeClr val="tx2">
+                      <a:satMod val="155000"/>
+                    </a:schemeClr>
+                  </a:solidFill>
+                  <a:prstDash val="solid"/>
+                </a:ln>
+                <a:solidFill>
+                  <a:schemeClr val="bg2">
+                    <a:tint val="85000"/>
+                    <a:satMod val="155000"/>
+                  </a:schemeClr>
+                </a:solidFill>
+                <a:effectLst>
+                  <a:outerShdw blurRad="41275" dist="20320" dir="1800000" algn="tl" rotWithShape="0">
+                    <a:srgbClr val="000000">
+                      <a:alpha val="40000"/>
+                    </a:srgbClr>
+                  </a:outerShdw>
+                </a:effectLst>
+              </a:rPr>
+              <a:t>LEAD</a:t>
+            </a:r>
+            <a:endParaRPr lang="ru-RU" sz="1400" b="1" dirty="0">
+              <a:ln w="12700">
+                <a:solidFill>
+                  <a:schemeClr val="tx2">
+                    <a:satMod val="155000"/>
+                  </a:schemeClr>
+                </a:solidFill>
+                <a:prstDash val="solid"/>
+              </a:ln>
+              <a:solidFill>
+                <a:schemeClr val="bg2">
+                  <a:tint val="85000"/>
+                  <a:satMod val="155000"/>
+                </a:schemeClr>
+              </a:solidFill>
+              <a:effectLst>
+                <a:outerShdw blurRad="41275" dist="20320" dir="1800000" algn="tl" rotWithShape="0">
+                  <a:srgbClr val="000000">
+                    <a:alpha val="40000"/>
+                  </a:srgbClr>
+                </a:outerShdw>
+              </a:effectLst>
+            </a:endParaRPr>
+          </a:p>
+        </p:txBody>
+      </p:sp>
+      <p:sp>
+        <p:nvSpPr>
+          <p:cNvPr id="12" name="Овал 11"/>
+          <p:cNvSpPr/>
+          <p:nvPr/>
+        </p:nvSpPr>
+        <p:spPr>
+          <a:xfrm>
+            <a:off x="2440993" y="1896376"/>
+            <a:ext cx="866079" cy="869796"/>
+          </a:xfrm>
+          <a:prstGeom prst="ellipse">
+            <a:avLst/>
+          </a:prstGeom>
+          <a:solidFill>
+            <a:schemeClr val="accent2"/>
+          </a:solidFill>
+        </p:spPr>
+        <p:style>
+          <a:lnRef idx="2">
+            <a:schemeClr val="accent1">
+              <a:shade val="50000"/>
+            </a:schemeClr>
+          </a:lnRef>
+          <a:fillRef idx="1">
+            <a:schemeClr val="accent1"/>
+          </a:fillRef>
+          <a:effectRef idx="0">
+            <a:schemeClr val="accent1"/>
+          </a:effectRef>
+          <a:fontRef idx="minor">
+            <a:schemeClr val="lt1"/>
+          </a:fontRef>
+        </p:style>
+        <p:txBody>
+          <a:bodyPr rtlCol="0" anchor="ctr"/>
+          <a:lstStyle/>
+          <a:p>
+            <a:pPr algn="ctr"/>
+            <a:r>
+              <a:rPr lang="en-US" b="1" dirty="0" smtClean="0">
+                <a:ln w="12700">
+                  <a:solidFill>
+                    <a:schemeClr val="tx2">
+                      <a:satMod val="155000"/>
+                    </a:schemeClr>
+                  </a:solidFill>
+                  <a:prstDash val="solid"/>
+                </a:ln>
+                <a:solidFill>
+                  <a:schemeClr val="bg2">
+                    <a:tint val="85000"/>
+                    <a:satMod val="155000"/>
+                  </a:schemeClr>
+                </a:solidFill>
+                <a:effectLst>
+                  <a:outerShdw blurRad="41275" dist="20320" dir="1800000" algn="tl" rotWithShape="0">
+                    <a:srgbClr val="000000">
+                      <a:alpha val="40000"/>
+                    </a:srgbClr>
+                  </a:outerShdw>
+                </a:effectLst>
+              </a:rPr>
+              <a:t>TDD</a:t>
+            </a:r>
+            <a:endParaRPr lang="ru-RU" b="1" dirty="0">
+              <a:ln w="12700">
+                <a:solidFill>
+                  <a:schemeClr val="tx2">
+                    <a:satMod val="155000"/>
+                  </a:schemeClr>
+                </a:solidFill>
+                <a:prstDash val="solid"/>
+              </a:ln>
+              <a:solidFill>
+                <a:schemeClr val="bg2">
+                  <a:tint val="85000"/>
+                  <a:satMod val="155000"/>
+                </a:schemeClr>
+              </a:solidFill>
+              <a:effectLst>
+                <a:outerShdw blurRad="41275" dist="20320" dir="1800000" algn="tl" rotWithShape="0">
+                  <a:srgbClr val="000000">
+                    <a:alpha val="40000"/>
+                  </a:srgbClr>
+                </a:outerShdw>
+              </a:effectLst>
+            </a:endParaRPr>
+          </a:p>
+        </p:txBody>
+      </p:sp>
+      <p:sp>
+        <p:nvSpPr>
+          <p:cNvPr id="8" name="TextBox 7"/>
+          <p:cNvSpPr txBox="1"/>
+          <p:nvPr/>
+        </p:nvSpPr>
+        <p:spPr>
+          <a:xfrm>
+            <a:off x="3066585" y="4873083"/>
+            <a:ext cx="184731" cy="369332"/>
+          </a:xfrm>
+          <a:prstGeom prst="rect">
+            <a:avLst/>
+          </a:prstGeom>
+          <a:noFill/>
+        </p:spPr>
+        <p:txBody>
+          <a:bodyPr wrap="none" rtlCol="0">
+            <a:spAutoFit/>
+          </a:bodyPr>
+          <a:lstStyle/>
+          <a:p>
+            <a:endParaRPr lang="ru-RU" dirty="0"/>
+          </a:p>
+        </p:txBody>
+      </p:sp>
+      <p:cxnSp>
+        <p:nvCxnSpPr>
+          <p:cNvPr id="16" name="Прямая соединительная линия 15"/>
+          <p:cNvCxnSpPr>
+            <a:stCxn id="12" idx="5"/>
+            <a:endCxn id="5" idx="1"/>
+          </p:cNvCxnSpPr>
+          <p:nvPr/>
+        </p:nvCxnSpPr>
+        <p:spPr>
+          <a:xfrm>
+            <a:off x="3180238" y="2638793"/>
+            <a:ext cx="725127" cy="437660"/>
+          </a:xfrm>
+          <a:prstGeom prst="line">
+            <a:avLst/>
+          </a:prstGeom>
+          <a:ln w="57150"/>
+        </p:spPr>
+        <p:style>
+          <a:lnRef idx="1">
+            <a:schemeClr val="accent1"/>
+          </a:lnRef>
+          <a:fillRef idx="0">
+            <a:schemeClr val="accent1"/>
+          </a:fillRef>
+          <a:effectRef idx="0">
+            <a:schemeClr val="accent1"/>
+          </a:effectRef>
+          <a:fontRef idx="minor">
+            <a:schemeClr val="tx1"/>
+          </a:fontRef>
+        </p:style>
+      </p:cxnSp>
+      <p:cxnSp>
+        <p:nvCxnSpPr>
+          <p:cNvPr id="19" name="Прямая соединительная линия 18"/>
+          <p:cNvCxnSpPr/>
+          <p:nvPr/>
+        </p:nvCxnSpPr>
+        <p:spPr>
+          <a:xfrm flipH="1">
+            <a:off x="5605983" y="2955073"/>
+            <a:ext cx="943498" cy="367990"/>
+          </a:xfrm>
+          <a:prstGeom prst="line">
+            <a:avLst/>
+          </a:prstGeom>
+          <a:ln w="57150"/>
+        </p:spPr>
+        <p:style>
+          <a:lnRef idx="1">
+            <a:schemeClr val="accent1"/>
+          </a:lnRef>
+          <a:fillRef idx="0">
+            <a:schemeClr val="accent1"/>
+          </a:fillRef>
+          <a:effectRef idx="0">
+            <a:schemeClr val="accent1"/>
+          </a:effectRef>
+          <a:fontRef idx="minor">
+            <a:schemeClr val="tx1"/>
+          </a:fontRef>
+        </p:style>
+      </p:cxnSp>
+      <p:cxnSp>
+        <p:nvCxnSpPr>
+          <p:cNvPr id="22" name="Прямая соединительная линия 21"/>
+          <p:cNvCxnSpPr>
+            <a:endCxn id="5" idx="5"/>
+          </p:cNvCxnSpPr>
+          <p:nvPr/>
+        </p:nvCxnSpPr>
+        <p:spPr>
+          <a:xfrm flipH="1" flipV="1">
+            <a:off x="5379879" y="4574624"/>
+            <a:ext cx="452209" cy="310281"/>
+          </a:xfrm>
+          <a:prstGeom prst="line">
+            <a:avLst/>
+          </a:prstGeom>
+          <a:ln w="57150"/>
+        </p:spPr>
+        <p:style>
+          <a:lnRef idx="1">
+            <a:schemeClr val="accent1"/>
+          </a:lnRef>
+          <a:fillRef idx="0">
+            <a:schemeClr val="accent1"/>
+          </a:fillRef>
+          <a:effectRef idx="0">
+            <a:schemeClr val="accent1"/>
+          </a:effectRef>
+          <a:fontRef idx="minor">
+            <a:schemeClr val="tx1"/>
+          </a:fontRef>
+        </p:style>
+      </p:cxnSp>
+      <p:cxnSp>
+        <p:nvCxnSpPr>
+          <p:cNvPr id="28" name="Прямая соединительная линия 27"/>
+          <p:cNvCxnSpPr/>
+          <p:nvPr/>
+        </p:nvCxnSpPr>
+        <p:spPr>
+          <a:xfrm flipH="1">
+            <a:off x="2334321" y="4187954"/>
+            <a:ext cx="1345581" cy="261383"/>
+          </a:xfrm>
+          <a:prstGeom prst="line">
+            <a:avLst/>
+          </a:prstGeom>
+          <a:ln w="57150"/>
+        </p:spPr>
+        <p:style>
+          <a:lnRef idx="1">
+            <a:schemeClr val="accent1"/>
+          </a:lnRef>
+          <a:fillRef idx="0">
+            <a:schemeClr val="accent1"/>
+          </a:fillRef>
+          <a:effectRef idx="0">
+            <a:schemeClr val="accent1"/>
+          </a:effectRef>
+          <a:fontRef idx="minor">
+            <a:schemeClr val="tx1"/>
+          </a:fontRef>
+        </p:style>
+      </p:cxnSp>
     </p:spTree>
     <p:extLst>
       <p:ext uri="{BB962C8B-B14F-4D97-AF65-F5344CB8AC3E}">
-        <p14:creationId xmlns:p14="http://schemas.microsoft.com/office/powerpoint/2010/main" val="2300809225"/>
+        <p14:creationId xmlns:p14="http://schemas.microsoft.com/office/powerpoint/2010/main" val="2849189725"/>
       </p:ext>
     </p:extLst>
   </p:cSld>
   <p:clrMapOvr>
     <a:masterClrMapping/>
   </p:clrMapOvr>
-  <p:timing>
-    <p:tnLst>
-      <p:par>
-        <p:cTn id="1" dur="indefinite" restart="never" nodeType="tmRoot"/>
-      </p:par>
-    </p:tnLst>
-  </p:timing>
 </p:sld>
 </file>
 
@@ -8951,6 +9598,109 @@
           <a:p>
             <a:r>
               <a:rPr lang="ru-RU" dirty="0" smtClean="0"/>
+              <a:t>Авто-тесты – Вариант 1</a:t>
+            </a:r>
+            <a:endParaRPr lang="en-US" dirty="0"/>
+          </a:p>
+        </p:txBody>
+      </p:sp>
+      <p:sp>
+        <p:nvSpPr>
+          <p:cNvPr id="3" name="Content Placeholder 2"/>
+          <p:cNvSpPr>
+            <a:spLocks noGrp="1"/>
+          </p:cNvSpPr>
+          <p:nvPr>
+            <p:ph sz="quarter" idx="1"/>
+          </p:nvPr>
+        </p:nvSpPr>
+        <p:spPr/>
+        <p:txBody>
+          <a:bodyPr/>
+          <a:lstStyle/>
+          <a:p>
+            <a:r>
+              <a:rPr lang="en-US" dirty="0" smtClean="0"/>
+              <a:t>Unit-</a:t>
+            </a:r>
+            <a:r>
+              <a:rPr lang="ru-RU" dirty="0" smtClean="0"/>
+              <a:t>тесты</a:t>
+            </a:r>
+          </a:p>
+          <a:p>
+            <a:r>
+              <a:rPr lang="en-US" dirty="0" smtClean="0"/>
+              <a:t>Integration-</a:t>
+            </a:r>
+            <a:r>
+              <a:rPr lang="ru-RU" dirty="0" smtClean="0"/>
+              <a:t>тесты</a:t>
+            </a:r>
+          </a:p>
+          <a:p>
+            <a:r>
+              <a:rPr lang="ru-RU" dirty="0" smtClean="0"/>
+              <a:t>Ручное тестирование</a:t>
+            </a:r>
+            <a:endParaRPr lang="en-US" dirty="0"/>
+          </a:p>
+        </p:txBody>
+      </p:sp>
+    </p:spTree>
+    <p:extLst>
+      <p:ext uri="{BB962C8B-B14F-4D97-AF65-F5344CB8AC3E}">
+        <p14:creationId xmlns:p14="http://schemas.microsoft.com/office/powerpoint/2010/main" val="953416981"/>
+      </p:ext>
+    </p:extLst>
+  </p:cSld>
+  <p:clrMapOvr>
+    <a:masterClrMapping/>
+  </p:clrMapOvr>
+  <p:timing>
+    <p:tnLst>
+      <p:par>
+        <p:cTn id="1" dur="indefinite" restart="never" nodeType="tmRoot"/>
+      </p:par>
+    </p:tnLst>
+  </p:timing>
+</p:sld>
+</file>
+
+<file path=ppt/slides/slide21.xml><?xml version="1.0" encoding="utf-8"?>
+<p:sld xmlns:a="http://schemas.openxmlformats.org/drawingml/2006/main" xmlns:r="http://schemas.openxmlformats.org/officeDocument/2006/relationships" xmlns:p="http://schemas.openxmlformats.org/presentationml/2006/main">
+  <p:cSld>
+    <p:spTree>
+      <p:nvGrpSpPr>
+        <p:cNvPr id="1" name=""/>
+        <p:cNvGrpSpPr/>
+        <p:nvPr/>
+      </p:nvGrpSpPr>
+      <p:grpSpPr>
+        <a:xfrm>
+          <a:off x="0" y="0"/>
+          <a:ext cx="0" cy="0"/>
+          <a:chOff x="0" y="0"/>
+          <a:chExt cx="0" cy="0"/>
+        </a:xfrm>
+      </p:grpSpPr>
+      <p:sp>
+        <p:nvSpPr>
+          <p:cNvPr id="2" name="Title 1"/>
+          <p:cNvSpPr>
+            <a:spLocks noGrp="1"/>
+          </p:cNvSpPr>
+          <p:nvPr>
+            <p:ph type="title"/>
+          </p:nvPr>
+        </p:nvSpPr>
+        <p:spPr/>
+        <p:txBody>
+          <a:bodyPr/>
+          <a:lstStyle/>
+          <a:p>
+            <a:r>
+              <a:rPr lang="ru-RU" dirty="0" smtClean="0"/>
               <a:t>Авто-тесты – Вариант 2</a:t>
             </a:r>
             <a:endParaRPr lang="en-US" dirty="0"/>
@@ -9030,7 +9780,7 @@
 </p:sld>
 </file>
 
-<file path=ppt/slides/slide21.xml><?xml version="1.0" encoding="utf-8"?>
+<file path=ppt/slides/slide22.xml><?xml version="1.0" encoding="utf-8"?>
 <p:sld xmlns:a="http://schemas.openxmlformats.org/drawingml/2006/main" xmlns:r="http://schemas.openxmlformats.org/officeDocument/2006/relationships" xmlns:p="http://schemas.openxmlformats.org/presentationml/2006/main" show="0">
   <p:cSld>
     <p:spTree>
@@ -9160,7 +9910,7 @@
 </p:sld>
 </file>
 
-<file path=ppt/slides/slide22.xml><?xml version="1.0" encoding="utf-8"?>
+<file path=ppt/slides/slide23.xml><?xml version="1.0" encoding="utf-8"?>
 <p:sld xmlns:a="http://schemas.openxmlformats.org/drawingml/2006/main" xmlns:r="http://schemas.openxmlformats.org/officeDocument/2006/relationships" xmlns:p="http://schemas.openxmlformats.org/presentationml/2006/main">
   <p:cSld>
     <p:spTree>
@@ -9252,7 +10002,7 @@
 </p:sld>
 </file>
 
-<file path=ppt/slides/slide23.xml><?xml version="1.0" encoding="utf-8"?>
+<file path=ppt/slides/slide24.xml><?xml version="1.0" encoding="utf-8"?>
 <p:sld xmlns:a="http://schemas.openxmlformats.org/drawingml/2006/main" xmlns:r="http://schemas.openxmlformats.org/officeDocument/2006/relationships" xmlns:p="http://schemas.openxmlformats.org/presentationml/2006/main">
   <p:cSld>
     <p:spTree>
@@ -9337,6 +10087,157 @@
 </file>
 
 <file path=ppt/slides/slide3.xml><?xml version="1.0" encoding="utf-8"?>
+<p:sld xmlns:a="http://schemas.openxmlformats.org/drawingml/2006/main" xmlns:r="http://schemas.openxmlformats.org/officeDocument/2006/relationships" xmlns:p="http://schemas.openxmlformats.org/presentationml/2006/main" show="0">
+  <p:cSld>
+    <p:spTree>
+      <p:nvGrpSpPr>
+        <p:cNvPr id="1" name=""/>
+        <p:cNvGrpSpPr/>
+        <p:nvPr/>
+      </p:nvGrpSpPr>
+      <p:grpSpPr>
+        <a:xfrm>
+          <a:off x="0" y="0"/>
+          <a:ext cx="0" cy="0"/>
+          <a:chOff x="0" y="0"/>
+          <a:chExt cx="0" cy="0"/>
+        </a:xfrm>
+      </p:grpSpPr>
+      <p:sp>
+        <p:nvSpPr>
+          <p:cNvPr id="2" name="Title 1"/>
+          <p:cNvSpPr>
+            <a:spLocks noGrp="1"/>
+          </p:cNvSpPr>
+          <p:nvPr>
+            <p:ph type="title"/>
+          </p:nvPr>
+        </p:nvSpPr>
+        <p:spPr/>
+        <p:txBody>
+          <a:bodyPr/>
+          <a:lstStyle/>
+          <a:p>
+            <a:r>
+              <a:rPr lang="ru-RU" dirty="0" smtClean="0"/>
+              <a:t>Типы тестирования	</a:t>
+            </a:r>
+            <a:endParaRPr lang="en-US" dirty="0"/>
+          </a:p>
+        </p:txBody>
+      </p:sp>
+      <p:sp>
+        <p:nvSpPr>
+          <p:cNvPr id="3" name="Content Placeholder 2"/>
+          <p:cNvSpPr>
+            <a:spLocks noGrp="1"/>
+          </p:cNvSpPr>
+          <p:nvPr>
+            <p:ph sz="quarter" idx="1"/>
+          </p:nvPr>
+        </p:nvSpPr>
+        <p:spPr/>
+        <p:txBody>
+          <a:bodyPr>
+            <a:normAutofit fontScale="92500" lnSpcReduction="20000"/>
+          </a:bodyPr>
+          <a:lstStyle/>
+          <a:p>
+            <a:pPr>
+              <a:lnSpc>
+                <a:spcPct val="150000"/>
+              </a:lnSpc>
+            </a:pPr>
+            <a:r>
+              <a:rPr lang="ru-RU" sz="4000" dirty="0" smtClean="0"/>
+              <a:t>Ручное</a:t>
+            </a:r>
+          </a:p>
+          <a:p>
+            <a:pPr>
+              <a:lnSpc>
+                <a:spcPct val="150000"/>
+              </a:lnSpc>
+            </a:pPr>
+            <a:r>
+              <a:rPr lang="ru-RU" sz="4000" dirty="0" smtClean="0"/>
+              <a:t>Автоматизированное</a:t>
+            </a:r>
+          </a:p>
+          <a:p>
+            <a:pPr lvl="1">
+              <a:lnSpc>
+                <a:spcPct val="150000"/>
+              </a:lnSpc>
+            </a:pPr>
+            <a:r>
+              <a:rPr lang="ru-RU" sz="3600" dirty="0" smtClean="0"/>
+              <a:t>На уровне кода</a:t>
+            </a:r>
+          </a:p>
+          <a:p>
+            <a:pPr lvl="2">
+              <a:lnSpc>
+                <a:spcPct val="150000"/>
+              </a:lnSpc>
+            </a:pPr>
+            <a:r>
+              <a:rPr lang="ru-RU" sz="3200" dirty="0" smtClean="0"/>
+              <a:t>Модульное (</a:t>
+            </a:r>
+            <a:r>
+              <a:rPr lang="en-US" sz="3200" dirty="0" smtClean="0"/>
+              <a:t>unit)</a:t>
+            </a:r>
+            <a:endParaRPr lang="ru-RU" sz="3200" dirty="0" smtClean="0"/>
+          </a:p>
+          <a:p>
+            <a:pPr lvl="1">
+              <a:lnSpc>
+                <a:spcPct val="150000"/>
+              </a:lnSpc>
+            </a:pPr>
+            <a:r>
+              <a:rPr lang="ru-RU" sz="3600" dirty="0" smtClean="0"/>
+              <a:t>На уровне интерфейса пользователя (</a:t>
+            </a:r>
+            <a:r>
+              <a:rPr lang="en-US" sz="3600" dirty="0" smtClean="0"/>
+              <a:t>service/API/GUI)</a:t>
+            </a:r>
+            <a:endParaRPr lang="en-US" sz="3600" dirty="0"/>
+          </a:p>
+        </p:txBody>
+      </p:sp>
+    </p:spTree>
+    <p:extLst>
+      <p:ext uri="{BB962C8B-B14F-4D97-AF65-F5344CB8AC3E}">
+        <p14:creationId xmlns:p14="http://schemas.microsoft.com/office/powerpoint/2010/main" val="2300809225"/>
+      </p:ext>
+    </p:extLst>
+  </p:cSld>
+  <p:clrMapOvr>
+    <a:masterClrMapping/>
+  </p:clrMapOvr>
+  <mc:AlternateContent xmlns:mc="http://schemas.openxmlformats.org/markup-compatibility/2006">
+    <mc:Choice xmlns:p14="http://schemas.microsoft.com/office/powerpoint/2010/main" Requires="p14">
+      <p:transition spd="slow" p14:dur="2000"/>
+    </mc:Choice>
+    <mc:Fallback>
+      <p:transition spd="slow"/>
+    </mc:Fallback>
+  </mc:AlternateContent>
+  <p:timing>
+    <p:tnLst>
+      <p:par>
+        <p:cTn id="1" dur="indefinite" restart="never" nodeType="tmRoot"/>
+      </p:par>
+    </p:tnLst>
+  </p:timing>
+</p:sld>
+</file>
+
+<file path=ppt/slides/slide4.xml><?xml version="1.0" encoding="utf-8"?>
 <p:sld xmlns:a="http://schemas.openxmlformats.org/drawingml/2006/main" xmlns:r="http://schemas.openxmlformats.org/officeDocument/2006/relationships" xmlns:p="http://schemas.openxmlformats.org/presentationml/2006/main">
   <p:cSld>
     <p:spTree>
@@ -9442,156 +10343,6 @@
 </p:sld>
 </file>
 
-<file path=ppt/slides/slide4.xml><?xml version="1.0" encoding="utf-8"?>
-<p:sld xmlns:a="http://schemas.openxmlformats.org/drawingml/2006/main" xmlns:r="http://schemas.openxmlformats.org/officeDocument/2006/relationships" xmlns:p="http://schemas.openxmlformats.org/presentationml/2006/main">
-  <p:cSld>
-    <p:spTree>
-      <p:nvGrpSpPr>
-        <p:cNvPr id="1" name=""/>
-        <p:cNvGrpSpPr/>
-        <p:nvPr/>
-      </p:nvGrpSpPr>
-      <p:grpSpPr>
-        <a:xfrm>
-          <a:off x="0" y="0"/>
-          <a:ext cx="0" cy="0"/>
-          <a:chOff x="0" y="0"/>
-          <a:chExt cx="0" cy="0"/>
-        </a:xfrm>
-      </p:grpSpPr>
-      <p:sp>
-        <p:nvSpPr>
-          <p:cNvPr id="2" name="Title 1"/>
-          <p:cNvSpPr>
-            <a:spLocks noGrp="1"/>
-          </p:cNvSpPr>
-          <p:nvPr>
-            <p:ph type="title"/>
-          </p:nvPr>
-        </p:nvSpPr>
-        <p:spPr/>
-        <p:txBody>
-          <a:bodyPr>
-            <a:normAutofit fontScale="90000"/>
-          </a:bodyPr>
-          <a:lstStyle/>
-          <a:p>
-            <a:r>
-              <a:rPr lang="ru-RU" dirty="0" smtClean="0"/>
-              <a:t>Типы автоматизированных тестов</a:t>
-            </a:r>
-            <a:endParaRPr lang="en-US" dirty="0"/>
-          </a:p>
-        </p:txBody>
-      </p:sp>
-      <p:sp>
-        <p:nvSpPr>
-          <p:cNvPr id="3" name="Content Placeholder 2"/>
-          <p:cNvSpPr>
-            <a:spLocks noGrp="1"/>
-          </p:cNvSpPr>
-          <p:nvPr>
-            <p:ph sz="quarter" idx="1"/>
-          </p:nvPr>
-        </p:nvSpPr>
-        <p:spPr>
-          <a:xfrm>
-            <a:off x="612754" y="1600199"/>
-            <a:ext cx="8154816" cy="4742411"/>
-          </a:xfrm>
-        </p:spPr>
-        <p:txBody>
-          <a:bodyPr>
-            <a:normAutofit/>
-          </a:bodyPr>
-          <a:lstStyle/>
-          <a:p>
-            <a:r>
-              <a:rPr lang="en-US" dirty="0">
-                <a:latin typeface="Calibri" pitchFamily="34" charset="0"/>
-                <a:cs typeface="Calibri" pitchFamily="34" charset="0"/>
-              </a:rPr>
-              <a:t>Unit</a:t>
-            </a:r>
-          </a:p>
-          <a:p>
-            <a:r>
-              <a:rPr lang="ru-RU" dirty="0" smtClean="0"/>
-              <a:t>Интеграционные</a:t>
-            </a:r>
-            <a:endParaRPr lang="en-US" dirty="0"/>
-          </a:p>
-          <a:p>
-            <a:r>
-              <a:rPr lang="ru-RU" sz="2800" dirty="0" smtClean="0"/>
-              <a:t>Уровень интерфейса пользователя</a:t>
-            </a:r>
-          </a:p>
-          <a:p>
-            <a:pPr lvl="1"/>
-            <a:r>
-              <a:rPr lang="ru-RU" dirty="0" smtClean="0"/>
-              <a:t> Функциональные</a:t>
-            </a:r>
-          </a:p>
-          <a:p>
-            <a:pPr lvl="2"/>
-            <a:r>
-              <a:rPr lang="ru-RU" dirty="0" smtClean="0"/>
-              <a:t>Имитируют пользователя</a:t>
-            </a:r>
-            <a:endParaRPr lang="en-US" dirty="0" smtClean="0"/>
-          </a:p>
-          <a:p>
-            <a:pPr lvl="2"/>
-            <a:r>
-              <a:rPr lang="en-US" dirty="0" smtClean="0"/>
-              <a:t>Selenium</a:t>
-            </a:r>
-            <a:endParaRPr lang="ru-RU" dirty="0" smtClean="0"/>
-          </a:p>
-          <a:p>
-            <a:r>
-              <a:rPr lang="ru-RU" dirty="0" smtClean="0"/>
-              <a:t>Другие</a:t>
-            </a:r>
-          </a:p>
-          <a:p>
-            <a:pPr lvl="1"/>
-            <a:r>
-              <a:rPr lang="ru-RU" dirty="0" smtClean="0"/>
-              <a:t>Нагрузочные</a:t>
-            </a:r>
-          </a:p>
-          <a:p>
-            <a:pPr lvl="1"/>
-            <a:r>
-              <a:rPr lang="en-US" dirty="0" smtClean="0"/>
-              <a:t>Usability</a:t>
-            </a:r>
-          </a:p>
-        </p:txBody>
-      </p:sp>
-    </p:spTree>
-    <p:extLst>
-      <p:ext uri="{BB962C8B-B14F-4D97-AF65-F5344CB8AC3E}">
-        <p14:creationId xmlns:p14="http://schemas.microsoft.com/office/powerpoint/2010/main" val="848074474"/>
-      </p:ext>
-    </p:extLst>
-  </p:cSld>
-  <p:clrMapOvr>
-    <a:masterClrMapping/>
-  </p:clrMapOvr>
-  <p:timing>
-    <p:tnLst>
-      <p:par>
-        <p:cTn id="1" dur="indefinite" restart="never" nodeType="tmRoot"/>
-      </p:par>
-    </p:tnLst>
-  </p:timing>
-</p:sld>
-</file>
-
 <file path=ppt/slides/slide5.xml><?xml version="1.0" encoding="utf-8"?>
 <p:sld xmlns:a="http://schemas.openxmlformats.org/drawingml/2006/main" xmlns:r="http://schemas.openxmlformats.org/officeDocument/2006/relationships" xmlns:p="http://schemas.openxmlformats.org/presentationml/2006/main">
   <p:cSld>
@@ -9611,22 +10362,49 @@
       </p:grpSpPr>
       <p:sp>
         <p:nvSpPr>
-          <p:cNvPr id="2" name="Заголовок 1"/>
+          <p:cNvPr id="2" name="Title 1"/>
           <p:cNvSpPr>
             <a:spLocks noGrp="1"/>
           </p:cNvSpPr>
           <p:nvPr>
             <p:ph type="title"/>
+          </p:nvPr>
+        </p:nvSpPr>
+        <p:spPr/>
+        <p:txBody>
+          <a:bodyPr>
+            <a:normAutofit fontScale="90000"/>
+          </a:bodyPr>
+          <a:lstStyle/>
+          <a:p>
+            <a:r>
+              <a:rPr lang="ru-RU" dirty="0" smtClean="0"/>
+              <a:t>Типы автоматизированных тестов</a:t>
+            </a:r>
+            <a:endParaRPr lang="en-US" dirty="0"/>
+          </a:p>
+        </p:txBody>
+      </p:sp>
+      <p:sp>
+        <p:nvSpPr>
+          <p:cNvPr id="3" name="Content Placeholder 2"/>
+          <p:cNvSpPr>
+            <a:spLocks noGrp="1"/>
+          </p:cNvSpPr>
+          <p:nvPr>
+            <p:ph sz="quarter" idx="1"/>
           </p:nvPr>
         </p:nvSpPr>
         <p:spPr>
           <a:xfrm>
-            <a:off x="628759" y="365126"/>
-            <a:ext cx="7888070" cy="1019922"/>
+            <a:off x="612754" y="1600199"/>
+            <a:ext cx="8154816" cy="4742411"/>
           </a:xfrm>
         </p:spPr>
         <p:txBody>
-          <a:bodyPr/>
+          <a:bodyPr>
+            <a:normAutofit/>
+          </a:bodyPr>
           <a:lstStyle/>
           <a:p>
             <a:r>
@@ -9636,130 +10414,69 @@
               </a:rPr>
               <a:t>Unit</a:t>
             </a:r>
-            <a:r>
-              <a:rPr lang="en-US" dirty="0"/>
-              <a:t> </a:t>
-            </a:r>
+          </a:p>
+          <a:p>
+            <a:r>
+              <a:rPr lang="en-US" dirty="0" smtClean="0"/>
+              <a:t>Integration</a:t>
+            </a:r>
+            <a:endParaRPr lang="en-US" dirty="0"/>
+          </a:p>
+          <a:p>
+            <a:r>
+              <a:rPr lang="ru-RU" sz="2800" dirty="0" smtClean="0"/>
+              <a:t>Уровень интерфейса пользователя</a:t>
+            </a:r>
+          </a:p>
+          <a:p>
+            <a:pPr lvl="1"/>
             <a:r>
               <a:rPr lang="ru-RU" dirty="0" smtClean="0"/>
-              <a:t>тесты</a:t>
-            </a:r>
-            <a:endParaRPr lang="ru-RU" dirty="0"/>
-          </a:p>
-        </p:txBody>
-      </p:sp>
-      <p:sp>
-        <p:nvSpPr>
-          <p:cNvPr id="3" name="Объект 2"/>
-          <p:cNvSpPr>
-            <a:spLocks noGrp="1"/>
-          </p:cNvSpPr>
-          <p:nvPr>
-            <p:ph sz="quarter" idx="1"/>
-          </p:nvPr>
-        </p:nvSpPr>
-        <p:spPr>
-          <a:xfrm>
-            <a:off x="628759" y="1492624"/>
-            <a:ext cx="7888070" cy="4684339"/>
-          </a:xfrm>
-        </p:spPr>
-        <p:txBody>
-          <a:bodyPr>
-            <a:normAutofit fontScale="92500" lnSpcReduction="10000"/>
-          </a:bodyPr>
-          <a:lstStyle/>
-          <a:p>
-            <a:r>
-              <a:rPr lang="ru-RU" sz="3200" dirty="0" smtClean="0"/>
-              <a:t>Отдельные классы</a:t>
-            </a:r>
-          </a:p>
-          <a:p>
-            <a:r>
-              <a:rPr lang="ru-RU" sz="3200" dirty="0" smtClean="0"/>
-              <a:t>Отдельные компоненты</a:t>
-            </a:r>
-          </a:p>
-          <a:p>
-            <a:r>
-              <a:rPr lang="ru-RU" sz="3200" dirty="0" smtClean="0"/>
-              <a:t>Все что не интеграционные тесты</a:t>
-            </a:r>
-            <a:endParaRPr lang="en-US" sz="3200" dirty="0" smtClean="0"/>
-          </a:p>
-          <a:p>
-            <a:r>
-              <a:rPr lang="ru-RU" sz="3200" dirty="0" smtClean="0"/>
-              <a:t>Участвует в </a:t>
-            </a:r>
-            <a:r>
-              <a:rPr lang="en-US" sz="3200" dirty="0" smtClean="0"/>
-              <a:t>Continuous Integration</a:t>
-            </a:r>
-            <a:endParaRPr lang="ru-RU" sz="3200" dirty="0" smtClean="0"/>
-          </a:p>
-          <a:p>
-            <a:r>
-              <a:rPr lang="en-US" sz="3200" dirty="0" smtClean="0"/>
-              <a:t>TDD</a:t>
-            </a:r>
-            <a:endParaRPr lang="ru-RU" sz="3200" dirty="0"/>
-          </a:p>
-          <a:p>
-            <a:r>
-              <a:rPr lang="ru-RU" sz="3200" dirty="0" smtClean="0"/>
-              <a:t>Инструменты</a:t>
+              <a:t> Функциональные</a:t>
+            </a:r>
+          </a:p>
+          <a:p>
+            <a:pPr lvl="2"/>
+            <a:r>
+              <a:rPr lang="ru-RU" dirty="0" smtClean="0"/>
+              <a:t>Имитируют пользователя</a:t>
+            </a:r>
+            <a:endParaRPr lang="en-US" dirty="0" smtClean="0"/>
+          </a:p>
+          <a:p>
+            <a:pPr lvl="2"/>
+            <a:r>
+              <a:rPr lang="en-US" dirty="0" smtClean="0"/>
+              <a:t>Selenium</a:t>
+            </a:r>
+            <a:endParaRPr lang="ru-RU" dirty="0" smtClean="0"/>
+          </a:p>
+          <a:p>
+            <a:r>
+              <a:rPr lang="ru-RU" dirty="0" smtClean="0"/>
+              <a:t>Другие</a:t>
             </a:r>
           </a:p>
           <a:p>
             <a:pPr lvl="1"/>
             <a:r>
-              <a:rPr lang="en-US" sz="2800" dirty="0" err="1" smtClean="0"/>
-              <a:t>J</a:t>
-            </a:r>
-            <a:r>
-              <a:rPr lang="en-US" sz="2800" dirty="0" err="1"/>
-              <a:t>U</a:t>
-            </a:r>
-            <a:r>
-              <a:rPr lang="en-US" sz="2800" dirty="0" err="1" smtClean="0"/>
-              <a:t>nit</a:t>
-            </a:r>
-            <a:endParaRPr lang="en-US" sz="2800" dirty="0" smtClean="0"/>
+              <a:rPr lang="ru-RU" dirty="0" smtClean="0"/>
+              <a:t>Нагрузочные</a:t>
+            </a:r>
           </a:p>
           <a:p>
             <a:pPr lvl="1"/>
             <a:r>
-              <a:rPr lang="en-US" sz="2800" dirty="0" err="1" smtClean="0"/>
-              <a:t>TestNG</a:t>
-            </a:r>
-            <a:r>
-              <a:rPr lang="en-US" sz="2800" dirty="0" smtClean="0"/>
-              <a:t> </a:t>
-            </a:r>
-            <a:r>
-              <a:rPr lang="en-US" sz="2800" i="1" dirty="0" smtClean="0"/>
-              <a:t>(data providers, dependencies, different lifecycle, grouping)</a:t>
-            </a:r>
-          </a:p>
-          <a:p>
-            <a:pPr lvl="1"/>
-            <a:r>
-              <a:rPr lang="en-US" sz="2800" dirty="0" smtClean="0"/>
-              <a:t>Mock-frameworks</a:t>
-            </a:r>
-          </a:p>
-          <a:p>
-            <a:pPr lvl="1"/>
-            <a:endParaRPr lang="ru-RU" dirty="0"/>
+              <a:rPr lang="en-US" dirty="0" smtClean="0"/>
+              <a:t>Usability</a:t>
+            </a:r>
           </a:p>
         </p:txBody>
       </p:sp>
     </p:spTree>
     <p:extLst>
       <p:ext uri="{BB962C8B-B14F-4D97-AF65-F5344CB8AC3E}">
-        <p14:creationId xmlns:p14="http://schemas.microsoft.com/office/powerpoint/2010/main" val="1959236672"/>
+        <p14:creationId xmlns:p14="http://schemas.microsoft.com/office/powerpoint/2010/main" val="848074474"/>
       </p:ext>
     </p:extLst>
   </p:cSld>
@@ -9809,12 +10526,8 @@
           <a:lstStyle/>
           <a:p>
             <a:r>
-              <a:rPr lang="ru-RU" dirty="0" smtClean="0"/>
-              <a:t>Интеграционные</a:t>
-            </a:r>
-            <a:r>
               <a:rPr lang="en-US" dirty="0" smtClean="0"/>
-              <a:t> </a:t>
+              <a:t>Unit/Integration </a:t>
             </a:r>
             <a:r>
               <a:rPr lang="ru-RU" dirty="0" smtClean="0"/>
@@ -9826,7 +10539,7 @@
       </p:sp>
       <p:sp>
         <p:nvSpPr>
-          <p:cNvPr id="3" name="Объект 2"/>
+          <p:cNvPr id="4" name="Объект 2"/>
           <p:cNvSpPr>
             <a:spLocks noGrp="1"/>
           </p:cNvSpPr>
@@ -9834,90 +10547,264 @@
             <p:ph sz="quarter" idx="1"/>
           </p:nvPr>
         </p:nvSpPr>
-        <p:spPr/>
+        <p:spPr>
+          <a:xfrm>
+            <a:off x="612754" y="2040680"/>
+            <a:ext cx="3870036" cy="3676185"/>
+          </a:xfrm>
+        </p:spPr>
         <p:txBody>
           <a:bodyPr>
-            <a:normAutofit lnSpcReduction="10000"/>
+            <a:normAutofit/>
           </a:bodyPr>
           <a:lstStyle/>
           <a:p>
+            <a:pPr marL="0" indent="0" algn="ctr">
+              <a:buNone/>
+            </a:pPr>
+            <a:r>
+              <a:rPr lang="en-US" sz="3600" u="sng" dirty="0" smtClean="0">
+                <a:solidFill>
+                  <a:schemeClr val="tx2"/>
+                </a:solidFill>
+              </a:rPr>
+              <a:t>Unit</a:t>
+            </a:r>
+            <a:endParaRPr lang="ru-RU" sz="3600" u="sng" dirty="0" smtClean="0">
+              <a:solidFill>
+                <a:schemeClr val="tx2"/>
+              </a:solidFill>
+            </a:endParaRPr>
+          </a:p>
+          <a:p>
             <a:r>
               <a:rPr lang="ru-RU" sz="3600" dirty="0" smtClean="0"/>
-              <a:t>Между компонентами</a:t>
-            </a:r>
+              <a:t>Классы</a:t>
+            </a:r>
+            <a:endParaRPr lang="ru-RU" sz="3600" dirty="0" smtClean="0"/>
           </a:p>
           <a:p>
             <a:r>
               <a:rPr lang="ru-RU" sz="3600" dirty="0" smtClean="0"/>
-              <a:t>Между компонентом и другими системами</a:t>
-            </a:r>
-          </a:p>
-          <a:p>
-            <a:pPr lvl="1"/>
-            <a:r>
-              <a:rPr lang="ru-RU" sz="3200" dirty="0" smtClean="0"/>
-              <a:t>Файловая система</a:t>
-            </a:r>
-          </a:p>
-          <a:p>
-            <a:pPr lvl="1"/>
-            <a:r>
-              <a:rPr lang="ru-RU" sz="3200" dirty="0" smtClean="0"/>
-              <a:t>Базы данных</a:t>
-            </a:r>
-          </a:p>
-          <a:p>
-            <a:pPr lvl="1"/>
-            <a:r>
-              <a:rPr lang="ru-RU" sz="3200" dirty="0" smtClean="0"/>
-              <a:t>Сервисы</a:t>
-            </a:r>
-            <a:endParaRPr lang="en-US" sz="3200" dirty="0" smtClean="0"/>
-          </a:p>
-          <a:p>
+              <a:t>Компоненты</a:t>
+            </a:r>
+            <a:endParaRPr lang="ru-RU" sz="3600" dirty="0" smtClean="0"/>
+          </a:p>
+        </p:txBody>
+      </p:sp>
+      <p:sp>
+        <p:nvSpPr>
+          <p:cNvPr id="5" name="Прямоугольник 4"/>
+          <p:cNvSpPr/>
+          <p:nvPr/>
+        </p:nvSpPr>
+        <p:spPr>
+          <a:xfrm>
+            <a:off x="4549709" y="2087938"/>
+            <a:ext cx="4572000" cy="2487861"/>
+          </a:xfrm>
+          <a:prstGeom prst="rect">
+            <a:avLst/>
+          </a:prstGeom>
+        </p:spPr>
+        <p:txBody>
+          <a:bodyPr>
+            <a:spAutoFit/>
+          </a:bodyPr>
+          <a:lstStyle/>
+          <a:p>
+            <a:pPr algn="ctr"/>
+            <a:r>
+              <a:rPr lang="en-US" sz="3600" u="sng" dirty="0" smtClean="0">
+                <a:solidFill>
+                  <a:schemeClr val="tx2"/>
+                </a:solidFill>
+              </a:rPr>
+              <a:t>Integration</a:t>
+            </a:r>
+          </a:p>
+          <a:p>
+            <a:pPr marL="320040" indent="-320040">
+              <a:spcBef>
+                <a:spcPts val="700"/>
+              </a:spcBef>
+              <a:buClr>
+                <a:schemeClr val="accent2"/>
+              </a:buClr>
+              <a:buSzPct val="60000"/>
+              <a:buFont typeface="Wingdings"/>
+              <a:buChar char=""/>
+            </a:pPr>
+            <a:r>
+              <a:rPr lang="ru-RU" sz="3600" dirty="0"/>
+              <a:t>Связи компонентов</a:t>
+            </a:r>
+          </a:p>
+          <a:p>
+            <a:pPr marL="320040" indent="-320040">
+              <a:spcBef>
+                <a:spcPts val="700"/>
+              </a:spcBef>
+              <a:buClr>
+                <a:schemeClr val="accent2"/>
+              </a:buClr>
+              <a:buSzPct val="60000"/>
+              <a:buFont typeface="Wingdings"/>
+              <a:buChar char=""/>
+            </a:pPr>
+            <a:r>
+              <a:rPr lang="ru-RU" sz="3600" dirty="0"/>
+              <a:t>Связь с </a:t>
+            </a:r>
+            <a:r>
+              <a:rPr lang="ru-RU" sz="3600" dirty="0" smtClean="0"/>
+              <a:t>внешними </a:t>
+            </a:r>
+            <a:r>
+              <a:rPr lang="ru-RU" sz="3600" dirty="0"/>
+              <a:t>системами</a:t>
+            </a:r>
+            <a:endParaRPr lang="ru-RU" sz="3600" dirty="0"/>
+          </a:p>
+        </p:txBody>
+      </p:sp>
+      <p:sp>
+        <p:nvSpPr>
+          <p:cNvPr id="6" name="TextBox 5"/>
+          <p:cNvSpPr txBox="1"/>
+          <p:nvPr/>
+        </p:nvSpPr>
+        <p:spPr>
+          <a:xfrm>
+            <a:off x="2654007" y="1340798"/>
+            <a:ext cx="3372590" cy="707886"/>
+          </a:xfrm>
+          <a:prstGeom prst="rect">
+            <a:avLst/>
+          </a:prstGeom>
+          <a:noFill/>
+        </p:spPr>
+        <p:txBody>
+          <a:bodyPr wrap="none" rtlCol="0">
+            <a:spAutoFit/>
+          </a:bodyPr>
+          <a:lstStyle/>
+          <a:p>
+            <a:r>
+              <a:rPr lang="ru-RU" sz="4000" dirty="0" smtClean="0"/>
+              <a:t>Что тестирует?</a:t>
+            </a:r>
+            <a:endParaRPr lang="ru-RU" sz="4000" dirty="0"/>
+          </a:p>
+        </p:txBody>
+      </p:sp>
+      <p:cxnSp>
+        <p:nvCxnSpPr>
+          <p:cNvPr id="8" name="Прямая соединительная линия 7"/>
+          <p:cNvCxnSpPr/>
+          <p:nvPr/>
+        </p:nvCxnSpPr>
+        <p:spPr>
+          <a:xfrm>
+            <a:off x="4340302" y="2252546"/>
+            <a:ext cx="0" cy="2107581"/>
+          </a:xfrm>
+          <a:prstGeom prst="line">
+            <a:avLst/>
+          </a:prstGeom>
+        </p:spPr>
+        <p:style>
+          <a:lnRef idx="1">
+            <a:schemeClr val="accent1"/>
+          </a:lnRef>
+          <a:fillRef idx="0">
+            <a:schemeClr val="accent1"/>
+          </a:fillRef>
+          <a:effectRef idx="0">
+            <a:schemeClr val="accent1"/>
+          </a:effectRef>
+          <a:fontRef idx="minor">
+            <a:schemeClr val="tx1"/>
+          </a:fontRef>
+        </p:style>
+      </p:cxnSp>
+      <p:cxnSp>
+        <p:nvCxnSpPr>
+          <p:cNvPr id="11" name="Прямая соединительная линия 10"/>
+          <p:cNvCxnSpPr/>
+          <p:nvPr/>
+        </p:nvCxnSpPr>
+        <p:spPr>
+          <a:xfrm>
+            <a:off x="713679" y="4575799"/>
+            <a:ext cx="8129239" cy="0"/>
+          </a:xfrm>
+          <a:prstGeom prst="line">
+            <a:avLst/>
+          </a:prstGeom>
+        </p:spPr>
+        <p:style>
+          <a:lnRef idx="1">
+            <a:schemeClr val="accent1"/>
+          </a:lnRef>
+          <a:fillRef idx="0">
+            <a:schemeClr val="accent1"/>
+          </a:fillRef>
+          <a:effectRef idx="0">
+            <a:schemeClr val="accent1"/>
+          </a:effectRef>
+          <a:fontRef idx="minor">
+            <a:schemeClr val="tx1"/>
+          </a:fontRef>
+        </p:style>
+      </p:cxnSp>
+      <p:sp>
+        <p:nvSpPr>
+          <p:cNvPr id="12" name="TextBox 11"/>
+          <p:cNvSpPr txBox="1"/>
+          <p:nvPr/>
+        </p:nvSpPr>
+        <p:spPr>
+          <a:xfrm>
+            <a:off x="2261754" y="4739273"/>
+            <a:ext cx="4216540" cy="1200329"/>
+          </a:xfrm>
+          <a:prstGeom prst="rect">
+            <a:avLst/>
+          </a:prstGeom>
+          <a:noFill/>
+        </p:spPr>
+        <p:txBody>
+          <a:bodyPr wrap="none" rtlCol="0">
+            <a:spAutoFit/>
+          </a:bodyPr>
+          <a:lstStyle/>
+          <a:p>
+            <a:pPr algn="ctr"/>
             <a:r>
               <a:rPr lang="en-US" sz="3600" dirty="0" smtClean="0"/>
               <a:t>TDD</a:t>
             </a:r>
-            <a:endParaRPr lang="ru-RU" sz="3600" dirty="0" smtClean="0"/>
-          </a:p>
-          <a:p>
-            <a:r>
-              <a:rPr lang="ru-RU" sz="3600" dirty="0" smtClean="0"/>
-              <a:t>Участвует в </a:t>
-            </a:r>
+          </a:p>
+          <a:p>
+            <a:pPr algn="ctr"/>
             <a:r>
               <a:rPr lang="en-US" sz="3600" dirty="0" smtClean="0"/>
               <a:t>Continuous Integration</a:t>
             </a:r>
-            <a:endParaRPr lang="ru-RU" sz="3600" dirty="0" smtClean="0"/>
-          </a:p>
-          <a:p>
-            <a:endParaRPr lang="ru-RU" dirty="0"/>
-          </a:p>
-          <a:p>
-            <a:pPr lvl="1"/>
-            <a:endParaRPr lang="ru-RU" dirty="0"/>
           </a:p>
         </p:txBody>
       </p:sp>
     </p:spTree>
     <p:extLst>
       <p:ext uri="{BB962C8B-B14F-4D97-AF65-F5344CB8AC3E}">
-        <p14:creationId xmlns:p14="http://schemas.microsoft.com/office/powerpoint/2010/main" val="3762512374"/>
+        <p14:creationId xmlns:p14="http://schemas.microsoft.com/office/powerpoint/2010/main" val="1227181710"/>
       </p:ext>
     </p:extLst>
   </p:cSld>
   <p:clrMapOvr>
     <a:masterClrMapping/>
   </p:clrMapOvr>
-  <p:timing>
-    <p:tnLst>
-      <p:par>
-        <p:cTn id="1" dur="indefinite" restart="never" nodeType="tmRoot"/>
-      </p:par>
-    </p:tnLst>
-  </p:timing>
 </p:sld>
 </file>
 
@@ -9940,7 +10827,7 @@
       </p:grpSpPr>
       <p:sp>
         <p:nvSpPr>
-          <p:cNvPr id="2" name="Title 1"/>
+          <p:cNvPr id="2" name="Заголовок 1"/>
           <p:cNvSpPr>
             <a:spLocks noGrp="1"/>
           </p:cNvSpPr>
@@ -9951,7 +10838,7 @@
         <p:spPr>
           <a:xfrm>
             <a:off x="628759" y="365126"/>
-            <a:ext cx="7888070" cy="1006475"/>
+            <a:ext cx="7888070" cy="1019922"/>
           </a:xfrm>
         </p:spPr>
         <p:txBody>
@@ -9959,176 +10846,111 @@
           <a:lstStyle/>
           <a:p>
             <a:r>
-              <a:rPr lang="ru-RU" dirty="0"/>
-              <a:t>Интеграционные</a:t>
-            </a:r>
-            <a:r>
-              <a:rPr lang="en-US" dirty="0"/>
-              <a:t> </a:t>
-            </a:r>
-            <a:r>
-              <a:rPr lang="ru-RU" dirty="0"/>
-              <a:t>тесты</a:t>
-            </a:r>
-            <a:endParaRPr lang="en-US" dirty="0"/>
-          </a:p>
-        </p:txBody>
-      </p:sp>
-      <p:sp>
-        <p:nvSpPr>
-          <p:cNvPr id="3" name="Content Placeholder 2"/>
-          <p:cNvSpPr>
-            <a:spLocks noGrp="1"/>
-          </p:cNvSpPr>
-          <p:nvPr>
-            <p:ph sz="quarter" idx="1"/>
-          </p:nvPr>
-        </p:nvSpPr>
-        <p:spPr>
-          <a:xfrm>
-            <a:off x="628759" y="1479176"/>
-            <a:ext cx="7888070" cy="4697787"/>
-          </a:xfrm>
-        </p:spPr>
-        <p:txBody>
-          <a:bodyPr>
-            <a:noAutofit/>
-          </a:bodyPr>
-          <a:lstStyle/>
-          <a:p>
-            <a:pPr marL="0" indent="0">
-              <a:buNone/>
-            </a:pPr>
-            <a:r>
-              <a:rPr lang="ru-RU" sz="2800" dirty="0" smtClean="0"/>
-              <a:t>Тестирование с помощью </a:t>
-            </a:r>
-            <a:r>
-              <a:rPr lang="ru-RU" sz="2800" dirty="0" err="1" smtClean="0"/>
-              <a:t>фейков</a:t>
-            </a:r>
-            <a:endParaRPr lang="ru-RU" sz="2800" dirty="0" smtClean="0"/>
-          </a:p>
-          <a:p>
-            <a:r>
-              <a:rPr lang="ru-RU" sz="2800" dirty="0" smtClean="0"/>
-              <a:t> Базы данных</a:t>
-            </a:r>
-          </a:p>
-          <a:p>
-            <a:pPr lvl="1">
-              <a:buFontTx/>
-              <a:buChar char="-"/>
-            </a:pPr>
-            <a:r>
-              <a:rPr lang="en-US" sz="2400" dirty="0" smtClean="0"/>
-              <a:t>In-memory fakes</a:t>
-            </a:r>
-          </a:p>
-          <a:p>
-            <a:pPr lvl="2">
-              <a:buFontTx/>
-              <a:buChar char="-"/>
-            </a:pPr>
-            <a:r>
-              <a:rPr lang="en-US" sz="2400" dirty="0" smtClean="0"/>
-              <a:t>H2/derby/</a:t>
-            </a:r>
-            <a:r>
-              <a:rPr lang="en-US" sz="2400" dirty="0" err="1" smtClean="0"/>
-              <a:t>sqlite</a:t>
-            </a:r>
-            <a:endParaRPr lang="en-US" sz="2400" dirty="0" smtClean="0"/>
-          </a:p>
-          <a:p>
-            <a:pPr lvl="1">
-              <a:buFontTx/>
-              <a:buChar char="-"/>
-            </a:pPr>
-            <a:r>
-              <a:rPr lang="ru-RU" sz="2400" dirty="0" smtClean="0"/>
-              <a:t>Или отдельный инстанс для тестирования</a:t>
-            </a:r>
-          </a:p>
-          <a:p>
-            <a:r>
-              <a:rPr lang="ru-RU" sz="2800" dirty="0" smtClean="0"/>
-              <a:t>Файловая система</a:t>
-            </a:r>
-          </a:p>
-          <a:p>
-            <a:pPr lvl="1">
-              <a:buFontTx/>
-              <a:buChar char="-"/>
-            </a:pPr>
-            <a:r>
-              <a:rPr lang="en-US" sz="2400" dirty="0" smtClean="0"/>
-              <a:t>Commons VFS</a:t>
-            </a:r>
-          </a:p>
-          <a:p>
-            <a:pPr lvl="1">
-              <a:buFontTx/>
-              <a:buChar char="-"/>
-            </a:pPr>
-            <a:r>
-              <a:rPr lang="en-US" sz="2400" dirty="0" smtClean="0"/>
-              <a:t>Java 7: </a:t>
-            </a:r>
-            <a:r>
-              <a:rPr lang="en-US" sz="2400" dirty="0" err="1" smtClean="0"/>
-              <a:t>jimfs</a:t>
-            </a:r>
-            <a:endParaRPr lang="en-US" sz="2400" dirty="0" smtClean="0"/>
-          </a:p>
-          <a:p>
-            <a:r>
-              <a:rPr lang="en-US" sz="2800" dirty="0" smtClean="0">
+              <a:rPr lang="en-US" dirty="0">
                 <a:latin typeface="Calibri" pitchFamily="34" charset="0"/>
                 <a:cs typeface="Calibri" pitchFamily="34" charset="0"/>
               </a:rPr>
-              <a:t>REST </a:t>
-            </a:r>
-            <a:r>
-              <a:rPr lang="ru-RU" sz="2800" dirty="0" smtClean="0">
-                <a:latin typeface="Calibri" pitchFamily="34" charset="0"/>
-                <a:cs typeface="Calibri" pitchFamily="34" charset="0"/>
-              </a:rPr>
-              <a:t>Сервисы</a:t>
-            </a:r>
-            <a:endParaRPr lang="en-US" sz="2800" dirty="0" smtClean="0">
-              <a:latin typeface="Calibri" pitchFamily="34" charset="0"/>
-              <a:cs typeface="Calibri" pitchFamily="34" charset="0"/>
-            </a:endParaRPr>
-          </a:p>
+              <a:t>Unit</a:t>
+            </a:r>
+            <a:r>
+              <a:rPr lang="en-US" dirty="0"/>
+              <a:t> </a:t>
+            </a:r>
+            <a:r>
+              <a:rPr lang="ru-RU" dirty="0" smtClean="0"/>
+              <a:t>тесты</a:t>
+            </a:r>
+            <a:r>
+              <a:rPr lang="en-US" dirty="0" smtClean="0"/>
+              <a:t>: </a:t>
+            </a:r>
+            <a:r>
+              <a:rPr lang="ru-RU" dirty="0" smtClean="0"/>
+              <a:t>Инструменты</a:t>
+            </a:r>
+            <a:endParaRPr lang="ru-RU" dirty="0"/>
+          </a:p>
+        </p:txBody>
+      </p:sp>
+      <p:sp>
+        <p:nvSpPr>
+          <p:cNvPr id="3" name="Объект 2"/>
+          <p:cNvSpPr>
+            <a:spLocks noGrp="1"/>
+          </p:cNvSpPr>
+          <p:nvPr>
+            <p:ph sz="quarter" idx="1"/>
+          </p:nvPr>
+        </p:nvSpPr>
+        <p:spPr>
+          <a:xfrm>
+            <a:off x="628759" y="1492624"/>
+            <a:ext cx="7888070" cy="4684339"/>
+          </a:xfrm>
+        </p:spPr>
+        <p:txBody>
+          <a:bodyPr>
+            <a:normAutofit/>
+          </a:bodyPr>
+          <a:lstStyle/>
           <a:p>
             <a:pPr lvl="1">
-              <a:buFontTx/>
-              <a:buChar char="-"/>
+              <a:lnSpc>
+                <a:spcPct val="200000"/>
+              </a:lnSpc>
             </a:pPr>
             <a:r>
-              <a:rPr lang="en-US" sz="2400" dirty="0" err="1" smtClean="0"/>
-              <a:t>MockServer</a:t>
-            </a:r>
-            <a:endParaRPr lang="en-US" sz="2400" dirty="0" smtClean="0"/>
+              <a:rPr lang="en-US" sz="4000" dirty="0" err="1" smtClean="0"/>
+              <a:t>JUnit</a:t>
+            </a:r>
+            <a:endParaRPr lang="en-US" sz="4000" dirty="0" smtClean="0"/>
           </a:p>
           <a:p>
             <a:pPr lvl="1">
-              <a:buFontTx/>
-              <a:buChar char="-"/>
+              <a:lnSpc>
+                <a:spcPct val="200000"/>
+              </a:lnSpc>
             </a:pPr>
             <a:r>
-              <a:rPr lang="en-US" sz="2400" dirty="0" smtClean="0"/>
-              <a:t>Jetty</a:t>
-            </a:r>
-            <a:endParaRPr lang="en-US" sz="2400" dirty="0"/>
+              <a:rPr lang="en-US" sz="4000" dirty="0" err="1" smtClean="0"/>
+              <a:t>TestNG</a:t>
+            </a:r>
+            <a:r>
+              <a:rPr lang="en-US" sz="4000" dirty="0" smtClean="0"/>
+              <a:t> </a:t>
+            </a:r>
+            <a:endParaRPr lang="ru-RU" sz="4000" dirty="0" smtClean="0"/>
+          </a:p>
+          <a:p>
+            <a:pPr lvl="1">
+              <a:lnSpc>
+                <a:spcPct val="200000"/>
+              </a:lnSpc>
+            </a:pPr>
+            <a:r>
+              <a:rPr lang="en-US" sz="4000" dirty="0" smtClean="0"/>
+              <a:t>Mock-</a:t>
+            </a:r>
+            <a:r>
+              <a:rPr lang="ru-RU" sz="4000" dirty="0" err="1" smtClean="0"/>
+              <a:t>фреймворки</a:t>
+            </a:r>
+            <a:endParaRPr lang="en-US" sz="4000" dirty="0" smtClean="0"/>
+          </a:p>
+          <a:p>
+            <a:pPr lvl="1">
+              <a:lnSpc>
+                <a:spcPct val="200000"/>
+              </a:lnSpc>
+            </a:pPr>
+            <a:endParaRPr lang="ru-RU" sz="3600" dirty="0"/>
           </a:p>
         </p:txBody>
       </p:sp>
     </p:spTree>
     <p:extLst>
       <p:ext uri="{BB962C8B-B14F-4D97-AF65-F5344CB8AC3E}">
-        <p14:creationId xmlns:p14="http://schemas.microsoft.com/office/powerpoint/2010/main" val="3602083090"/>
+        <p14:creationId xmlns:p14="http://schemas.microsoft.com/office/powerpoint/2010/main" val="1959236672"/>
       </p:ext>
     </p:extLst>
   </p:cSld>
@@ -10164,7 +10986,7 @@
       </p:grpSpPr>
       <p:sp>
         <p:nvSpPr>
-          <p:cNvPr id="2" name="Заголовок 1"/>
+          <p:cNvPr id="2" name="Title 1"/>
           <p:cNvSpPr>
             <a:spLocks noGrp="1"/>
           </p:cNvSpPr>
@@ -10175,7 +10997,7 @@
         <p:spPr>
           <a:xfrm>
             <a:off x="628759" y="365126"/>
-            <a:ext cx="7888070" cy="1060263"/>
+            <a:ext cx="7888070" cy="1006475"/>
           </a:xfrm>
         </p:spPr>
         <p:txBody>
@@ -10183,16 +11005,28 @@
           <a:lstStyle/>
           <a:p>
             <a:r>
+              <a:rPr lang="en-US" dirty="0" smtClean="0"/>
+              <a:t>Integration </a:t>
+            </a:r>
+            <a:r>
               <a:rPr lang="ru-RU" dirty="0" smtClean="0"/>
-              <a:t>Функциональное тестирование</a:t>
-            </a:r>
-            <a:endParaRPr lang="ru-RU" dirty="0"/>
-          </a:p>
-        </p:txBody>
-      </p:sp>
-      <p:sp>
-        <p:nvSpPr>
-          <p:cNvPr id="3" name="Объект 2"/>
+              <a:t>тесты</a:t>
+            </a:r>
+            <a:r>
+              <a:rPr lang="en-US" dirty="0" smtClean="0"/>
+              <a:t>: </a:t>
+            </a:r>
+            <a:r>
+              <a:rPr lang="ru-RU" dirty="0" smtClean="0"/>
+              <a:t>Инструменты</a:t>
+            </a:r>
+            <a:endParaRPr lang="en-US" dirty="0"/>
+          </a:p>
+        </p:txBody>
+      </p:sp>
+      <p:sp>
+        <p:nvSpPr>
+          <p:cNvPr id="3" name="Content Placeholder 2"/>
           <p:cNvSpPr>
             <a:spLocks noGrp="1"/>
           </p:cNvSpPr>
@@ -10202,123 +11036,155 @@
         </p:nvSpPr>
         <p:spPr>
           <a:xfrm>
-            <a:off x="628759" y="1465728"/>
-            <a:ext cx="7888070" cy="5136777"/>
+            <a:off x="628759" y="1479176"/>
+            <a:ext cx="7888070" cy="4697787"/>
           </a:xfrm>
         </p:spPr>
         <p:txBody>
           <a:bodyPr>
-            <a:normAutofit fontScale="92500"/>
+            <a:noAutofit/>
           </a:bodyPr>
           <a:lstStyle/>
           <a:p>
-            <a:r>
-              <a:rPr lang="en-US" sz="3200" dirty="0" smtClean="0"/>
-              <a:t>ATDD (Acceptance TDD)</a:t>
-            </a:r>
-          </a:p>
-          <a:p>
-            <a:r>
-              <a:rPr lang="ru-RU" sz="3200" dirty="0" smtClean="0"/>
-              <a:t>Ненадежны</a:t>
-            </a:r>
-          </a:p>
-          <a:p>
-            <a:r>
-              <a:rPr lang="ru-RU" sz="3200" dirty="0" smtClean="0"/>
-              <a:t>Медленны</a:t>
-            </a:r>
-            <a:endParaRPr lang="en-US" sz="3200" dirty="0" smtClean="0"/>
-          </a:p>
-          <a:p>
-            <a:r>
-              <a:rPr lang="ru-RU" sz="3200" dirty="0" smtClean="0"/>
-              <a:t>Запускаются против выделенного окружения</a:t>
-            </a:r>
-          </a:p>
-          <a:p>
-            <a:r>
-              <a:rPr lang="ru-RU" sz="3200" dirty="0" smtClean="0"/>
-              <a:t>Не часть </a:t>
-            </a:r>
-            <a:r>
-              <a:rPr lang="en-US" sz="3200" dirty="0" smtClean="0">
+            <a:pPr marL="0" indent="0">
+              <a:buNone/>
+            </a:pPr>
+            <a:r>
+              <a:rPr lang="ru-RU" sz="2800" dirty="0" smtClean="0"/>
+              <a:t>Тестирование с помощью </a:t>
+            </a:r>
+            <a:r>
+              <a:rPr lang="ru-RU" sz="2800" dirty="0" err="1" smtClean="0"/>
+              <a:t>фейков</a:t>
+            </a:r>
+            <a:endParaRPr lang="ru-RU" sz="2800" dirty="0" smtClean="0"/>
+          </a:p>
+          <a:p>
+            <a:r>
+              <a:rPr lang="ru-RU" sz="2800" dirty="0" smtClean="0"/>
+              <a:t> Базы данных</a:t>
+            </a:r>
+          </a:p>
+          <a:p>
+            <a:pPr lvl="1">
+              <a:buFontTx/>
+              <a:buChar char="-"/>
+            </a:pPr>
+            <a:r>
+              <a:rPr lang="en-US" sz="2400" dirty="0" smtClean="0"/>
+              <a:t>In-memory </a:t>
+            </a:r>
+            <a:r>
+              <a:rPr lang="en-US" sz="2400" dirty="0" smtClean="0"/>
+              <a:t>fakes</a:t>
+            </a:r>
+            <a:r>
+              <a:rPr lang="ru-RU" sz="2400" dirty="0" smtClean="0"/>
+              <a:t> (</a:t>
+            </a:r>
+            <a:r>
+              <a:rPr lang="en-US" sz="2400" dirty="0" smtClean="0"/>
+              <a:t>H2/derby/</a:t>
+            </a:r>
+            <a:r>
+              <a:rPr lang="en-US" sz="2400" dirty="0" err="1" smtClean="0"/>
+              <a:t>sqlite</a:t>
+            </a:r>
+            <a:r>
+              <a:rPr lang="ru-RU" sz="2400" dirty="0" smtClean="0"/>
+              <a:t>)</a:t>
+            </a:r>
+            <a:endParaRPr lang="en-US" sz="2400" dirty="0" smtClean="0"/>
+          </a:p>
+          <a:p>
+            <a:pPr lvl="1">
+              <a:buFontTx/>
+              <a:buChar char="-"/>
+            </a:pPr>
+            <a:r>
+              <a:rPr lang="ru-RU" sz="2400" dirty="0" smtClean="0"/>
+              <a:t>Или отдельный инстанс для тестирования</a:t>
+            </a:r>
+          </a:p>
+          <a:p>
+            <a:r>
+              <a:rPr lang="ru-RU" sz="2800" dirty="0" smtClean="0"/>
+              <a:t>Файловая система</a:t>
+            </a:r>
+          </a:p>
+          <a:p>
+            <a:pPr lvl="1">
+              <a:buFontTx/>
+              <a:buChar char="-"/>
+            </a:pPr>
+            <a:r>
+              <a:rPr lang="en-US" sz="2400" dirty="0" smtClean="0"/>
+              <a:t>Commons VFS</a:t>
+            </a:r>
+          </a:p>
+          <a:p>
+            <a:pPr lvl="1">
+              <a:buFontTx/>
+              <a:buChar char="-"/>
+            </a:pPr>
+            <a:r>
+              <a:rPr lang="en-US" sz="2400" dirty="0" smtClean="0"/>
+              <a:t>Java 7: </a:t>
+            </a:r>
+            <a:r>
+              <a:rPr lang="en-US" sz="2400" dirty="0" err="1" smtClean="0"/>
+              <a:t>jimfs</a:t>
+            </a:r>
+            <a:endParaRPr lang="en-US" sz="2400" dirty="0" smtClean="0"/>
+          </a:p>
+          <a:p>
+            <a:r>
+              <a:rPr lang="en-US" sz="2800" dirty="0" smtClean="0">
                 <a:latin typeface="Calibri" pitchFamily="34" charset="0"/>
                 <a:cs typeface="Calibri" pitchFamily="34" charset="0"/>
               </a:rPr>
-              <a:t>Continuous Integration</a:t>
-            </a:r>
-            <a:r>
-              <a:rPr lang="ru-RU" sz="3200" dirty="0" smtClean="0">
+              <a:t>REST </a:t>
+            </a:r>
+            <a:r>
+              <a:rPr lang="ru-RU" sz="2800" dirty="0" smtClean="0">
                 <a:latin typeface="Calibri" pitchFamily="34" charset="0"/>
                 <a:cs typeface="Calibri" pitchFamily="34" charset="0"/>
               </a:rPr>
-              <a:t> </a:t>
-            </a:r>
-            <a:r>
-              <a:rPr lang="ru-RU" sz="3200" i="1" dirty="0" smtClean="0">
-                <a:latin typeface="Calibri" pitchFamily="34" charset="0"/>
-                <a:cs typeface="Calibri" pitchFamily="34" charset="0"/>
-              </a:rPr>
-              <a:t>(</a:t>
-            </a:r>
-            <a:r>
-              <a:rPr lang="en-US" sz="3200" i="1" dirty="0" smtClean="0">
-                <a:latin typeface="Calibri" pitchFamily="34" charset="0"/>
-                <a:cs typeface="Calibri" pitchFamily="34" charset="0"/>
-              </a:rPr>
-              <a:t>smoke test)</a:t>
-            </a:r>
-          </a:p>
-          <a:p>
-            <a:r>
-              <a:rPr lang="en-US" sz="3200" dirty="0">
-                <a:latin typeface="Calibri" pitchFamily="34" charset="0"/>
-                <a:cs typeface="Calibri" pitchFamily="34" charset="0"/>
-              </a:rPr>
-              <a:t>Selenium</a:t>
-            </a:r>
-          </a:p>
-          <a:p>
-            <a:pPr lvl="1"/>
-            <a:r>
-              <a:rPr lang="en-US" sz="2800" dirty="0" err="1" smtClean="0"/>
-              <a:t>Selenide</a:t>
-            </a:r>
-            <a:endParaRPr lang="en-US" sz="2800" dirty="0"/>
-          </a:p>
-          <a:p>
-            <a:pPr lvl="1"/>
-            <a:r>
-              <a:rPr lang="en-US" sz="2800" dirty="0"/>
-              <a:t>Headless drivers</a:t>
-            </a:r>
-          </a:p>
-          <a:p>
-            <a:pPr lvl="2"/>
-            <a:r>
-              <a:rPr lang="en-US" sz="2400" dirty="0" err="1"/>
-              <a:t>PhantomJS</a:t>
+              <a:t>Сервисы</a:t>
+            </a:r>
+            <a:endParaRPr lang="en-US" sz="2800" dirty="0" smtClean="0">
+              <a:latin typeface="Calibri" pitchFamily="34" charset="0"/>
+              <a:cs typeface="Calibri" pitchFamily="34" charset="0"/>
+            </a:endParaRPr>
+          </a:p>
+          <a:p>
+            <a:pPr lvl="1">
+              <a:buFontTx/>
+              <a:buChar char="-"/>
+            </a:pPr>
+            <a:r>
+              <a:rPr lang="en-US" sz="2400" dirty="0" err="1" smtClean="0"/>
+              <a:t>MockServer</a:t>
+            </a:r>
+            <a:endParaRPr lang="en-US" sz="2400" dirty="0" smtClean="0"/>
+          </a:p>
+          <a:p>
+            <a:pPr lvl="1">
+              <a:buFontTx/>
+              <a:buChar char="-"/>
+            </a:pPr>
+            <a:r>
+              <a:rPr lang="en-US" sz="2400" dirty="0" smtClean="0"/>
+              <a:t>Jetty</a:t>
             </a:r>
             <a:endParaRPr lang="en-US" sz="2400" dirty="0"/>
-          </a:p>
-          <a:p>
-            <a:pPr lvl="2"/>
-            <a:r>
-              <a:rPr lang="en-US" sz="2400" dirty="0" err="1"/>
-              <a:t>HtmlUnit</a:t>
-            </a:r>
-            <a:endParaRPr lang="en-US" sz="2400" dirty="0"/>
-          </a:p>
-          <a:p>
-            <a:endParaRPr lang="ru-RU" dirty="0"/>
           </a:p>
         </p:txBody>
       </p:sp>
     </p:spTree>
     <p:extLst>
       <p:ext uri="{BB962C8B-B14F-4D97-AF65-F5344CB8AC3E}">
-        <p14:creationId xmlns:p14="http://schemas.microsoft.com/office/powerpoint/2010/main" val="1774978621"/>
+        <p14:creationId xmlns:p14="http://schemas.microsoft.com/office/powerpoint/2010/main" val="3602083090"/>
       </p:ext>
     </p:extLst>
   </p:cSld>
@@ -10336,7 +11202,7 @@
 </file>
 
 <file path=ppt/slides/slide9.xml><?xml version="1.0" encoding="utf-8"?>
-<p:sld xmlns:a="http://schemas.openxmlformats.org/drawingml/2006/main" xmlns:r="http://schemas.openxmlformats.org/officeDocument/2006/relationships" xmlns:p="http://schemas.openxmlformats.org/presentationml/2006/main" show="0">
+<p:sld xmlns:a="http://schemas.openxmlformats.org/drawingml/2006/main" xmlns:r="http://schemas.openxmlformats.org/officeDocument/2006/relationships" xmlns:p="http://schemas.openxmlformats.org/presentationml/2006/main">
   <p:cSld>
     <p:spTree>
       <p:nvGrpSpPr>
@@ -10354,7 +11220,7 @@
       </p:grpSpPr>
       <p:sp>
         <p:nvSpPr>
-          <p:cNvPr id="2" name="Title 1"/>
+          <p:cNvPr id="2" name="Заголовок 1"/>
           <p:cNvSpPr>
             <a:spLocks noGrp="1"/>
           </p:cNvSpPr>
@@ -10362,161 +11228,135 @@
             <p:ph type="title"/>
           </p:nvPr>
         </p:nvSpPr>
-        <p:spPr/>
+        <p:spPr>
+          <a:xfrm>
+            <a:off x="628759" y="365126"/>
+            <a:ext cx="7888070" cy="1060263"/>
+          </a:xfrm>
+        </p:spPr>
+        <p:txBody>
+          <a:bodyPr/>
+          <a:lstStyle/>
+          <a:p>
+            <a:r>
+              <a:rPr lang="ru-RU" dirty="0" smtClean="0"/>
+              <a:t>Функциональное тестирование</a:t>
+            </a:r>
+            <a:endParaRPr lang="ru-RU" dirty="0"/>
+          </a:p>
+        </p:txBody>
+      </p:sp>
+      <p:sp>
+        <p:nvSpPr>
+          <p:cNvPr id="3" name="Объект 2"/>
+          <p:cNvSpPr>
+            <a:spLocks noGrp="1"/>
+          </p:cNvSpPr>
+          <p:nvPr>
+            <p:ph sz="quarter" idx="1"/>
+          </p:nvPr>
+        </p:nvSpPr>
+        <p:spPr>
+          <a:xfrm>
+            <a:off x="628759" y="1465728"/>
+            <a:ext cx="7888070" cy="5136777"/>
+          </a:xfrm>
+        </p:spPr>
         <p:txBody>
           <a:bodyPr>
-            <a:normAutofit fontScale="90000"/>
+            <a:normAutofit/>
           </a:bodyPr>
           <a:lstStyle/>
           <a:p>
             <a:r>
-              <a:rPr lang="ru-RU" dirty="0" smtClean="0"/>
-              <a:t>Нагрузочное тестирование</a:t>
-            </a:r>
-            <a:r>
-              <a:rPr lang="en-US" dirty="0" smtClean="0"/>
-              <a:t> (</a:t>
-            </a:r>
-            <a:r>
-              <a:rPr lang="en-US" dirty="0" err="1" smtClean="0"/>
-              <a:t>Jmeter</a:t>
-            </a:r>
-            <a:r>
-              <a:rPr lang="en-US" dirty="0" smtClean="0"/>
-              <a:t>)</a:t>
-            </a:r>
-            <a:endParaRPr lang="en-US" dirty="0"/>
-          </a:p>
-        </p:txBody>
-      </p:sp>
-      <p:sp>
-        <p:nvSpPr>
-          <p:cNvPr id="3" name="Content Placeholder 2"/>
-          <p:cNvSpPr>
-            <a:spLocks noGrp="1"/>
-          </p:cNvSpPr>
-          <p:nvPr>
-            <p:ph sz="quarter" idx="1"/>
-          </p:nvPr>
-        </p:nvSpPr>
-        <p:spPr/>
-        <p:txBody>
-          <a:bodyPr>
-            <a:normAutofit fontScale="92500" lnSpcReduction="20000"/>
-          </a:bodyPr>
-          <a:lstStyle/>
-          <a:p>
-            <a:pPr marL="228600" lvl="1">
-              <a:spcBef>
-                <a:spcPts val="1000"/>
-              </a:spcBef>
-            </a:pPr>
-            <a:r>
-              <a:rPr lang="ru-RU" sz="2800" dirty="0"/>
-              <a:t>Тестирование производительности / </a:t>
-            </a:r>
-            <a:r>
-              <a:rPr lang="en-US" sz="2800" dirty="0"/>
-              <a:t>Performance Testing</a:t>
-            </a:r>
-          </a:p>
-          <a:p>
-            <a:pPr lvl="1"/>
-            <a:r>
-              <a:rPr lang="ru-RU" sz="2800" dirty="0" smtClean="0"/>
-              <a:t>Время отклика приложения</a:t>
-            </a:r>
-          </a:p>
-          <a:p>
-            <a:pPr marL="228600" lvl="1">
-              <a:spcBef>
-                <a:spcPts val="1000"/>
-              </a:spcBef>
-            </a:pPr>
-            <a:r>
-              <a:rPr lang="ru-RU" sz="2800" dirty="0"/>
-              <a:t>Тестирование стабильности / </a:t>
-            </a:r>
-            <a:r>
-              <a:rPr lang="en-US" sz="2800" dirty="0"/>
-              <a:t>Stability Testing</a:t>
-            </a:r>
-            <a:endParaRPr lang="ru-RU" sz="2800" dirty="0"/>
-          </a:p>
-          <a:p>
-            <a:pPr lvl="1"/>
-            <a:r>
-              <a:rPr lang="ru-RU" sz="2800" dirty="0" smtClean="0"/>
-              <a:t>Стабильность при длительном использовании</a:t>
-            </a:r>
-            <a:endParaRPr lang="en-US" sz="2800" dirty="0" smtClean="0"/>
-          </a:p>
-          <a:p>
-            <a:pPr marL="228600" lvl="1">
-              <a:spcBef>
-                <a:spcPts val="1000"/>
-              </a:spcBef>
-            </a:pPr>
-            <a:r>
-              <a:rPr lang="ru-RU" sz="2800" dirty="0"/>
-              <a:t>Стресс </a:t>
-            </a:r>
-            <a:r>
-              <a:rPr lang="ru-RU" sz="2800" dirty="0" err="1"/>
-              <a:t>тестировование</a:t>
-            </a:r>
-            <a:r>
-              <a:rPr lang="ru-RU" sz="2800" dirty="0"/>
-              <a:t>  -</a:t>
-            </a:r>
-            <a:r>
-              <a:rPr lang="en-US" sz="2800" dirty="0"/>
-              <a:t> Stress Testing</a:t>
-            </a:r>
-            <a:endParaRPr lang="ru-RU" sz="2800" dirty="0"/>
-          </a:p>
-          <a:p>
-            <a:pPr lvl="1"/>
-            <a:r>
-              <a:rPr lang="ru-RU" sz="2800" dirty="0" smtClean="0"/>
-              <a:t>возвращается ли система после запредельной нагрузки к нормальному режиму</a:t>
-            </a:r>
-          </a:p>
-          <a:p>
-            <a:pPr lvl="2"/>
-            <a:r>
-              <a:rPr lang="ru-RU" sz="2400" dirty="0" smtClean="0"/>
-              <a:t>Способность к регенерации</a:t>
-            </a:r>
-          </a:p>
-          <a:p>
-            <a:pPr lvl="1"/>
-            <a:r>
-              <a:rPr lang="ru-RU" sz="2800" dirty="0" smtClean="0"/>
-              <a:t>поведение когда один из серверов перестает работать</a:t>
-            </a:r>
-            <a:endParaRPr lang="en-US" sz="2800" dirty="0" smtClean="0"/>
+              <a:rPr lang="en-US" sz="3200" dirty="0" smtClean="0"/>
+              <a:t>ATDD (Acceptance TDD)</a:t>
+            </a:r>
+          </a:p>
+          <a:p>
+            <a:r>
+              <a:rPr lang="ru-RU" sz="3200" dirty="0" smtClean="0"/>
+              <a:t>Нестабильны</a:t>
+            </a:r>
+            <a:endParaRPr lang="ru-RU" sz="3200" dirty="0" smtClean="0"/>
+          </a:p>
+          <a:p>
+            <a:r>
+              <a:rPr lang="ru-RU" sz="3200" dirty="0" smtClean="0"/>
+              <a:t>Медленны</a:t>
+            </a:r>
+            <a:endParaRPr lang="en-US" sz="3200" dirty="0" smtClean="0"/>
+          </a:p>
+          <a:p>
+            <a:r>
+              <a:rPr lang="ru-RU" sz="3200" dirty="0" smtClean="0"/>
+              <a:t>Запускаются против выделенного окружения</a:t>
+            </a:r>
+          </a:p>
+          <a:p>
+            <a:r>
+              <a:rPr lang="ru-RU" sz="3200" dirty="0" smtClean="0"/>
+              <a:t>Не часть </a:t>
+            </a:r>
+            <a:r>
+              <a:rPr lang="en-US" sz="3200" dirty="0" smtClean="0">
+                <a:latin typeface="Calibri" pitchFamily="34" charset="0"/>
+                <a:cs typeface="Calibri" pitchFamily="34" charset="0"/>
+              </a:rPr>
+              <a:t>Continuous Integration</a:t>
+            </a:r>
+            <a:r>
+              <a:rPr lang="ru-RU" sz="3200" dirty="0" smtClean="0">
+                <a:latin typeface="Calibri" pitchFamily="34" charset="0"/>
+                <a:cs typeface="Calibri" pitchFamily="34" charset="0"/>
+              </a:rPr>
+              <a:t> </a:t>
+            </a:r>
+            <a:r>
+              <a:rPr lang="ru-RU" sz="3200" i="1" dirty="0" smtClean="0">
+                <a:latin typeface="Calibri" pitchFamily="34" charset="0"/>
+                <a:cs typeface="Calibri" pitchFamily="34" charset="0"/>
+              </a:rPr>
+              <a:t>(</a:t>
+            </a:r>
+            <a:r>
+              <a:rPr lang="en-US" sz="3200" i="1" dirty="0" smtClean="0">
+                <a:latin typeface="Calibri" pitchFamily="34" charset="0"/>
+                <a:cs typeface="Calibri" pitchFamily="34" charset="0"/>
+              </a:rPr>
+              <a:t>smoke test)</a:t>
+            </a:r>
+          </a:p>
+          <a:p>
+            <a:r>
+              <a:rPr lang="en-US" sz="3200" dirty="0" smtClean="0">
+                <a:latin typeface="Calibri" pitchFamily="34" charset="0"/>
+                <a:cs typeface="Calibri" pitchFamily="34" charset="0"/>
+              </a:rPr>
+              <a:t>Selenium (</a:t>
+            </a:r>
+            <a:r>
+              <a:rPr lang="en-US" sz="2800" dirty="0" err="1" smtClean="0"/>
+              <a:t>Selenide</a:t>
+            </a:r>
+            <a:r>
+              <a:rPr lang="en-US" sz="2800" dirty="0" smtClean="0"/>
+              <a:t>, Headless drivers)</a:t>
+            </a:r>
+            <a:endParaRPr lang="ru-RU" dirty="0"/>
           </a:p>
         </p:txBody>
       </p:sp>
     </p:spTree>
     <p:extLst>
       <p:ext uri="{BB962C8B-B14F-4D97-AF65-F5344CB8AC3E}">
-        <p14:creationId xmlns:p14="http://schemas.microsoft.com/office/powerpoint/2010/main" val="296373301"/>
+        <p14:creationId xmlns:p14="http://schemas.microsoft.com/office/powerpoint/2010/main" val="1774978621"/>
       </p:ext>
     </p:extLst>
   </p:cSld>
   <p:clrMapOvr>
     <a:masterClrMapping/>
   </p:clrMapOvr>
-  <mc:AlternateContent xmlns:mc="http://schemas.openxmlformats.org/markup-compatibility/2006" xmlns:p14="http://schemas.microsoft.com/office/powerpoint/2010/main">
-    <mc:Choice Requires="p14">
-      <p:transition spd="slow" p14:dur="2000"/>
-    </mc:Choice>
-    <mc:Fallback xmlns="">
-      <p:transition spd="slow"/>
-    </mc:Fallback>
-  </mc:AlternateContent>
   <p:timing>
     <p:tnLst>
       <p:par>

--- a/MiniQ/Testing/Testing.pptx
+++ b/MiniQ/Testing/Testing.pptx
@@ -437,7 +437,7 @@
           <a:p>
             <a:fld id="{A7BC830B-94E7-4506-9C42-3DC2E6160751}" type="datetimeFigureOut">
               <a:rPr lang="ru-RU" smtClean="0"/>
-              <a:t>21.05.2016</a:t>
+              <a:t>23.05.2016</a:t>
             </a:fld>
             <a:endParaRPr lang="ru-RU"/>
           </a:p>
@@ -850,11 +850,7 @@
           <a:p>
             <a:r>
               <a:rPr lang="ru-RU" dirty="0" smtClean="0"/>
-              <a:t>В </a:t>
-            </a:r>
-            <a:r>
-              <a:rPr lang="ru-RU" dirty="0" smtClean="0"/>
-              <a:t>рамках формирования подхода</a:t>
+              <a:t>В рамках формирования подхода</a:t>
             </a:r>
             <a:r>
               <a:rPr lang="ru-RU" baseline="0" dirty="0" smtClean="0"/>
@@ -1994,7 +1990,7 @@
           <a:p>
             <a:fld id="{A5A02310-A014-425C-B76F-E7BC72180DC0}" type="datetimeFigureOut">
               <a:rPr lang="en-US" smtClean="0"/>
-              <a:t>5/21/2016</a:t>
+              <a:t>5/23/2016</a:t>
             </a:fld>
             <a:endParaRPr lang="en-US"/>
           </a:p>
@@ -2185,7 +2181,7 @@
           <a:p>
             <a:fld id="{A5A02310-A014-425C-B76F-E7BC72180DC0}" type="datetimeFigureOut">
               <a:rPr lang="en-US" smtClean="0"/>
-              <a:t>5/21/2016</a:t>
+              <a:t>5/23/2016</a:t>
             </a:fld>
             <a:endParaRPr lang="en-US"/>
           </a:p>
@@ -2370,7 +2366,7 @@
           <a:p>
             <a:fld id="{A5A02310-A014-425C-B76F-E7BC72180DC0}" type="datetimeFigureOut">
               <a:rPr lang="en-US" smtClean="0"/>
-              <a:t>5/21/2016</a:t>
+              <a:t>5/23/2016</a:t>
             </a:fld>
             <a:endParaRPr lang="en-US"/>
           </a:p>
@@ -2633,7 +2629,7 @@
           <a:p>
             <a:fld id="{A5A02310-A014-425C-B76F-E7BC72180DC0}" type="datetimeFigureOut">
               <a:rPr lang="en-US" smtClean="0"/>
-              <a:t>5/21/2016</a:t>
+              <a:t>5/23/2016</a:t>
             </a:fld>
             <a:endParaRPr lang="en-US"/>
           </a:p>
@@ -3049,7 +3045,7 @@
           <a:p>
             <a:fld id="{A5A02310-A014-425C-B76F-E7BC72180DC0}" type="datetimeFigureOut">
               <a:rPr lang="en-US" smtClean="0"/>
-              <a:t>5/21/2016</a:t>
+              <a:t>5/23/2016</a:t>
             </a:fld>
             <a:endParaRPr lang="en-US"/>
           </a:p>
@@ -3291,7 +3287,7 @@
           <a:p>
             <a:fld id="{A5A02310-A014-425C-B76F-E7BC72180DC0}" type="datetimeFigureOut">
               <a:rPr lang="en-US" smtClean="0"/>
-              <a:t>5/21/2016</a:t>
+              <a:t>5/23/2016</a:t>
             </a:fld>
             <a:endParaRPr lang="en-US"/>
           </a:p>
@@ -3527,7 +3523,7 @@
           <a:p>
             <a:fld id="{A5A02310-A014-425C-B76F-E7BC72180DC0}" type="datetimeFigureOut">
               <a:rPr lang="en-US" smtClean="0"/>
-              <a:t>5/21/2016</a:t>
+              <a:t>5/23/2016</a:t>
             </a:fld>
             <a:endParaRPr lang="en-US"/>
           </a:p>
@@ -3722,7 +3718,7 @@
           <a:p>
             <a:fld id="{A5A02310-A014-425C-B76F-E7BC72180DC0}" type="datetimeFigureOut">
               <a:rPr lang="en-US" smtClean="0"/>
-              <a:t>5/21/2016</a:t>
+              <a:t>5/23/2016</a:t>
             </a:fld>
             <a:endParaRPr lang="en-US"/>
           </a:p>
@@ -3820,7 +3816,7 @@
           <a:p>
             <a:fld id="{A5A02310-A014-425C-B76F-E7BC72180DC0}" type="datetimeFigureOut">
               <a:rPr lang="en-US" smtClean="0"/>
-              <a:t>5/21/2016</a:t>
+              <a:t>5/23/2016</a:t>
             </a:fld>
             <a:endParaRPr lang="en-US"/>
           </a:p>
@@ -3956,7 +3952,7 @@
           <a:p>
             <a:fld id="{A5A02310-A014-425C-B76F-E7BC72180DC0}" type="datetimeFigureOut">
               <a:rPr lang="en-US" smtClean="0"/>
-              <a:t>5/21/2016</a:t>
+              <a:t>5/23/2016</a:t>
             </a:fld>
             <a:endParaRPr lang="en-US"/>
           </a:p>
@@ -4474,7 +4470,7 @@
           <a:p>
             <a:fld id="{A5A02310-A014-425C-B76F-E7BC72180DC0}" type="datetimeFigureOut">
               <a:rPr lang="en-US" smtClean="0"/>
-              <a:t>5/21/2016</a:t>
+              <a:t>5/23/2016</a:t>
             </a:fld>
             <a:endParaRPr lang="en-US"/>
           </a:p>
@@ -4735,7 +4731,7 @@
           <a:p>
             <a:fld id="{A5A02310-A014-425C-B76F-E7BC72180DC0}" type="datetimeFigureOut">
               <a:rPr lang="en-US" smtClean="0"/>
-              <a:t>5/21/2016</a:t>
+              <a:t>5/23/2016</a:t>
             </a:fld>
             <a:endParaRPr lang="en-US"/>
           </a:p>
@@ -8889,11 +8885,11 @@
   <p:clrMapOvr>
     <a:masterClrMapping/>
   </p:clrMapOvr>
-  <mc:AlternateContent xmlns:mc="http://schemas.openxmlformats.org/markup-compatibility/2006">
-    <mc:Choice xmlns:p14="http://schemas.microsoft.com/office/powerpoint/2010/main" Requires="p14">
+  <mc:AlternateContent xmlns:mc="http://schemas.openxmlformats.org/markup-compatibility/2006" xmlns:p14="http://schemas.microsoft.com/office/powerpoint/2010/main">
+    <mc:Choice Requires="p14">
       <p:transition spd="slow" p14:dur="2000"/>
     </mc:Choice>
-    <mc:Fallback>
+    <mc:Fallback xmlns="">
       <p:transition spd="slow"/>
     </mc:Fallback>
   </mc:AlternateContent>
@@ -9040,8 +9036,8 @@
         </p:nvSpPr>
         <p:spPr>
           <a:xfrm>
-            <a:off x="6549481" y="2196789"/>
-            <a:ext cx="1267524" cy="1215484"/>
+            <a:off x="6485980" y="1854200"/>
+            <a:ext cx="1718219" cy="1646973"/>
           </a:xfrm>
           <a:prstGeom prst="ellipse">
             <a:avLst/>
@@ -9072,7 +9068,7 @@
           <a:p>
             <a:pPr algn="ctr"/>
             <a:r>
-              <a:rPr lang="en-US" sz="2000" b="1" dirty="0" smtClean="0">
+              <a:rPr lang="en-US" sz="3200" b="1" dirty="0" smtClean="0">
                 <a:ln w="12700">
                   <a:solidFill>
                     <a:schemeClr val="tx2">
@@ -9097,7 +9093,7 @@
               </a:rPr>
               <a:t>EPAM</a:t>
             </a:r>
-            <a:endParaRPr lang="ru-RU" sz="2000" b="1" dirty="0">
+            <a:endParaRPr lang="ru-RU" sz="3200" b="1" dirty="0">
               <a:ln w="12700">
                 <a:solidFill>
                   <a:schemeClr val="tx2">
@@ -9131,8 +9127,8 @@
         </p:nvSpPr>
         <p:spPr>
           <a:xfrm>
-            <a:off x="5685261" y="4622851"/>
-            <a:ext cx="1497982" cy="1449659"/>
+            <a:off x="5647160" y="4559351"/>
+            <a:ext cx="1820439" cy="1765249"/>
           </a:xfrm>
           <a:prstGeom prst="ellipse">
             <a:avLst/>
@@ -9222,8 +9218,8 @@
         </p:nvSpPr>
         <p:spPr>
           <a:xfrm>
-            <a:off x="1468241" y="4187954"/>
-            <a:ext cx="866080" cy="869795"/>
+            <a:off x="1333500" y="4131837"/>
+            <a:ext cx="1054101" cy="992637"/>
           </a:xfrm>
           <a:prstGeom prst="ellipse">
             <a:avLst/>
@@ -9254,7 +9250,7 @@
           <a:p>
             <a:pPr algn="ctr"/>
             <a:r>
-              <a:rPr lang="en-US" sz="1400" b="1" dirty="0" smtClean="0">
+              <a:rPr lang="en-US" b="1" dirty="0" smtClean="0">
                 <a:ln w="12700">
                   <a:solidFill>
                     <a:schemeClr val="tx2">
@@ -9279,7 +9275,7 @@
               </a:rPr>
               <a:t>LEAD</a:t>
             </a:r>
-            <a:endParaRPr lang="ru-RU" sz="1400" b="1" dirty="0">
+            <a:endParaRPr lang="ru-RU" b="1" dirty="0">
               <a:ln w="12700">
                 <a:solidFill>
                   <a:schemeClr val="tx2">
@@ -9313,8 +9309,8 @@
         </p:nvSpPr>
         <p:spPr>
           <a:xfrm>
-            <a:off x="2440993" y="1896376"/>
-            <a:ext cx="866079" cy="869796"/>
+            <a:off x="2133601" y="1562100"/>
+            <a:ext cx="1173472" cy="1204072"/>
           </a:xfrm>
           <a:prstGeom prst="ellipse">
             <a:avLst/>
@@ -9345,7 +9341,7 @@
           <a:p>
             <a:pPr algn="ctr"/>
             <a:r>
-              <a:rPr lang="en-US" b="1" dirty="0" smtClean="0">
+              <a:rPr lang="en-US" sz="2800" b="1" dirty="0" smtClean="0">
                 <a:ln w="12700">
                   <a:solidFill>
                     <a:schemeClr val="tx2">
@@ -9370,7 +9366,7 @@
               </a:rPr>
               <a:t>TDD</a:t>
             </a:r>
-            <a:endParaRPr lang="ru-RU" b="1" dirty="0">
+            <a:endParaRPr lang="ru-RU" sz="2800" b="1" dirty="0">
               <a:ln w="12700">
                 <a:solidFill>
                   <a:schemeClr val="tx2">
@@ -9433,8 +9429,8 @@
         </p:nvCxnSpPr>
         <p:spPr>
           <a:xfrm>
-            <a:off x="3180238" y="2638793"/>
-            <a:ext cx="725127" cy="437660"/>
+            <a:off x="3135222" y="2589840"/>
+            <a:ext cx="770143" cy="486613"/>
           </a:xfrm>
           <a:prstGeom prst="line">
             <a:avLst/>
@@ -10219,11 +10215,11 @@
   <p:clrMapOvr>
     <a:masterClrMapping/>
   </p:clrMapOvr>
-  <mc:AlternateContent xmlns:mc="http://schemas.openxmlformats.org/markup-compatibility/2006">
-    <mc:Choice xmlns:p14="http://schemas.microsoft.com/office/powerpoint/2010/main" Requires="p14">
+  <mc:AlternateContent xmlns:mc="http://schemas.openxmlformats.org/markup-compatibility/2006" xmlns:p14="http://schemas.microsoft.com/office/powerpoint/2010/main">
+    <mc:Choice Requires="p14">
       <p:transition spd="slow" p14:dur="2000"/>
     </mc:Choice>
-    <mc:Fallback>
+    <mc:Fallback xmlns="">
       <p:transition spd="slow"/>
     </mc:Fallback>
   </mc:AlternateContent>
@@ -10581,14 +10577,12 @@
               <a:rPr lang="ru-RU" sz="3600" dirty="0" smtClean="0"/>
               <a:t>Классы</a:t>
             </a:r>
-            <a:endParaRPr lang="ru-RU" sz="3600" dirty="0" smtClean="0"/>
           </a:p>
           <a:p>
             <a:r>
               <a:rPr lang="ru-RU" sz="3600" dirty="0" smtClean="0"/>
               <a:t>Компоненты</a:t>
             </a:r>
-            <a:endParaRPr lang="ru-RU" sz="3600" dirty="0" smtClean="0"/>
           </a:p>
         </p:txBody>
       </p:sp>
@@ -10653,8 +10647,20 @@
               <a:buChar char=""/>
             </a:pPr>
             <a:r>
+              <a:rPr lang="ru-RU" sz="3600" dirty="0" smtClean="0"/>
+              <a:t>Связ</a:t>
+            </a:r>
+            <a:r>
               <a:rPr lang="ru-RU" sz="3600" dirty="0"/>
-              <a:t>Связь с </a:t>
+              <a:t>и</a:t>
+            </a:r>
+            <a:r>
+              <a:rPr lang="ru-RU" sz="3600" dirty="0" smtClean="0"/>
+              <a:t> </a:t>
+            </a:r>
+            <a:r>
+              <a:rPr lang="ru-RU" sz="3600" dirty="0"/>
+              <a:t>с </a:t>
             </a:r>
             <a:r>
               <a:rPr lang="ru-RU" sz="3600" dirty="0" smtClean="0"/>
@@ -10664,7 +10670,6 @@
               <a:rPr lang="ru-RU" sz="3600" dirty="0"/>
               <a:t>системами</a:t>
             </a:r>
-            <a:endParaRPr lang="ru-RU" sz="3600" dirty="0"/>
           </a:p>
         </p:txBody>
       </p:sp>
@@ -11072,11 +11077,7 @@
             </a:pPr>
             <a:r>
               <a:rPr lang="en-US" sz="2400" dirty="0" smtClean="0"/>
-              <a:t>In-memory </a:t>
-            </a:r>
-            <a:r>
-              <a:rPr lang="en-US" sz="2400" dirty="0" smtClean="0"/>
-              <a:t>fakes</a:t>
+              <a:t>In-memory fakes</a:t>
             </a:r>
             <a:r>
               <a:rPr lang="ru-RU" sz="2400" dirty="0" smtClean="0"/>
@@ -11278,7 +11279,6 @@
               <a:rPr lang="ru-RU" sz="3200" dirty="0" smtClean="0"/>
               <a:t>Нестабильны</a:t>
             </a:r>
-            <a:endParaRPr lang="ru-RU" sz="3200" dirty="0" smtClean="0"/>
           </a:p>
           <a:p>
             <a:r>

--- a/MiniQ/Testing/Testing.pptx
+++ b/MiniQ/Testing/Testing.pptx
@@ -246,10 +246,10 @@
                 <c:formatCode>Основной</c:formatCode>
                 <c:ptCount val="2"/>
                 <c:pt idx="0">
-                  <c:v>0.4</c:v>
+                  <c:v>0.36</c:v>
                 </c:pt>
                 <c:pt idx="1">
-                  <c:v>0.6</c:v>
+                  <c:v>0.63</c:v>
                 </c:pt>
               </c:numCache>
             </c:numRef>
@@ -290,10 +290,10 @@
                 <c:formatCode>Основной</c:formatCode>
                 <c:ptCount val="2"/>
                 <c:pt idx="0">
-                  <c:v>6</c:v>
+                  <c:v>8</c:v>
                 </c:pt>
                 <c:pt idx="1">
-                  <c:v>9</c:v>
+                  <c:v>14</c:v>
                 </c:pt>
               </c:numCache>
             </c:numRef>
@@ -437,7 +437,7 @@
           <a:p>
             <a:fld id="{A7BC830B-94E7-4506-9C42-3DC2E6160751}" type="datetimeFigureOut">
               <a:rPr lang="ru-RU" smtClean="0"/>
-              <a:t>23.05.2016</a:t>
+              <a:t>24.05.2016</a:t>
             </a:fld>
             <a:endParaRPr lang="ru-RU"/>
           </a:p>
@@ -1699,6 +1699,784 @@
 </p:notes>
 </file>
 
+<file path=ppt/notesSlides/notesSlide8.xml><?xml version="1.0" encoding="utf-8"?>
+<p:notes xmlns:a="http://schemas.openxmlformats.org/drawingml/2006/main" xmlns:r="http://schemas.openxmlformats.org/officeDocument/2006/relationships" xmlns:p="http://schemas.openxmlformats.org/presentationml/2006/main">
+  <p:cSld>
+    <p:spTree>
+      <p:nvGrpSpPr>
+        <p:cNvPr id="1" name=""/>
+        <p:cNvGrpSpPr/>
+        <p:nvPr/>
+      </p:nvGrpSpPr>
+      <p:grpSpPr>
+        <a:xfrm>
+          <a:off x="0" y="0"/>
+          <a:ext cx="0" cy="0"/>
+          <a:chOff x="0" y="0"/>
+          <a:chExt cx="0" cy="0"/>
+        </a:xfrm>
+      </p:grpSpPr>
+      <p:sp>
+        <p:nvSpPr>
+          <p:cNvPr id="2" name="Образ слайда 1"/>
+          <p:cNvSpPr>
+            <a:spLocks noGrp="1" noRot="1" noChangeAspect="1"/>
+          </p:cNvSpPr>
+          <p:nvPr>
+            <p:ph type="sldImg"/>
+          </p:nvPr>
+        </p:nvSpPr>
+        <p:spPr/>
+      </p:sp>
+      <p:sp>
+        <p:nvSpPr>
+          <p:cNvPr id="3" name="Заметки 2"/>
+          <p:cNvSpPr>
+            <a:spLocks noGrp="1"/>
+          </p:cNvSpPr>
+          <p:nvPr>
+            <p:ph type="body" idx="1"/>
+          </p:nvPr>
+        </p:nvSpPr>
+        <p:spPr/>
+        <p:txBody>
+          <a:bodyPr/>
+          <a:lstStyle/>
+          <a:p>
+            <a:r>
+              <a:rPr lang="ru-RU" sz="1200" kern="1200" dirty="0" smtClean="0">
+                <a:solidFill>
+                  <a:schemeClr val="tx1"/>
+                </a:solidFill>
+                <a:effectLst/>
+                <a:latin typeface="+mn-lt"/>
+                <a:ea typeface="+mn-ea"/>
+                <a:cs typeface="+mn-cs"/>
+              </a:rPr>
+              <a:t>Что автоматизировать (опрос)</a:t>
+            </a:r>
+          </a:p>
+          <a:p>
+            <a:pPr lvl="0"/>
+            <a:r>
+              <a:rPr lang="en-US" sz="1200" kern="1200" dirty="0" smtClean="0">
+                <a:solidFill>
+                  <a:schemeClr val="tx1"/>
+                </a:solidFill>
+                <a:effectLst/>
+                <a:latin typeface="+mn-lt"/>
+                <a:ea typeface="+mn-ea"/>
+                <a:cs typeface="+mn-cs"/>
+              </a:rPr>
+              <a:t>Smoke</a:t>
+            </a:r>
+            <a:r>
+              <a:rPr lang="ru-RU" sz="1200" kern="1200" dirty="0" smtClean="0">
+                <a:solidFill>
+                  <a:schemeClr val="tx1"/>
+                </a:solidFill>
+                <a:effectLst/>
+                <a:latin typeface="+mn-lt"/>
+                <a:ea typeface="+mn-ea"/>
+                <a:cs typeface="+mn-cs"/>
+              </a:rPr>
+              <a:t>-тесты 	(8) 		</a:t>
+            </a:r>
+            <a:r>
+              <a:rPr lang="ru-RU" sz="1200" b="1" kern="1200" dirty="0" smtClean="0">
+                <a:solidFill>
+                  <a:schemeClr val="tx1"/>
+                </a:solidFill>
+                <a:effectLst/>
+                <a:latin typeface="+mn-lt"/>
+                <a:ea typeface="+mn-ea"/>
+                <a:cs typeface="+mn-cs"/>
+              </a:rPr>
+              <a:t>36%</a:t>
+            </a:r>
+            <a:endParaRPr lang="ru-RU" sz="1200" kern="1200" dirty="0" smtClean="0">
+              <a:solidFill>
+                <a:schemeClr val="tx1"/>
+              </a:solidFill>
+              <a:effectLst/>
+              <a:latin typeface="+mn-lt"/>
+              <a:ea typeface="+mn-ea"/>
+              <a:cs typeface="+mn-cs"/>
+            </a:endParaRPr>
+          </a:p>
+          <a:p>
+            <a:pPr lvl="0"/>
+            <a:r>
+              <a:rPr lang="ru-RU" sz="1200" kern="1200" dirty="0" smtClean="0">
+                <a:solidFill>
+                  <a:schemeClr val="tx1"/>
+                </a:solidFill>
+                <a:effectLst/>
+                <a:latin typeface="+mn-lt"/>
+                <a:ea typeface="+mn-ea"/>
+                <a:cs typeface="+mn-cs"/>
+              </a:rPr>
+              <a:t> Сложные/трудоемкие (5)			</a:t>
+            </a:r>
+            <a:r>
+              <a:rPr lang="ru-RU" sz="1200" b="1" kern="1200" dirty="0" smtClean="0">
+                <a:solidFill>
+                  <a:schemeClr val="tx1"/>
+                </a:solidFill>
+                <a:effectLst/>
+                <a:latin typeface="+mn-lt"/>
+                <a:ea typeface="+mn-ea"/>
+                <a:cs typeface="+mn-cs"/>
+              </a:rPr>
+              <a:t>23%</a:t>
+            </a:r>
+            <a:endParaRPr lang="ru-RU" sz="1200" kern="1200" dirty="0" smtClean="0">
+              <a:solidFill>
+                <a:schemeClr val="tx1"/>
+              </a:solidFill>
+              <a:effectLst/>
+              <a:latin typeface="+mn-lt"/>
+              <a:ea typeface="+mn-ea"/>
+              <a:cs typeface="+mn-cs"/>
+            </a:endParaRPr>
+          </a:p>
+          <a:p>
+            <a:pPr lvl="0"/>
+            <a:r>
+              <a:rPr lang="ru-RU" sz="1200" kern="1200" dirty="0" smtClean="0">
+                <a:solidFill>
+                  <a:schemeClr val="tx1"/>
+                </a:solidFill>
+                <a:effectLst/>
+                <a:latin typeface="+mn-lt"/>
+                <a:ea typeface="+mn-ea"/>
+                <a:cs typeface="+mn-cs"/>
+              </a:rPr>
+              <a:t> </a:t>
+            </a:r>
+            <a:r>
+              <a:rPr lang="en-US" sz="1200" kern="1200" dirty="0" smtClean="0">
+                <a:solidFill>
+                  <a:schemeClr val="tx1"/>
+                </a:solidFill>
+                <a:effectLst/>
+                <a:latin typeface="+mn-lt"/>
+                <a:ea typeface="+mn-ea"/>
+                <a:cs typeface="+mn-cs"/>
+              </a:rPr>
+              <a:t>End</a:t>
+            </a:r>
+            <a:r>
+              <a:rPr lang="ru-RU" sz="1200" kern="1200" dirty="0" smtClean="0">
+                <a:solidFill>
+                  <a:schemeClr val="tx1"/>
+                </a:solidFill>
+                <a:effectLst/>
+                <a:latin typeface="+mn-lt"/>
+                <a:ea typeface="+mn-ea"/>
+                <a:cs typeface="+mn-cs"/>
+              </a:rPr>
+              <a:t>-</a:t>
+            </a:r>
+            <a:r>
+              <a:rPr lang="en-US" sz="1200" kern="1200" dirty="0" smtClean="0">
+                <a:solidFill>
+                  <a:schemeClr val="tx1"/>
+                </a:solidFill>
+                <a:effectLst/>
+                <a:latin typeface="+mn-lt"/>
+                <a:ea typeface="+mn-ea"/>
+                <a:cs typeface="+mn-cs"/>
+              </a:rPr>
+              <a:t>to</a:t>
+            </a:r>
+            <a:r>
+              <a:rPr lang="ru-RU" sz="1200" kern="1200" dirty="0" smtClean="0">
+                <a:solidFill>
+                  <a:schemeClr val="tx1"/>
+                </a:solidFill>
+                <a:effectLst/>
+                <a:latin typeface="+mn-lt"/>
+                <a:ea typeface="+mn-ea"/>
+                <a:cs typeface="+mn-cs"/>
+              </a:rPr>
+              <a:t>-</a:t>
+            </a:r>
+            <a:r>
+              <a:rPr lang="en-US" sz="1200" kern="1200" dirty="0" smtClean="0">
+                <a:solidFill>
+                  <a:schemeClr val="tx1"/>
+                </a:solidFill>
+                <a:effectLst/>
+                <a:latin typeface="+mn-lt"/>
+                <a:ea typeface="+mn-ea"/>
+                <a:cs typeface="+mn-cs"/>
+              </a:rPr>
+              <a:t>End </a:t>
+            </a:r>
+            <a:r>
+              <a:rPr lang="ru-RU" sz="1200" kern="1200" dirty="0" smtClean="0">
+                <a:solidFill>
+                  <a:schemeClr val="tx1"/>
+                </a:solidFill>
+                <a:effectLst/>
+                <a:latin typeface="+mn-lt"/>
+                <a:ea typeface="+mn-ea"/>
+                <a:cs typeface="+mn-cs"/>
+              </a:rPr>
+              <a:t>тесты (4)			</a:t>
+            </a:r>
+            <a:r>
+              <a:rPr lang="ru-RU" sz="1200" b="1" kern="1200" dirty="0" smtClean="0">
+                <a:solidFill>
+                  <a:schemeClr val="tx1"/>
+                </a:solidFill>
+                <a:effectLst/>
+                <a:latin typeface="+mn-lt"/>
+                <a:ea typeface="+mn-ea"/>
+                <a:cs typeface="+mn-cs"/>
+              </a:rPr>
+              <a:t>18%</a:t>
+            </a:r>
+            <a:r>
+              <a:rPr lang="ru-RU" sz="1200" kern="1200" dirty="0" smtClean="0">
+                <a:solidFill>
+                  <a:schemeClr val="tx1"/>
+                </a:solidFill>
+                <a:effectLst/>
+                <a:latin typeface="+mn-lt"/>
+                <a:ea typeface="+mn-ea"/>
+                <a:cs typeface="+mn-cs"/>
+              </a:rPr>
+              <a:t>	</a:t>
+            </a:r>
+          </a:p>
+          <a:p>
+            <a:pPr lvl="0"/>
+            <a:r>
+              <a:rPr lang="ru-RU" sz="1200" kern="1200" dirty="0" smtClean="0">
+                <a:solidFill>
+                  <a:schemeClr val="tx1"/>
+                </a:solidFill>
+                <a:effectLst/>
+                <a:latin typeface="+mn-lt"/>
+                <a:ea typeface="+mn-ea"/>
+                <a:cs typeface="+mn-cs"/>
+              </a:rPr>
+              <a:t> Регрессионные тесты (4)			</a:t>
+            </a:r>
+            <a:r>
+              <a:rPr lang="ru-RU" sz="1200" b="1" kern="1200" dirty="0" smtClean="0">
+                <a:solidFill>
+                  <a:schemeClr val="tx1"/>
+                </a:solidFill>
+                <a:effectLst/>
+                <a:latin typeface="+mn-lt"/>
+                <a:ea typeface="+mn-ea"/>
+                <a:cs typeface="+mn-cs"/>
+              </a:rPr>
+              <a:t>18%</a:t>
+            </a:r>
+            <a:r>
+              <a:rPr lang="ru-RU" sz="1200" kern="1200" dirty="0" smtClean="0">
+                <a:solidFill>
+                  <a:schemeClr val="tx1"/>
+                </a:solidFill>
+                <a:effectLst/>
+                <a:latin typeface="+mn-lt"/>
+                <a:ea typeface="+mn-ea"/>
+                <a:cs typeface="+mn-cs"/>
+              </a:rPr>
+              <a:t>	</a:t>
+            </a:r>
+          </a:p>
+          <a:p>
+            <a:pPr lvl="0"/>
+            <a:r>
+              <a:rPr lang="ru-RU" sz="1200" kern="1200" dirty="0" smtClean="0">
+                <a:solidFill>
+                  <a:schemeClr val="tx1"/>
+                </a:solidFill>
+                <a:effectLst/>
+                <a:latin typeface="+mn-lt"/>
+                <a:ea typeface="+mn-ea"/>
+                <a:cs typeface="+mn-cs"/>
+              </a:rPr>
+              <a:t> Редко меняющиеся (4)</a:t>
+            </a:r>
+            <a:r>
+              <a:rPr lang="ru-RU" sz="1200" b="1" kern="1200" dirty="0" smtClean="0">
+                <a:solidFill>
+                  <a:schemeClr val="tx1"/>
+                </a:solidFill>
+                <a:effectLst/>
+                <a:latin typeface="+mn-lt"/>
+                <a:ea typeface="+mn-ea"/>
+                <a:cs typeface="+mn-cs"/>
+              </a:rPr>
+              <a:t> 			18%</a:t>
+            </a:r>
+            <a:r>
+              <a:rPr lang="ru-RU" sz="1200" kern="1200" dirty="0" smtClean="0">
+                <a:solidFill>
+                  <a:schemeClr val="tx1"/>
+                </a:solidFill>
+                <a:effectLst/>
+                <a:latin typeface="+mn-lt"/>
+                <a:ea typeface="+mn-ea"/>
+                <a:cs typeface="+mn-cs"/>
+              </a:rPr>
+              <a:t>	</a:t>
+            </a:r>
+          </a:p>
+          <a:p>
+            <a:r>
+              <a:rPr lang="ru-RU" dirty="0" smtClean="0">
+                <a:effectLst/>
+              </a:rPr>
+              <a:t> </a:t>
+            </a:r>
+            <a:r>
+              <a:rPr lang="en-US" dirty="0" smtClean="0">
+                <a:effectLst/>
+              </a:rPr>
+              <a:t>API</a:t>
+            </a:r>
+            <a:r>
+              <a:rPr lang="ru-RU" dirty="0" smtClean="0">
+                <a:effectLst/>
+              </a:rPr>
+              <a:t>/</a:t>
+            </a:r>
+            <a:r>
+              <a:rPr lang="en-US" dirty="0" smtClean="0">
+                <a:effectLst/>
+              </a:rPr>
+              <a:t>UI </a:t>
+            </a:r>
+            <a:r>
+              <a:rPr lang="ru-RU" dirty="0" smtClean="0">
+                <a:effectLst/>
+              </a:rPr>
+              <a:t>(3)				</a:t>
+            </a:r>
+            <a:r>
+              <a:rPr lang="ru-RU" b="1" dirty="0" smtClean="0">
+                <a:effectLst/>
+              </a:rPr>
+              <a:t>13%</a:t>
+            </a:r>
+            <a:r>
+              <a:rPr lang="ru-RU" dirty="0" smtClean="0">
+                <a:effectLst/>
+              </a:rPr>
+              <a:t> </a:t>
+            </a:r>
+          </a:p>
+          <a:p>
+            <a:r>
+              <a:rPr lang="ru-RU" sz="1200" kern="1200" dirty="0" smtClean="0">
+                <a:solidFill>
+                  <a:schemeClr val="tx1"/>
+                </a:solidFill>
+                <a:effectLst/>
+                <a:latin typeface="+mn-lt"/>
+                <a:ea typeface="+mn-ea"/>
+                <a:cs typeface="+mn-cs"/>
+              </a:rPr>
+              <a:t>Рутинные</a:t>
+            </a:r>
+          </a:p>
+          <a:p>
+            <a:endParaRPr lang="ru-RU" dirty="0"/>
+          </a:p>
+        </p:txBody>
+      </p:sp>
+      <p:sp>
+        <p:nvSpPr>
+          <p:cNvPr id="4" name="Номер слайда 3"/>
+          <p:cNvSpPr>
+            <a:spLocks noGrp="1"/>
+          </p:cNvSpPr>
+          <p:nvPr>
+            <p:ph type="sldNum" sz="quarter" idx="10"/>
+          </p:nvPr>
+        </p:nvSpPr>
+        <p:spPr/>
+        <p:txBody>
+          <a:bodyPr/>
+          <a:lstStyle/>
+          <a:p>
+            <a:fld id="{FB869962-BCC5-47B5-8B0D-FC145D4EBE4C}" type="slidenum">
+              <a:rPr lang="ru-RU" smtClean="0"/>
+              <a:t>13</a:t>
+            </a:fld>
+            <a:endParaRPr lang="ru-RU"/>
+          </a:p>
+        </p:txBody>
+      </p:sp>
+    </p:spTree>
+    <p:extLst>
+      <p:ext uri="{BB962C8B-B14F-4D97-AF65-F5344CB8AC3E}">
+        <p14:creationId xmlns:p14="http://schemas.microsoft.com/office/powerpoint/2010/main" val="1820825403"/>
+      </p:ext>
+    </p:extLst>
+  </p:cSld>
+  <p:clrMapOvr>
+    <a:masterClrMapping/>
+  </p:clrMapOvr>
+</p:notes>
+</file>
+
+<file path=ppt/notesSlides/notesSlide9.xml><?xml version="1.0" encoding="utf-8"?>
+<p:notes xmlns:a="http://schemas.openxmlformats.org/drawingml/2006/main" xmlns:r="http://schemas.openxmlformats.org/officeDocument/2006/relationships" xmlns:p="http://schemas.openxmlformats.org/presentationml/2006/main">
+  <p:cSld>
+    <p:spTree>
+      <p:nvGrpSpPr>
+        <p:cNvPr id="1" name=""/>
+        <p:cNvGrpSpPr/>
+        <p:nvPr/>
+      </p:nvGrpSpPr>
+      <p:grpSpPr>
+        <a:xfrm>
+          <a:off x="0" y="0"/>
+          <a:ext cx="0" cy="0"/>
+          <a:chOff x="0" y="0"/>
+          <a:chExt cx="0" cy="0"/>
+        </a:xfrm>
+      </p:grpSpPr>
+      <p:sp>
+        <p:nvSpPr>
+          <p:cNvPr id="2" name="Образ слайда 1"/>
+          <p:cNvSpPr>
+            <a:spLocks noGrp="1" noRot="1" noChangeAspect="1"/>
+          </p:cNvSpPr>
+          <p:nvPr>
+            <p:ph type="sldImg"/>
+          </p:nvPr>
+        </p:nvSpPr>
+        <p:spPr/>
+      </p:sp>
+      <p:sp>
+        <p:nvSpPr>
+          <p:cNvPr id="3" name="Заметки 2"/>
+          <p:cNvSpPr>
+            <a:spLocks noGrp="1"/>
+          </p:cNvSpPr>
+          <p:nvPr>
+            <p:ph type="body" idx="1"/>
+          </p:nvPr>
+        </p:nvSpPr>
+        <p:spPr/>
+        <p:txBody>
+          <a:bodyPr/>
+          <a:lstStyle/>
+          <a:p>
+            <a:r>
+              <a:rPr lang="ru-RU" sz="1200" kern="1200" dirty="0" smtClean="0">
+                <a:solidFill>
+                  <a:schemeClr val="tx1"/>
+                </a:solidFill>
+                <a:effectLst/>
+                <a:latin typeface="+mn-lt"/>
+                <a:ea typeface="+mn-ea"/>
+                <a:cs typeface="+mn-cs"/>
+              </a:rPr>
+              <a:t>Зачем автоматизировать (опрос)</a:t>
+            </a:r>
+          </a:p>
+          <a:p>
+            <a:pPr lvl="0"/>
+            <a:r>
+              <a:rPr lang="ru-RU" sz="1200" kern="1200" dirty="0" smtClean="0">
+                <a:solidFill>
+                  <a:schemeClr val="tx1"/>
+                </a:solidFill>
+                <a:effectLst/>
+                <a:latin typeface="+mn-lt"/>
+                <a:ea typeface="+mn-ea"/>
+                <a:cs typeface="+mn-cs"/>
+              </a:rPr>
+              <a:t>Скорость выполнения тестов (11)	</a:t>
+            </a:r>
+            <a:r>
+              <a:rPr lang="ru-RU" sz="1200" b="1" kern="1200" dirty="0" smtClean="0">
+                <a:solidFill>
+                  <a:schemeClr val="tx1"/>
+                </a:solidFill>
+                <a:effectLst/>
+                <a:latin typeface="+mn-lt"/>
+                <a:ea typeface="+mn-ea"/>
+                <a:cs typeface="+mn-cs"/>
+              </a:rPr>
+              <a:t>50% половина</a:t>
+            </a:r>
+            <a:endParaRPr lang="ru-RU" sz="1200" kern="1200" dirty="0" smtClean="0">
+              <a:solidFill>
+                <a:schemeClr val="tx1"/>
+              </a:solidFill>
+              <a:effectLst/>
+              <a:latin typeface="+mn-lt"/>
+              <a:ea typeface="+mn-ea"/>
+              <a:cs typeface="+mn-cs"/>
+            </a:endParaRPr>
+          </a:p>
+          <a:p>
+            <a:pPr lvl="0"/>
+            <a:r>
+              <a:rPr lang="ru-RU" sz="1200" kern="1200" dirty="0" smtClean="0">
+                <a:solidFill>
+                  <a:schemeClr val="tx1"/>
+                </a:solidFill>
+                <a:effectLst/>
+                <a:latin typeface="+mn-lt"/>
+                <a:ea typeface="+mn-ea"/>
+                <a:cs typeface="+mn-cs"/>
+              </a:rPr>
+              <a:t>Экономия времени </a:t>
+            </a:r>
+            <a:r>
+              <a:rPr lang="ru-RU" sz="1200" kern="1200" dirty="0" err="1" smtClean="0">
+                <a:solidFill>
+                  <a:schemeClr val="tx1"/>
+                </a:solidFill>
+                <a:effectLst/>
+                <a:latin typeface="+mn-lt"/>
+                <a:ea typeface="+mn-ea"/>
+                <a:cs typeface="+mn-cs"/>
+              </a:rPr>
+              <a:t>тестировщика</a:t>
+            </a:r>
+            <a:r>
+              <a:rPr lang="ru-RU" sz="1200" kern="1200" dirty="0" smtClean="0">
+                <a:solidFill>
+                  <a:schemeClr val="tx1"/>
+                </a:solidFill>
+                <a:effectLst/>
+                <a:latin typeface="+mn-lt"/>
+                <a:ea typeface="+mn-ea"/>
+                <a:cs typeface="+mn-cs"/>
+              </a:rPr>
+              <a:t> (10) </a:t>
+            </a:r>
+            <a:r>
+              <a:rPr lang="en-US" sz="1200" b="1" kern="1200" dirty="0" smtClean="0">
+                <a:solidFill>
+                  <a:schemeClr val="tx1"/>
+                </a:solidFill>
+                <a:effectLst/>
+                <a:latin typeface="+mn-lt"/>
+                <a:ea typeface="+mn-ea"/>
+                <a:cs typeface="+mn-cs"/>
+              </a:rPr>
+              <a:t>~</a:t>
+            </a:r>
+            <a:r>
+              <a:rPr lang="ru-RU" sz="1200" b="1" kern="1200" dirty="0" smtClean="0">
+                <a:solidFill>
+                  <a:schemeClr val="tx1"/>
+                </a:solidFill>
+                <a:effectLst/>
+                <a:latin typeface="+mn-lt"/>
+                <a:ea typeface="+mn-ea"/>
+                <a:cs typeface="+mn-cs"/>
+              </a:rPr>
+              <a:t>50% половина</a:t>
+            </a:r>
+            <a:endParaRPr lang="ru-RU" sz="1200" kern="1200" dirty="0" smtClean="0">
+              <a:solidFill>
+                <a:schemeClr val="tx1"/>
+              </a:solidFill>
+              <a:effectLst/>
+              <a:latin typeface="+mn-lt"/>
+              <a:ea typeface="+mn-ea"/>
+              <a:cs typeface="+mn-cs"/>
+            </a:endParaRPr>
+          </a:p>
+          <a:p>
+            <a:pPr lvl="0"/>
+            <a:r>
+              <a:rPr lang="ru-RU" sz="1200" kern="1200" dirty="0" smtClean="0">
+                <a:solidFill>
+                  <a:schemeClr val="tx1"/>
+                </a:solidFill>
+                <a:effectLst/>
+                <a:latin typeface="+mn-lt"/>
+                <a:ea typeface="+mn-ea"/>
+                <a:cs typeface="+mn-cs"/>
+              </a:rPr>
+              <a:t>Уверенность разработчика (9)		</a:t>
+            </a:r>
+            <a:r>
+              <a:rPr lang="ru-RU" sz="1200" b="1" kern="1200" dirty="0" smtClean="0">
+                <a:solidFill>
+                  <a:schemeClr val="tx1"/>
+                </a:solidFill>
+                <a:effectLst/>
+                <a:latin typeface="+mn-lt"/>
+                <a:ea typeface="+mn-ea"/>
+                <a:cs typeface="+mn-cs"/>
+              </a:rPr>
+              <a:t>40%</a:t>
+            </a:r>
+            <a:endParaRPr lang="ru-RU" sz="1200" kern="1200" dirty="0" smtClean="0">
+              <a:solidFill>
+                <a:schemeClr val="tx1"/>
+              </a:solidFill>
+              <a:effectLst/>
+              <a:latin typeface="+mn-lt"/>
+              <a:ea typeface="+mn-ea"/>
+              <a:cs typeface="+mn-cs"/>
+            </a:endParaRPr>
+          </a:p>
+          <a:p>
+            <a:pPr lvl="0"/>
+            <a:r>
+              <a:rPr lang="ru-RU" sz="1200" kern="1200" dirty="0" smtClean="0">
+                <a:solidFill>
+                  <a:schemeClr val="tx1"/>
+                </a:solidFill>
+                <a:effectLst/>
+                <a:latin typeface="+mn-lt"/>
+                <a:ea typeface="+mn-ea"/>
+                <a:cs typeface="+mn-cs"/>
+              </a:rPr>
+              <a:t>Устранить человеческий фактор (5)	</a:t>
+            </a:r>
+            <a:r>
+              <a:rPr lang="ru-RU" sz="1200" b="1" kern="1200" dirty="0" smtClean="0">
+                <a:solidFill>
+                  <a:schemeClr val="tx1"/>
+                </a:solidFill>
+                <a:effectLst/>
+                <a:latin typeface="+mn-lt"/>
+                <a:ea typeface="+mn-ea"/>
+                <a:cs typeface="+mn-cs"/>
+              </a:rPr>
+              <a:t>23% четверть</a:t>
+            </a:r>
+            <a:endParaRPr lang="ru-RU" sz="1200" kern="1200" dirty="0" smtClean="0">
+              <a:solidFill>
+                <a:schemeClr val="tx1"/>
+              </a:solidFill>
+              <a:effectLst/>
+              <a:latin typeface="+mn-lt"/>
+              <a:ea typeface="+mn-ea"/>
+              <a:cs typeface="+mn-cs"/>
+            </a:endParaRPr>
+          </a:p>
+          <a:p>
+            <a:r>
+              <a:rPr lang="ru-RU" dirty="0" smtClean="0">
+                <a:effectLst/>
+              </a:rPr>
+              <a:t>Опыт в чем-то новом (2)		</a:t>
+            </a:r>
+            <a:r>
+              <a:rPr lang="ru-RU" b="1" dirty="0" smtClean="0">
+                <a:effectLst/>
+              </a:rPr>
+              <a:t>&lt;10%</a:t>
+            </a:r>
+            <a:r>
+              <a:rPr lang="ru-RU" dirty="0" smtClean="0">
+                <a:effectLst/>
+              </a:rPr>
+              <a:t> </a:t>
+            </a:r>
+          </a:p>
+          <a:p>
+            <a:r>
+              <a:rPr lang="ru-RU" sz="1200" kern="1200" dirty="0" smtClean="0">
+                <a:solidFill>
+                  <a:schemeClr val="tx1"/>
+                </a:solidFill>
+                <a:effectLst/>
+                <a:latin typeface="+mn-lt"/>
+                <a:ea typeface="+mn-ea"/>
+                <a:cs typeface="+mn-cs"/>
+              </a:rPr>
+              <a:t>Потом дешевле</a:t>
+            </a:r>
+          </a:p>
+          <a:p>
+            <a:r>
+              <a:rPr lang="ru-RU" sz="1200" kern="1200" dirty="0" smtClean="0">
+                <a:solidFill>
+                  <a:schemeClr val="tx1"/>
+                </a:solidFill>
+                <a:effectLst/>
+                <a:latin typeface="+mn-lt"/>
+                <a:ea typeface="+mn-ea"/>
+                <a:cs typeface="+mn-cs"/>
+              </a:rPr>
+              <a:t>Нужны ресурсы</a:t>
+            </a:r>
+          </a:p>
+          <a:p>
+            <a:r>
+              <a:rPr lang="en-US" sz="1200" kern="1200" dirty="0" smtClean="0">
+                <a:solidFill>
+                  <a:schemeClr val="tx1"/>
+                </a:solidFill>
+                <a:effectLst/>
+                <a:latin typeface="+mn-lt"/>
+                <a:ea typeface="+mn-ea"/>
+                <a:cs typeface="+mn-cs"/>
+              </a:rPr>
+              <a:t>ATDD</a:t>
+            </a:r>
+            <a:endParaRPr lang="ru-RU" sz="1200" kern="1200" dirty="0" smtClean="0">
+              <a:solidFill>
+                <a:schemeClr val="tx1"/>
+              </a:solidFill>
+              <a:effectLst/>
+              <a:latin typeface="+mn-lt"/>
+              <a:ea typeface="+mn-ea"/>
+              <a:cs typeface="+mn-cs"/>
+            </a:endParaRPr>
+          </a:p>
+          <a:p>
+            <a:endParaRPr lang="ru-RU" dirty="0"/>
+          </a:p>
+        </p:txBody>
+      </p:sp>
+      <p:sp>
+        <p:nvSpPr>
+          <p:cNvPr id="4" name="Номер слайда 3"/>
+          <p:cNvSpPr>
+            <a:spLocks noGrp="1"/>
+          </p:cNvSpPr>
+          <p:nvPr>
+            <p:ph type="sldNum" sz="quarter" idx="10"/>
+          </p:nvPr>
+        </p:nvSpPr>
+        <p:spPr/>
+        <p:txBody>
+          <a:bodyPr/>
+          <a:lstStyle/>
+          <a:p>
+            <a:fld id="{FB869962-BCC5-47B5-8B0D-FC145D4EBE4C}" type="slidenum">
+              <a:rPr lang="ru-RU" smtClean="0"/>
+              <a:t>15</a:t>
+            </a:fld>
+            <a:endParaRPr lang="ru-RU"/>
+          </a:p>
+        </p:txBody>
+      </p:sp>
+    </p:spTree>
+    <p:extLst>
+      <p:ext uri="{BB962C8B-B14F-4D97-AF65-F5344CB8AC3E}">
+        <p14:creationId xmlns:p14="http://schemas.microsoft.com/office/powerpoint/2010/main" val="1077338564"/>
+      </p:ext>
+    </p:extLst>
+  </p:cSld>
+  <p:clrMapOvr>
+    <a:masterClrMapping/>
+  </p:clrMapOvr>
+</p:notes>
+</file>
+
 <file path=ppt/slideLayouts/slideLayout1.xml><?xml version="1.0" encoding="utf-8"?>
 <p:sldLayout xmlns:a="http://schemas.openxmlformats.org/drawingml/2006/main" xmlns:r="http://schemas.openxmlformats.org/officeDocument/2006/relationships" xmlns:p="http://schemas.openxmlformats.org/presentationml/2006/main" showMasterSp="0" type="title" preserve="1">
   <p:cSld name="Титульный слайд">
@@ -1990,7 +2768,7 @@
           <a:p>
             <a:fld id="{A5A02310-A014-425C-B76F-E7BC72180DC0}" type="datetimeFigureOut">
               <a:rPr lang="en-US" smtClean="0"/>
-              <a:t>5/23/2016</a:t>
+              <a:t>5/24/2016</a:t>
             </a:fld>
             <a:endParaRPr lang="en-US"/>
           </a:p>
@@ -2181,7 +2959,7 @@
           <a:p>
             <a:fld id="{A5A02310-A014-425C-B76F-E7BC72180DC0}" type="datetimeFigureOut">
               <a:rPr lang="en-US" smtClean="0"/>
-              <a:t>5/23/2016</a:t>
+              <a:t>5/24/2016</a:t>
             </a:fld>
             <a:endParaRPr lang="en-US"/>
           </a:p>
@@ -2366,7 +3144,7 @@
           <a:p>
             <a:fld id="{A5A02310-A014-425C-B76F-E7BC72180DC0}" type="datetimeFigureOut">
               <a:rPr lang="en-US" smtClean="0"/>
-              <a:t>5/23/2016</a:t>
+              <a:t>5/24/2016</a:t>
             </a:fld>
             <a:endParaRPr lang="en-US"/>
           </a:p>
@@ -2629,7 +3407,7 @@
           <a:p>
             <a:fld id="{A5A02310-A014-425C-B76F-E7BC72180DC0}" type="datetimeFigureOut">
               <a:rPr lang="en-US" smtClean="0"/>
-              <a:t>5/23/2016</a:t>
+              <a:t>5/24/2016</a:t>
             </a:fld>
             <a:endParaRPr lang="en-US"/>
           </a:p>
@@ -3045,7 +3823,7 @@
           <a:p>
             <a:fld id="{A5A02310-A014-425C-B76F-E7BC72180DC0}" type="datetimeFigureOut">
               <a:rPr lang="en-US" smtClean="0"/>
-              <a:t>5/23/2016</a:t>
+              <a:t>5/24/2016</a:t>
             </a:fld>
             <a:endParaRPr lang="en-US"/>
           </a:p>
@@ -3287,7 +4065,7 @@
           <a:p>
             <a:fld id="{A5A02310-A014-425C-B76F-E7BC72180DC0}" type="datetimeFigureOut">
               <a:rPr lang="en-US" smtClean="0"/>
-              <a:t>5/23/2016</a:t>
+              <a:t>5/24/2016</a:t>
             </a:fld>
             <a:endParaRPr lang="en-US"/>
           </a:p>
@@ -3523,7 +4301,7 @@
           <a:p>
             <a:fld id="{A5A02310-A014-425C-B76F-E7BC72180DC0}" type="datetimeFigureOut">
               <a:rPr lang="en-US" smtClean="0"/>
-              <a:t>5/23/2016</a:t>
+              <a:t>5/24/2016</a:t>
             </a:fld>
             <a:endParaRPr lang="en-US"/>
           </a:p>
@@ -3718,7 +4496,7 @@
           <a:p>
             <a:fld id="{A5A02310-A014-425C-B76F-E7BC72180DC0}" type="datetimeFigureOut">
               <a:rPr lang="en-US" smtClean="0"/>
-              <a:t>5/23/2016</a:t>
+              <a:t>5/24/2016</a:t>
             </a:fld>
             <a:endParaRPr lang="en-US"/>
           </a:p>
@@ -3816,7 +4594,7 @@
           <a:p>
             <a:fld id="{A5A02310-A014-425C-B76F-E7BC72180DC0}" type="datetimeFigureOut">
               <a:rPr lang="en-US" smtClean="0"/>
-              <a:t>5/23/2016</a:t>
+              <a:t>5/24/2016</a:t>
             </a:fld>
             <a:endParaRPr lang="en-US"/>
           </a:p>
@@ -3952,7 +4730,7 @@
           <a:p>
             <a:fld id="{A5A02310-A014-425C-B76F-E7BC72180DC0}" type="datetimeFigureOut">
               <a:rPr lang="en-US" smtClean="0"/>
-              <a:t>5/23/2016</a:t>
+              <a:t>5/24/2016</a:t>
             </a:fld>
             <a:endParaRPr lang="en-US"/>
           </a:p>
@@ -4470,7 +5248,7 @@
           <a:p>
             <a:fld id="{A5A02310-A014-425C-B76F-E7BC72180DC0}" type="datetimeFigureOut">
               <a:rPr lang="en-US" smtClean="0"/>
-              <a:t>5/23/2016</a:t>
+              <a:t>5/24/2016</a:t>
             </a:fld>
             <a:endParaRPr lang="en-US"/>
           </a:p>
@@ -4731,7 +5509,7 @@
           <a:p>
             <a:fld id="{A5A02310-A014-425C-B76F-E7BC72180DC0}" type="datetimeFigureOut">
               <a:rPr lang="en-US" smtClean="0"/>
-              <a:t>5/23/2016</a:t>
+              <a:t>5/24/2016</a:t>
             </a:fld>
             <a:endParaRPr lang="en-US"/>
           </a:p>
@@ -5702,7 +6480,7 @@
             <p:ph sz="quarter" idx="1"/>
             <p:extLst>
               <p:ext uri="{D42A27DB-BD31-4B8C-83A1-F6EECF244321}">
-                <p14:modId xmlns:p14="http://schemas.microsoft.com/office/powerpoint/2010/main" val="2093162433"/>
+                <p14:modId xmlns:p14="http://schemas.microsoft.com/office/powerpoint/2010/main" val="286271571"/>
               </p:ext>
             </p:extLst>
           </p:nvPr>
@@ -5811,7 +6589,7 @@
             </a:pPr>
             <a:r>
               <a:rPr lang="ru-RU" sz="3200" dirty="0" smtClean="0"/>
-              <a:t>  </a:t>
+              <a:t> </a:t>
             </a:r>
             <a:r>
               <a:rPr lang="en-US" sz="3200" dirty="0" smtClean="0"/>
@@ -5835,8 +6613,13 @@
             </a:pPr>
             <a:r>
               <a:rPr lang="ru-RU" sz="3200" dirty="0" smtClean="0"/>
-              <a:t>  Регрессионные тесты</a:t>
-            </a:r>
+              <a:t> </a:t>
+            </a:r>
+            <a:r>
+              <a:rPr lang="ru-RU" sz="3200" dirty="0" smtClean="0"/>
+              <a:t>Сложные/трудоемкие</a:t>
+            </a:r>
+            <a:endParaRPr lang="ru-RU" sz="3200" dirty="0" smtClean="0"/>
           </a:p>
           <a:p>
             <a:pPr marL="342900" indent="-160338">
@@ -5851,7 +6634,7 @@
             </a:pPr>
             <a:r>
               <a:rPr lang="ru-RU" sz="3200" dirty="0" smtClean="0"/>
-              <a:t>  </a:t>
+              <a:t> </a:t>
             </a:r>
             <a:r>
               <a:rPr lang="en-US" sz="3200" dirty="0" smtClean="0"/>
@@ -5875,16 +6658,17 @@
             </a:pPr>
             <a:r>
               <a:rPr lang="ru-RU" sz="3200" dirty="0" smtClean="0"/>
-              <a:t>  </a:t>
-            </a:r>
-            <a:r>
-              <a:rPr lang="en-US" sz="3200" dirty="0" smtClean="0"/>
-              <a:t>UI </a:t>
+              <a:t> </a:t>
+            </a:r>
+            <a:r>
+              <a:rPr lang="ru-RU" sz="3200" dirty="0"/>
+              <a:t>Регрессионные </a:t>
             </a:r>
             <a:r>
               <a:rPr lang="ru-RU" sz="3200" dirty="0" smtClean="0"/>
-              <a:t>тесты (видимость компонентов…)</a:t>
-            </a:r>
+              <a:t>тесты</a:t>
+            </a:r>
+            <a:endParaRPr lang="ru-RU" sz="3200" dirty="0" smtClean="0"/>
           </a:p>
           <a:p>
             <a:pPr marL="342900" indent="-160338">
@@ -5899,7 +6683,15 @@
             </a:pPr>
             <a:r>
               <a:rPr lang="ru-RU" sz="3200" dirty="0" smtClean="0"/>
-              <a:t>  Редко меняющиеся</a:t>
+              <a:t> </a:t>
+            </a:r>
+            <a:r>
+              <a:rPr lang="ru-RU" sz="3200" dirty="0" smtClean="0"/>
+              <a:t>Редко </a:t>
+            </a:r>
+            <a:r>
+              <a:rPr lang="ru-RU" sz="3200" dirty="0" smtClean="0"/>
+              <a:t>меняющиеся</a:t>
             </a:r>
           </a:p>
           <a:p>
@@ -5915,7 +6707,15 @@
             </a:pPr>
             <a:r>
               <a:rPr lang="ru-RU" sz="3200" dirty="0" smtClean="0"/>
-              <a:t>  Сложные/трудоемкие</a:t>
+              <a:t> </a:t>
+            </a:r>
+            <a:r>
+              <a:rPr lang="en-US" sz="3200" dirty="0" smtClean="0"/>
+              <a:t>API/UI</a:t>
+            </a:r>
+            <a:r>
+              <a:rPr lang="ru-RU" sz="3200" dirty="0" smtClean="0"/>
+              <a:t> </a:t>
             </a:r>
             <a:endParaRPr lang="ru-RU" sz="3200" dirty="0"/>
           </a:p>
@@ -5929,8 +6729,8 @@
         </p:nvSpPr>
         <p:spPr>
           <a:xfrm>
-            <a:off x="1134884" y="1845424"/>
-            <a:ext cx="7245800" cy="598516"/>
+            <a:off x="1217569" y="1845424"/>
+            <a:ext cx="7163115" cy="598516"/>
           </a:xfrm>
           <a:prstGeom prst="rect">
             <a:avLst/>
@@ -5969,8 +6769,8 @@
         </p:nvSpPr>
         <p:spPr>
           <a:xfrm>
-            <a:off x="1136959" y="2579734"/>
-            <a:ext cx="7245800" cy="598516"/>
+            <a:off x="1219644" y="2579734"/>
+            <a:ext cx="7163115" cy="598516"/>
           </a:xfrm>
           <a:prstGeom prst="rect">
             <a:avLst/>
@@ -6009,8 +6809,8 @@
         </p:nvSpPr>
         <p:spPr>
           <a:xfrm>
-            <a:off x="1134884" y="3317873"/>
-            <a:ext cx="7245800" cy="598516"/>
+            <a:off x="1217569" y="3317873"/>
+            <a:ext cx="7163115" cy="598516"/>
           </a:xfrm>
           <a:prstGeom prst="rect">
             <a:avLst/>
@@ -6049,8 +6849,8 @@
         </p:nvSpPr>
         <p:spPr>
           <a:xfrm>
-            <a:off x="1136959" y="4044943"/>
-            <a:ext cx="7245800" cy="598516"/>
+            <a:off x="1219644" y="4044943"/>
+            <a:ext cx="7163115" cy="598516"/>
           </a:xfrm>
           <a:prstGeom prst="rect">
             <a:avLst/>
@@ -6089,8 +6889,8 @@
         </p:nvSpPr>
         <p:spPr>
           <a:xfrm>
-            <a:off x="1132798" y="4795879"/>
-            <a:ext cx="7245800" cy="598516"/>
+            <a:off x="1215483" y="4795879"/>
+            <a:ext cx="7163115" cy="598516"/>
           </a:xfrm>
           <a:prstGeom prst="rect">
             <a:avLst/>
@@ -6129,8 +6929,8 @@
         </p:nvSpPr>
         <p:spPr>
           <a:xfrm>
-            <a:off x="1132798" y="5546795"/>
-            <a:ext cx="7245800" cy="598516"/>
+            <a:off x="1215483" y="5546795"/>
+            <a:ext cx="7163115" cy="598516"/>
           </a:xfrm>
           <a:prstGeom prst="rect">
             <a:avLst/>
@@ -6702,7 +7502,11 @@
               </a:lnSpc>
             </a:pPr>
             <a:r>
-              <a:rPr lang="ru-RU" sz="2400" dirty="0" smtClean="0"/>
+              <a:rPr lang="ru-RU" sz="2400" dirty="0">
+                <a:solidFill>
+                  <a:srgbClr val="00B050"/>
+                </a:solidFill>
+              </a:rPr>
               <a:t>Рутинные операции</a:t>
             </a:r>
           </a:p>
@@ -6892,9 +7696,13 @@
             </a:pPr>
             <a:r>
               <a:rPr lang="ru-RU" dirty="0"/>
-              <a:t>Уверенность разработчика</a:t>
-            </a:r>
-            <a:endParaRPr lang="en-US" dirty="0"/>
+              <a:t>Экономия времени </a:t>
+            </a:r>
+            <a:r>
+              <a:rPr lang="ru-RU" dirty="0" err="1"/>
+              <a:t>тестировщика</a:t>
+            </a:r>
+            <a:endParaRPr lang="ru-RU" dirty="0"/>
           </a:p>
           <a:p>
             <a:pPr marL="880110" lvl="1" indent="-514350">
@@ -6908,13 +7716,13 @@
             </a:pPr>
             <a:r>
               <a:rPr lang="ru-RU" dirty="0" smtClean="0"/>
-              <a:t>Экономия времени </a:t>
-            </a:r>
-            <a:r>
-              <a:rPr lang="ru-RU" dirty="0" err="1" smtClean="0"/>
-              <a:t>тестировщика</a:t>
-            </a:r>
-            <a:endParaRPr lang="ru-RU" dirty="0" smtClean="0"/>
+              <a:t>Уверенность </a:t>
+            </a:r>
+            <a:r>
+              <a:rPr lang="ru-RU" dirty="0"/>
+              <a:t>разработчика</a:t>
+            </a:r>
+            <a:endParaRPr lang="en-US" dirty="0"/>
           </a:p>
           <a:p>
             <a:pPr marL="880110" lvl="1" indent="-514350">
@@ -6928,7 +7736,11 @@
             </a:pPr>
             <a:r>
               <a:rPr lang="ru-RU" dirty="0" smtClean="0"/>
-              <a:t>Устранить человеческий фактор</a:t>
+              <a:t>Устранить </a:t>
+            </a:r>
+            <a:r>
+              <a:rPr lang="ru-RU" dirty="0" smtClean="0"/>
+              <a:t>человеческий фактор</a:t>
             </a:r>
           </a:p>
           <a:p>
@@ -6943,8 +7755,9 @@
             </a:pPr>
             <a:r>
               <a:rPr lang="ru-RU" dirty="0" smtClean="0"/>
-              <a:t>Окупаются со временем</a:t>
-            </a:r>
+              <a:t>Опыт в чем-то новом</a:t>
+            </a:r>
+            <a:endParaRPr lang="ru-RU" dirty="0" smtClean="0"/>
           </a:p>
         </p:txBody>
       </p:sp>
@@ -6956,8 +7769,8 @@
         </p:nvSpPr>
         <p:spPr>
           <a:xfrm>
-            <a:off x="1346753" y="1845424"/>
-            <a:ext cx="7245800" cy="598516"/>
+            <a:off x="1371600" y="1845424"/>
+            <a:ext cx="7220953" cy="598516"/>
           </a:xfrm>
           <a:prstGeom prst="rect">
             <a:avLst/>
@@ -6996,8 +7809,8 @@
         </p:nvSpPr>
         <p:spPr>
           <a:xfrm>
-            <a:off x="1348828" y="2735848"/>
-            <a:ext cx="7245800" cy="598516"/>
+            <a:off x="1373675" y="2735848"/>
+            <a:ext cx="7220953" cy="598516"/>
           </a:xfrm>
           <a:prstGeom prst="rect">
             <a:avLst/>
@@ -7036,8 +7849,8 @@
         </p:nvSpPr>
         <p:spPr>
           <a:xfrm>
-            <a:off x="1346753" y="3585497"/>
-            <a:ext cx="7245800" cy="598516"/>
+            <a:off x="1371600" y="3585497"/>
+            <a:ext cx="7220953" cy="598516"/>
           </a:xfrm>
           <a:prstGeom prst="rect">
             <a:avLst/>
@@ -7076,8 +7889,8 @@
         </p:nvSpPr>
         <p:spPr>
           <a:xfrm>
-            <a:off x="1348828" y="4424077"/>
-            <a:ext cx="7245800" cy="598516"/>
+            <a:off x="1373675" y="4424077"/>
+            <a:ext cx="7220953" cy="598516"/>
           </a:xfrm>
           <a:prstGeom prst="rect">
             <a:avLst/>
@@ -7116,8 +7929,8 @@
         </p:nvSpPr>
         <p:spPr>
           <a:xfrm>
-            <a:off x="1355818" y="5297674"/>
-            <a:ext cx="7245800" cy="598516"/>
+            <a:off x="1380665" y="5297674"/>
+            <a:ext cx="7220953" cy="598516"/>
           </a:xfrm>
           <a:prstGeom prst="rect">
             <a:avLst/>
@@ -7777,8 +8590,8 @@
               <a:buAutoNum type="arabicPeriod"/>
             </a:pPr>
             <a:r>
-              <a:rPr lang="ru-RU" dirty="0" smtClean="0"/>
-              <a:t>Сложно писать</a:t>
+              <a:rPr lang="ru-RU" dirty="0"/>
+              <a:t>Стоимость разработки</a:t>
             </a:r>
           </a:p>
           <a:p>
@@ -7793,7 +8606,11 @@
             </a:pPr>
             <a:r>
               <a:rPr lang="ru-RU" dirty="0" smtClean="0"/>
-              <a:t>Время</a:t>
+              <a:t>Сложно </a:t>
+            </a:r>
+            <a:r>
+              <a:rPr lang="ru-RU" dirty="0" smtClean="0"/>
+              <a:t>писать</a:t>
             </a:r>
           </a:p>
           <a:p>
@@ -7808,7 +8625,7 @@
             </a:pPr>
             <a:r>
               <a:rPr lang="ru-RU" dirty="0" smtClean="0"/>
-              <a:t>Стоимость разработки</a:t>
+              <a:t>Время</a:t>
             </a:r>
           </a:p>
           <a:p>
@@ -7822,16 +8639,8 @@
               <a:buAutoNum type="arabicPeriod"/>
             </a:pPr>
             <a:r>
-              <a:rPr lang="ru-RU" dirty="0" smtClean="0"/>
-              <a:t>НЕ </a:t>
-            </a:r>
-            <a:r>
-              <a:rPr lang="en-US" dirty="0" smtClean="0"/>
-              <a:t>ad-hoc </a:t>
-            </a:r>
-            <a:r>
-              <a:rPr lang="ru-RU" dirty="0" smtClean="0"/>
-              <a:t>тестирование</a:t>
+              <a:rPr lang="ru-RU" dirty="0"/>
+              <a:t>Качество должно быть выше</a:t>
             </a:r>
           </a:p>
           <a:p>
@@ -7846,9 +8655,17 @@
             </a:pPr>
             <a:r>
               <a:rPr lang="ru-RU" dirty="0" smtClean="0"/>
-              <a:t>Качество должно быть выше</a:t>
-            </a:r>
-            <a:endParaRPr lang="ru-RU" dirty="0"/>
+              <a:t>НЕ </a:t>
+            </a:r>
+            <a:r>
+              <a:rPr lang="en-US" dirty="0" smtClean="0"/>
+              <a:t>ad-hoc </a:t>
+            </a:r>
+            <a:r>
+              <a:rPr lang="ru-RU" dirty="0" smtClean="0"/>
+              <a:t>тестирование</a:t>
+            </a:r>
+            <a:endParaRPr lang="ru-RU" dirty="0" smtClean="0"/>
           </a:p>
         </p:txBody>
       </p:sp>
@@ -7860,8 +8677,8 @@
         </p:nvSpPr>
         <p:spPr>
           <a:xfrm>
-            <a:off x="1008509" y="1752502"/>
-            <a:ext cx="7245800" cy="598516"/>
+            <a:off x="1081669" y="1758972"/>
+            <a:ext cx="7172640" cy="598516"/>
           </a:xfrm>
           <a:prstGeom prst="rect">
             <a:avLst/>
@@ -7900,8 +8717,8 @@
         </p:nvSpPr>
         <p:spPr>
           <a:xfrm>
-            <a:off x="1010584" y="2486812"/>
-            <a:ext cx="7245800" cy="598516"/>
+            <a:off x="1083744" y="2493282"/>
+            <a:ext cx="7172640" cy="598516"/>
           </a:xfrm>
           <a:prstGeom prst="rect">
             <a:avLst/>
@@ -7940,8 +8757,8 @@
         </p:nvSpPr>
         <p:spPr>
           <a:xfrm>
-            <a:off x="1008509" y="3224951"/>
-            <a:ext cx="7245800" cy="598516"/>
+            <a:off x="1081669" y="3231421"/>
+            <a:ext cx="7172640" cy="598516"/>
           </a:xfrm>
           <a:prstGeom prst="rect">
             <a:avLst/>
@@ -7980,8 +8797,8 @@
         </p:nvSpPr>
         <p:spPr>
           <a:xfrm>
-            <a:off x="1010584" y="3952021"/>
-            <a:ext cx="7245800" cy="598516"/>
+            <a:off x="1083744" y="3958491"/>
+            <a:ext cx="7172640" cy="598516"/>
           </a:xfrm>
           <a:prstGeom prst="rect">
             <a:avLst/>
@@ -8020,8 +8837,8 @@
         </p:nvSpPr>
         <p:spPr>
           <a:xfrm>
-            <a:off x="1006423" y="4680655"/>
-            <a:ext cx="7245800" cy="598516"/>
+            <a:off x="1079583" y="4687125"/>
+            <a:ext cx="7172640" cy="598516"/>
           </a:xfrm>
           <a:prstGeom prst="rect">
             <a:avLst/>
@@ -8060,8 +8877,8 @@
         </p:nvSpPr>
         <p:spPr>
           <a:xfrm>
-            <a:off x="1006423" y="5420420"/>
-            <a:ext cx="7245800" cy="598516"/>
+            <a:off x="1079583" y="5398118"/>
+            <a:ext cx="7172640" cy="598516"/>
           </a:xfrm>
           <a:prstGeom prst="rect">
             <a:avLst/>

--- a/MiniQ/Testing/Testing.pptx
+++ b/MiniQ/Testing/Testing.pptx
@@ -249,7 +249,7 @@
                   <c:v>0.36</c:v>
                 </c:pt>
                 <c:pt idx="1">
-                  <c:v>0.63</c:v>
+                  <c:v>0.64</c:v>
                 </c:pt>
               </c:numCache>
             </c:numRef>
@@ -6480,7 +6480,7 @@
             <p:ph sz="quarter" idx="1"/>
             <p:extLst>
               <p:ext uri="{D42A27DB-BD31-4B8C-83A1-F6EECF244321}">
-                <p14:modId xmlns:p14="http://schemas.microsoft.com/office/powerpoint/2010/main" val="286271571"/>
+                <p14:modId xmlns:p14="http://schemas.microsoft.com/office/powerpoint/2010/main" val="97717544"/>
               </p:ext>
             </p:extLst>
           </p:nvPr>
@@ -6613,13 +6613,8 @@
             </a:pPr>
             <a:r>
               <a:rPr lang="ru-RU" sz="3200" dirty="0" smtClean="0"/>
-              <a:t> </a:t>
-            </a:r>
-            <a:r>
-              <a:rPr lang="ru-RU" sz="3200" dirty="0" smtClean="0"/>
-              <a:t>Сложные/трудоемкие</a:t>
-            </a:r>
-            <a:endParaRPr lang="ru-RU" sz="3200" dirty="0" smtClean="0"/>
+              <a:t> Сложные/трудоемкие</a:t>
+            </a:r>
           </a:p>
           <a:p>
             <a:pPr marL="342900" indent="-160338">
@@ -6668,7 +6663,6 @@
               <a:rPr lang="ru-RU" sz="3200" dirty="0" smtClean="0"/>
               <a:t>тесты</a:t>
             </a:r>
-            <a:endParaRPr lang="ru-RU" sz="3200" dirty="0" smtClean="0"/>
           </a:p>
           <a:p>
             <a:pPr marL="342900" indent="-160338">
@@ -6683,15 +6677,7 @@
             </a:pPr>
             <a:r>
               <a:rPr lang="ru-RU" sz="3200" dirty="0" smtClean="0"/>
-              <a:t> </a:t>
-            </a:r>
-            <a:r>
-              <a:rPr lang="ru-RU" sz="3200" dirty="0" smtClean="0"/>
-              <a:t>Редко </a:t>
-            </a:r>
-            <a:r>
-              <a:rPr lang="ru-RU" sz="3200" dirty="0" smtClean="0"/>
-              <a:t>меняющиеся</a:t>
+              <a:t> Редко меняющиеся</a:t>
             </a:r>
           </a:p>
           <a:p>
@@ -7736,11 +7722,7 @@
             </a:pPr>
             <a:r>
               <a:rPr lang="ru-RU" dirty="0" smtClean="0"/>
-              <a:t>Устранить </a:t>
-            </a:r>
-            <a:r>
-              <a:rPr lang="ru-RU" dirty="0" smtClean="0"/>
-              <a:t>человеческий фактор</a:t>
+              <a:t>Устранить человеческий фактор</a:t>
             </a:r>
           </a:p>
           <a:p>
@@ -7757,7 +7739,6 @@
               <a:rPr lang="ru-RU" dirty="0" smtClean="0"/>
               <a:t>Опыт в чем-то новом</a:t>
             </a:r>
-            <a:endParaRPr lang="ru-RU" dirty="0" smtClean="0"/>
           </a:p>
         </p:txBody>
       </p:sp>
@@ -8606,11 +8587,7 @@
             </a:pPr>
             <a:r>
               <a:rPr lang="ru-RU" dirty="0" smtClean="0"/>
-              <a:t>Сложно </a:t>
-            </a:r>
-            <a:r>
-              <a:rPr lang="ru-RU" dirty="0" smtClean="0"/>
-              <a:t>писать</a:t>
+              <a:t>Сложно писать</a:t>
             </a:r>
           </a:p>
           <a:p>
@@ -8665,7 +8642,6 @@
               <a:rPr lang="ru-RU" dirty="0" smtClean="0"/>
               <a:t>тестирование</a:t>
             </a:r>
-            <a:endParaRPr lang="ru-RU" dirty="0" smtClean="0"/>
           </a:p>
         </p:txBody>
       </p:sp>
